--- a/lectures/powerpoints/SDK-walkthrough-part-one.pptx
+++ b/lectures/powerpoints/SDK-walkthrough-part-one.pptx
@@ -162,7 +162,6 @@
 <p1510:revInfo xmlns:a="http://schemas.openxmlformats.org/drawingml/2006/main" xmlns:r="http://schemas.openxmlformats.org/officeDocument/2006/relationships" xmlns:p1510="http://schemas.microsoft.com/office/powerpoint/2015/10/main">
   <p1510:revLst>
     <p1510:client id="{2CABE58F-3CC0-49BA-A17C-5E7A768BF940}" v="8" dt="2023-12-18T11:59:37.753"/>
-    <p1510:client id="{FC271AF9-2AEA-492D-BBE0-1C724531AF59}" v="232" dt="2023-12-17T19:59:09.541"/>
   </p1510:revLst>
 </p1510:revInfo>
 </file>
@@ -224,7 +223,7 @@
           <a:p>
             <a:fld id="{237A3326-6BE8-4DE2-A526-66D6DC5DC342}" type="datetimeFigureOut">
               <a:rPr lang="en-GB" smtClean="0"/>
-              <a:t>18/12/2023</a:t>
+              <a:t>19/12/2023</a:t>
             </a:fld>
             <a:endParaRPr lang="en-GB"/>
           </a:p>
@@ -401,7 +400,7 @@
           <a:p>
             <a:fld id="{198E9702-0021-4473-93B9-41638846F4C4}" type="datetimeFigureOut">
               <a:rPr lang="en-GB" smtClean="0"/>
-              <a:t>18/12/2023</a:t>
+              <a:t>19/12/2023</a:t>
             </a:fld>
             <a:endParaRPr lang="en-GB"/>
           </a:p>
@@ -1354,7 +1353,7 @@
           <a:p>
             <a:fld id="{B1836D41-3C4D-1D49-AA54-4231464E6415}" type="datetimeFigureOut">
               <a:rPr lang="en-US" smtClean="0"/>
-              <a:t>12/18/2023</a:t>
+              <a:t>12/19/2023</a:t>
             </a:fld>
             <a:endParaRPr lang="en-US"/>
           </a:p>
@@ -1558,7 +1557,7 @@
           <a:p>
             <a:fld id="{B1836D41-3C4D-1D49-AA54-4231464E6415}" type="datetimeFigureOut">
               <a:rPr lang="en-US" smtClean="0"/>
-              <a:t>12/18/2023</a:t>
+              <a:t>12/19/2023</a:t>
             </a:fld>
             <a:endParaRPr lang="en-US"/>
           </a:p>
@@ -1739,7 +1738,7 @@
           <a:p>
             <a:fld id="{B1836D41-3C4D-1D49-AA54-4231464E6415}" type="datetimeFigureOut">
               <a:rPr lang="en-US" smtClean="0"/>
-              <a:t>12/18/2023</a:t>
+              <a:t>12/19/2023</a:t>
             </a:fld>
             <a:endParaRPr lang="en-US"/>
           </a:p>
@@ -1914,7 +1913,7 @@
           <a:p>
             <a:fld id="{B1836D41-3C4D-1D49-AA54-4231464E6415}" type="datetimeFigureOut">
               <a:rPr lang="en-US" smtClean="0"/>
-              <a:t>12/18/2023</a:t>
+              <a:t>12/19/2023</a:t>
             </a:fld>
             <a:endParaRPr lang="en-US"/>
           </a:p>
@@ -2162,7 +2161,7 @@
           <a:p>
             <a:fld id="{B1836D41-3C4D-1D49-AA54-4231464E6415}" type="datetimeFigureOut">
               <a:rPr lang="en-US" smtClean="0"/>
-              <a:t>12/18/2023</a:t>
+              <a:t>12/19/2023</a:t>
             </a:fld>
             <a:endParaRPr lang="en-US"/>
           </a:p>
@@ -2479,7 +2478,7 @@
           <a:p>
             <a:fld id="{B1836D41-3C4D-1D49-AA54-4231464E6415}" type="datetimeFigureOut">
               <a:rPr lang="en-US" smtClean="0"/>
-              <a:t>12/18/2023</a:t>
+              <a:t>12/19/2023</a:t>
             </a:fld>
             <a:endParaRPr lang="en-US"/>
           </a:p>
@@ -2945,7 +2944,7 @@
           <a:p>
             <a:fld id="{B1836D41-3C4D-1D49-AA54-4231464E6415}" type="datetimeFigureOut">
               <a:rPr lang="en-US" smtClean="0"/>
-              <a:t>12/18/2023</a:t>
+              <a:t>12/19/2023</a:t>
             </a:fld>
             <a:endParaRPr lang="en-US"/>
           </a:p>
@@ -3092,7 +3091,7 @@
           <a:p>
             <a:fld id="{B1836D41-3C4D-1D49-AA54-4231464E6415}" type="datetimeFigureOut">
               <a:rPr lang="en-US" smtClean="0"/>
-              <a:t>12/18/2023</a:t>
+              <a:t>12/19/2023</a:t>
             </a:fld>
             <a:endParaRPr lang="en-US"/>
           </a:p>
@@ -3182,7 +3181,7 @@
           <a:p>
             <a:fld id="{B1836D41-3C4D-1D49-AA54-4231464E6415}" type="datetimeFigureOut">
               <a:rPr lang="en-US" smtClean="0"/>
-              <a:t>12/18/2023</a:t>
+              <a:t>12/19/2023</a:t>
             </a:fld>
             <a:endParaRPr lang="en-US"/>
           </a:p>
@@ -3456,7 +3455,7 @@
           <a:p>
             <a:fld id="{B1836D41-3C4D-1D49-AA54-4231464E6415}" type="datetimeFigureOut">
               <a:rPr lang="en-US" smtClean="0"/>
-              <a:t>12/18/2023</a:t>
+              <a:t>12/19/2023</a:t>
             </a:fld>
             <a:endParaRPr lang="en-US"/>
           </a:p>
@@ -3761,7 +3760,7 @@
           <a:p>
             <a:fld id="{B1836D41-3C4D-1D49-AA54-4231464E6415}" type="datetimeFigureOut">
               <a:rPr lang="en-US" smtClean="0"/>
-              <a:t>12/18/2023</a:t>
+              <a:t>12/19/2023</a:t>
             </a:fld>
             <a:endParaRPr lang="en-US"/>
           </a:p>
@@ -4058,7 +4057,7 @@
           <a:p>
             <a:fld id="{B1836D41-3C4D-1D49-AA54-4231464E6415}" type="datetimeFigureOut">
               <a:rPr lang="en-US" smtClean="0"/>
-              <a:t>12/18/2023</a:t>
+              <a:t>12/19/2023</a:t>
             </a:fld>
             <a:endParaRPr lang="en-US"/>
           </a:p>
@@ -20077,7 +20076,7 @@
         </p:nvSpPr>
         <p:spPr>
           <a:xfrm>
-            <a:off x="609600" y="1600200"/>
+            <a:off x="609600" y="2185056"/>
             <a:ext cx="10972800" cy="846304"/>
           </a:xfrm>
         </p:spPr>
@@ -20106,7 +20105,7 @@
         </p:nvSpPr>
         <p:spPr>
           <a:xfrm>
-            <a:off x="609600" y="2564904"/>
+            <a:off x="609600" y="3149760"/>
             <a:ext cx="10972800" cy="338554"/>
           </a:xfrm>
           <a:prstGeom prst="rect">
@@ -20161,7 +20160,7 @@
         </p:nvSpPr>
         <p:spPr>
           <a:xfrm>
-            <a:off x="609600" y="3240869"/>
+            <a:off x="609600" y="3825725"/>
             <a:ext cx="10972800" cy="1302998"/>
           </a:xfrm>
           <a:prstGeom prst="rect">
@@ -20385,7 +20384,7 @@
         </p:nvSpPr>
         <p:spPr>
           <a:xfrm>
-            <a:off x="609600" y="4662527"/>
+            <a:off x="609600" y="5247383"/>
             <a:ext cx="10972800" cy="1077218"/>
           </a:xfrm>
           <a:prstGeom prst="rect">
@@ -20465,7 +20464,7 @@
                 <a:latin typeface="Courier New" panose="02070309020205020404" pitchFamily="49" charset="0"/>
                 <a:cs typeface="Courier New" panose="02070309020205020404" pitchFamily="49" charset="0"/>
               </a:rPr>
-              <a:t>wt5-multiple-PEs  wt6-routes-fabricDSDs  wt7-optimisation  wt8-debugging</a:t>
+              <a:t>wt5-multiple-PEs  wt6-routes-fabricDSDs wt7-collective-communications</a:t>
             </a:r>
           </a:p>
         </p:txBody>
@@ -20484,8 +20483,8 @@
         </p:nvSpPr>
         <p:spPr>
           <a:xfrm>
-            <a:off x="695400" y="5965525"/>
-            <a:ext cx="10225136" cy="369332"/>
+            <a:off x="731404" y="1515076"/>
+            <a:ext cx="10729192" cy="369332"/>
           </a:xfrm>
           <a:prstGeom prst="rect">
             <a:avLst/>
@@ -20502,10 +20501,10 @@
             <a:r>
               <a:rPr lang="en-GB" i="1" dirty="0">
                 <a:solidFill>
-                  <a:srgbClr val="FF0000"/>
-                </a:solidFill>
-              </a:rPr>
-              <a:t>Let one of the tutors know if you are struggling with this</a:t>
+                  <a:srgbClr val="0070C0"/>
+                </a:solidFill>
+              </a:rPr>
+              <a:t>You should have done this already when accessing the CS-2 host a few minutes ago, but in-case not!</a:t>
             </a:r>
           </a:p>
         </p:txBody>

--- a/lectures/powerpoints/SDK-walkthrough-part-one.pptx
+++ b/lectures/powerpoints/SDK-walkthrough-part-one.pptx
@@ -6017,12 +6017,20 @@
           <a:lstStyle/>
           <a:p>
             <a:r>
+              <a:rPr lang="en-GB" sz="1400" i="1" dirty="0" err="1">
+                <a:solidFill>
+                  <a:srgbClr val="0070C0"/>
+                </a:solidFill>
+              </a:rPr>
+              <a:t>Color</a:t>
+            </a:r>
+            <a:r>
               <a:rPr lang="en-GB" sz="1400" i="1" dirty="0">
                 <a:solidFill>
                   <a:srgbClr val="0070C0"/>
                 </a:solidFill>
               </a:rPr>
-              <a:t>Colour (virtual channel) used for Remote Procedure Call (RPC) mechanism</a:t>
+              <a:t> (virtual channel) used for Remote Procedure Call (RPC) mechanism</a:t>
             </a:r>
           </a:p>
         </p:txBody>
@@ -9432,7 +9440,23 @@
                   <a:srgbClr val="0070C0"/>
                 </a:solidFill>
               </a:rPr>
-              <a:t>Create an RPC server (so it can be called from the host) using the colour defined in </a:t>
+              <a:t>Create an RPC server (so it can be called from the host) using the </a:t>
+            </a:r>
+            <a:r>
+              <a:rPr lang="en-GB" sz="1400" i="1" dirty="0" err="1">
+                <a:solidFill>
+                  <a:srgbClr val="0070C0"/>
+                </a:solidFill>
+              </a:rPr>
+              <a:t>color</a:t>
+            </a:r>
+            <a:r>
+              <a:rPr lang="en-GB" sz="1400" i="1" dirty="0">
+                <a:solidFill>
+                  <a:srgbClr val="0070C0"/>
+                </a:solidFill>
+              </a:rPr>
+              <a:t> defined in </a:t>
             </a:r>
             <a:r>
               <a:rPr lang="en-GB" sz="1400" i="1" dirty="0" err="1">

--- a/lectures/powerpoints/SDK-walkthrough-part-one.pptx
+++ b/lectures/powerpoints/SDK-walkthrough-part-one.pptx
@@ -223,7 +223,7 @@
           <a:p>
             <a:fld id="{237A3326-6BE8-4DE2-A526-66D6DC5DC342}" type="datetimeFigureOut">
               <a:rPr lang="en-GB" smtClean="0"/>
-              <a:t>19/12/2023</a:t>
+              <a:t>30/04/2024</a:t>
             </a:fld>
             <a:endParaRPr lang="en-GB"/>
           </a:p>
@@ -400,7 +400,7 @@
           <a:p>
             <a:fld id="{198E9702-0021-4473-93B9-41638846F4C4}" type="datetimeFigureOut">
               <a:rPr lang="en-GB" smtClean="0"/>
-              <a:t>19/12/2023</a:t>
+              <a:t>30/04/2024</a:t>
             </a:fld>
             <a:endParaRPr lang="en-GB"/>
           </a:p>
@@ -1193,6 +1193,174 @@
 </p:notes>
 </file>
 
+<file path=ppt/notesSlides/notesSlide7.xml><?xml version="1.0" encoding="utf-8"?>
+<p:notes xmlns:a="http://schemas.openxmlformats.org/drawingml/2006/main" xmlns:r="http://schemas.openxmlformats.org/officeDocument/2006/relationships" xmlns:p="http://schemas.openxmlformats.org/presentationml/2006/main">
+  <p:cSld>
+    <p:spTree>
+      <p:nvGrpSpPr>
+        <p:cNvPr id="1" name=""/>
+        <p:cNvGrpSpPr/>
+        <p:nvPr/>
+      </p:nvGrpSpPr>
+      <p:grpSpPr>
+        <a:xfrm>
+          <a:off x="0" y="0"/>
+          <a:ext cx="0" cy="0"/>
+          <a:chOff x="0" y="0"/>
+          <a:chExt cx="0" cy="0"/>
+        </a:xfrm>
+      </p:grpSpPr>
+      <p:sp>
+        <p:nvSpPr>
+          <p:cNvPr id="2" name="Slide Image Placeholder 1"/>
+          <p:cNvSpPr>
+            <a:spLocks noGrp="1" noRot="1" noChangeAspect="1"/>
+          </p:cNvSpPr>
+          <p:nvPr>
+            <p:ph type="sldImg"/>
+          </p:nvPr>
+        </p:nvSpPr>
+        <p:spPr/>
+      </p:sp>
+      <p:sp>
+        <p:nvSpPr>
+          <p:cNvPr id="3" name="Notes Placeholder 2"/>
+          <p:cNvSpPr>
+            <a:spLocks noGrp="1"/>
+          </p:cNvSpPr>
+          <p:nvPr>
+            <p:ph type="body" idx="1"/>
+          </p:nvPr>
+        </p:nvSpPr>
+        <p:spPr/>
+        <p:txBody>
+          <a:bodyPr/>
+          <a:lstStyle/>
+          <a:p>
+            <a:endParaRPr lang="en-US" dirty="0"/>
+          </a:p>
+        </p:txBody>
+      </p:sp>
+      <p:sp>
+        <p:nvSpPr>
+          <p:cNvPr id="4" name="Slide Number Placeholder 3"/>
+          <p:cNvSpPr>
+            <a:spLocks noGrp="1"/>
+          </p:cNvSpPr>
+          <p:nvPr>
+            <p:ph type="sldNum" sz="quarter" idx="5"/>
+          </p:nvPr>
+        </p:nvSpPr>
+        <p:spPr/>
+        <p:txBody>
+          <a:bodyPr/>
+          <a:lstStyle/>
+          <a:p>
+            <a:fld id="{99A962A9-E496-4035-9CF6-BB737F875FB5}" type="slidenum">
+              <a:rPr lang="en-GB" smtClean="0"/>
+              <a:t>11</a:t>
+            </a:fld>
+            <a:endParaRPr lang="en-GB"/>
+          </a:p>
+        </p:txBody>
+      </p:sp>
+    </p:spTree>
+    <p:extLst>
+      <p:ext uri="{BB962C8B-B14F-4D97-AF65-F5344CB8AC3E}">
+        <p14:creationId xmlns:p14="http://schemas.microsoft.com/office/powerpoint/2010/main" val="1694865337"/>
+      </p:ext>
+    </p:extLst>
+  </p:cSld>
+  <p:clrMapOvr>
+    <a:masterClrMapping/>
+  </p:clrMapOvr>
+</p:notes>
+</file>
+
+<file path=ppt/notesSlides/notesSlide8.xml><?xml version="1.0" encoding="utf-8"?>
+<p:notes xmlns:a="http://schemas.openxmlformats.org/drawingml/2006/main" xmlns:r="http://schemas.openxmlformats.org/officeDocument/2006/relationships" xmlns:p="http://schemas.openxmlformats.org/presentationml/2006/main">
+  <p:cSld>
+    <p:spTree>
+      <p:nvGrpSpPr>
+        <p:cNvPr id="1" name=""/>
+        <p:cNvGrpSpPr/>
+        <p:nvPr/>
+      </p:nvGrpSpPr>
+      <p:grpSpPr>
+        <a:xfrm>
+          <a:off x="0" y="0"/>
+          <a:ext cx="0" cy="0"/>
+          <a:chOff x="0" y="0"/>
+          <a:chExt cx="0" cy="0"/>
+        </a:xfrm>
+      </p:grpSpPr>
+      <p:sp>
+        <p:nvSpPr>
+          <p:cNvPr id="2" name="Slide Image Placeholder 1"/>
+          <p:cNvSpPr>
+            <a:spLocks noGrp="1" noRot="1" noChangeAspect="1"/>
+          </p:cNvSpPr>
+          <p:nvPr>
+            <p:ph type="sldImg"/>
+          </p:nvPr>
+        </p:nvSpPr>
+        <p:spPr/>
+      </p:sp>
+      <p:sp>
+        <p:nvSpPr>
+          <p:cNvPr id="3" name="Notes Placeholder 2"/>
+          <p:cNvSpPr>
+            <a:spLocks noGrp="1"/>
+          </p:cNvSpPr>
+          <p:nvPr>
+            <p:ph type="body" idx="1"/>
+          </p:nvPr>
+        </p:nvSpPr>
+        <p:spPr/>
+        <p:txBody>
+          <a:bodyPr/>
+          <a:lstStyle/>
+          <a:p>
+            <a:endParaRPr lang="en-US" dirty="0"/>
+          </a:p>
+        </p:txBody>
+      </p:sp>
+      <p:sp>
+        <p:nvSpPr>
+          <p:cNvPr id="4" name="Slide Number Placeholder 3"/>
+          <p:cNvSpPr>
+            <a:spLocks noGrp="1"/>
+          </p:cNvSpPr>
+          <p:nvPr>
+            <p:ph type="sldNum" sz="quarter" idx="5"/>
+          </p:nvPr>
+        </p:nvSpPr>
+        <p:spPr/>
+        <p:txBody>
+          <a:bodyPr/>
+          <a:lstStyle/>
+          <a:p>
+            <a:fld id="{99A962A9-E496-4035-9CF6-BB737F875FB5}" type="slidenum">
+              <a:rPr lang="en-GB" smtClean="0"/>
+              <a:t>18</a:t>
+            </a:fld>
+            <a:endParaRPr lang="en-GB"/>
+          </a:p>
+        </p:txBody>
+      </p:sp>
+    </p:spTree>
+    <p:extLst>
+      <p:ext uri="{BB962C8B-B14F-4D97-AF65-F5344CB8AC3E}">
+        <p14:creationId xmlns:p14="http://schemas.microsoft.com/office/powerpoint/2010/main" val="1696951313"/>
+      </p:ext>
+    </p:extLst>
+  </p:cSld>
+  <p:clrMapOvr>
+    <a:masterClrMapping/>
+  </p:clrMapOvr>
+</p:notes>
+</file>
+
 <file path=ppt/slideLayouts/slideLayout1.xml><?xml version="1.0" encoding="utf-8"?>
 <p:sldLayout xmlns:a="http://schemas.openxmlformats.org/drawingml/2006/main" xmlns:r="http://schemas.openxmlformats.org/officeDocument/2006/relationships" xmlns:p="http://schemas.openxmlformats.org/presentationml/2006/main" preserve="1" userDrawn="1">
   <p:cSld name="Title Slide">
@@ -1353,7 +1521,7 @@
           <a:p>
             <a:fld id="{B1836D41-3C4D-1D49-AA54-4231464E6415}" type="datetimeFigureOut">
               <a:rPr lang="en-US" smtClean="0"/>
-              <a:t>12/19/2023</a:t>
+              <a:t>4/30/24</a:t>
             </a:fld>
             <a:endParaRPr lang="en-US"/>
           </a:p>
@@ -1557,7 +1725,7 @@
           <a:p>
             <a:fld id="{B1836D41-3C4D-1D49-AA54-4231464E6415}" type="datetimeFigureOut">
               <a:rPr lang="en-US" smtClean="0"/>
-              <a:t>12/19/2023</a:t>
+              <a:t>4/30/24</a:t>
             </a:fld>
             <a:endParaRPr lang="en-US"/>
           </a:p>
@@ -1738,7 +1906,7 @@
           <a:p>
             <a:fld id="{B1836D41-3C4D-1D49-AA54-4231464E6415}" type="datetimeFigureOut">
               <a:rPr lang="en-US" smtClean="0"/>
-              <a:t>12/19/2023</a:t>
+              <a:t>4/30/24</a:t>
             </a:fld>
             <a:endParaRPr lang="en-US"/>
           </a:p>
@@ -1913,7 +2081,7 @@
           <a:p>
             <a:fld id="{B1836D41-3C4D-1D49-AA54-4231464E6415}" type="datetimeFigureOut">
               <a:rPr lang="en-US" smtClean="0"/>
-              <a:t>12/19/2023</a:t>
+              <a:t>4/30/24</a:t>
             </a:fld>
             <a:endParaRPr lang="en-US"/>
           </a:p>
@@ -2161,7 +2329,7 @@
           <a:p>
             <a:fld id="{B1836D41-3C4D-1D49-AA54-4231464E6415}" type="datetimeFigureOut">
               <a:rPr lang="en-US" smtClean="0"/>
-              <a:t>12/19/2023</a:t>
+              <a:t>4/30/24</a:t>
             </a:fld>
             <a:endParaRPr lang="en-US"/>
           </a:p>
@@ -2478,7 +2646,7 @@
           <a:p>
             <a:fld id="{B1836D41-3C4D-1D49-AA54-4231464E6415}" type="datetimeFigureOut">
               <a:rPr lang="en-US" smtClean="0"/>
-              <a:t>12/19/2023</a:t>
+              <a:t>4/30/24</a:t>
             </a:fld>
             <a:endParaRPr lang="en-US"/>
           </a:p>
@@ -2944,7 +3112,7 @@
           <a:p>
             <a:fld id="{B1836D41-3C4D-1D49-AA54-4231464E6415}" type="datetimeFigureOut">
               <a:rPr lang="en-US" smtClean="0"/>
-              <a:t>12/19/2023</a:t>
+              <a:t>4/30/24</a:t>
             </a:fld>
             <a:endParaRPr lang="en-US"/>
           </a:p>
@@ -3091,7 +3259,7 @@
           <a:p>
             <a:fld id="{B1836D41-3C4D-1D49-AA54-4231464E6415}" type="datetimeFigureOut">
               <a:rPr lang="en-US" smtClean="0"/>
-              <a:t>12/19/2023</a:t>
+              <a:t>4/30/24</a:t>
             </a:fld>
             <a:endParaRPr lang="en-US"/>
           </a:p>
@@ -3181,7 +3349,7 @@
           <a:p>
             <a:fld id="{B1836D41-3C4D-1D49-AA54-4231464E6415}" type="datetimeFigureOut">
               <a:rPr lang="en-US" smtClean="0"/>
-              <a:t>12/19/2023</a:t>
+              <a:t>4/30/24</a:t>
             </a:fld>
             <a:endParaRPr lang="en-US"/>
           </a:p>
@@ -3455,7 +3623,7 @@
           <a:p>
             <a:fld id="{B1836D41-3C4D-1D49-AA54-4231464E6415}" type="datetimeFigureOut">
               <a:rPr lang="en-US" smtClean="0"/>
-              <a:t>12/19/2023</a:t>
+              <a:t>4/30/24</a:t>
             </a:fld>
             <a:endParaRPr lang="en-US"/>
           </a:p>
@@ -3760,7 +3928,7 @@
           <a:p>
             <a:fld id="{B1836D41-3C4D-1D49-AA54-4231464E6415}" type="datetimeFigureOut">
               <a:rPr lang="en-US" smtClean="0"/>
-              <a:t>12/19/2023</a:t>
+              <a:t>4/30/24</a:t>
             </a:fld>
             <a:endParaRPr lang="en-US"/>
           </a:p>
@@ -4057,7 +4225,7 @@
           <a:p>
             <a:fld id="{B1836D41-3C4D-1D49-AA54-4231464E6415}" type="datetimeFigureOut">
               <a:rPr lang="en-US" smtClean="0"/>
-              <a:t>12/19/2023</a:t>
+              <a:t>4/30/24</a:t>
             </a:fld>
             <a:endParaRPr lang="en-US"/>
           </a:p>
@@ -5090,8 +5258,8 @@
               <a:t>To avoid you typing the compile and run command each time, we provide these in the </a:t>
             </a:r>
             <a:r>
-              <a:rPr lang="en-GB" i="1" dirty="0"/>
-              <a:t>compile.sh</a:t>
+              <a:rPr lang="en-GB" i="1" dirty="0" err="1"/>
+              <a:t>commands.sh</a:t>
             </a:r>
             <a:r>
               <a:rPr lang="en-GB" dirty="0"/>
@@ -5138,8 +5306,25 @@
                 <a:latin typeface="Courier New" panose="02070309020205020404" pitchFamily="49" charset="0"/>
                 <a:cs typeface="Courier New" panose="02070309020205020404" pitchFamily="49" charset="0"/>
               </a:rPr>
-              <a:t>[vistor01@sdf-cs1 wt1-getting-started]$ ./compile.sh</a:t>
-            </a:r>
+              <a:t>[vistor01@sdf-cs1 wt1-getting-started]$ ./</a:t>
+            </a:r>
+            <a:r>
+              <a:rPr lang="en-GB" sz="1600" dirty="0" err="1">
+                <a:solidFill>
+                  <a:schemeClr val="bg1"/>
+                </a:solidFill>
+                <a:latin typeface="Courier New" panose="02070309020205020404" pitchFamily="49" charset="0"/>
+                <a:cs typeface="Courier New" panose="02070309020205020404" pitchFamily="49" charset="0"/>
+              </a:rPr>
+              <a:t>commands.sh</a:t>
+            </a:r>
+            <a:endParaRPr lang="en-GB" sz="1600" dirty="0">
+              <a:solidFill>
+                <a:schemeClr val="bg1"/>
+              </a:solidFill>
+              <a:latin typeface="Courier New" panose="02070309020205020404" pitchFamily="49" charset="0"/>
+              <a:cs typeface="Courier New" panose="02070309020205020404" pitchFamily="49" charset="0"/>
+            </a:endParaRPr>
           </a:p>
           <a:p>
             <a:r>
@@ -10753,7 +10938,7 @@
                 <a:latin typeface="Courier New" panose="02070309020205020404" pitchFamily="49" charset="0"/>
                 <a:cs typeface="Courier New" panose="02070309020205020404" pitchFamily="49" charset="0"/>
               </a:rPr>
-              <a:t> : *[N] i16, </a:t>
+              <a:t> : *[N] f32, </a:t>
             </a:r>
             <a:r>
               <a:rPr lang="en-GB" sz="1100" dirty="0" err="1">
@@ -10767,7 +10952,7 @@
                 <a:latin typeface="Courier New" panose="02070309020205020404" pitchFamily="49" charset="0"/>
                 <a:cs typeface="Courier New" panose="02070309020205020404" pitchFamily="49" charset="0"/>
               </a:rPr>
-              <a:t> : *[N], value : i16) void</a:t>
+              <a:t> : *[N] f32, value : f32) void</a:t>
             </a:r>
           </a:p>
           <a:p>
@@ -11170,7 +11355,7 @@
                   <a:srgbClr val="0070C0"/>
                 </a:solidFill>
               </a:rPr>
-              <a:t> argument is a scalar of type i16 (16-bit integer). CSL uses a colon to provide type information</a:t>
+              <a:t> argument is a scalar of type f32 (32-bit float). CSL uses a colon to provide type information</a:t>
             </a:r>
           </a:p>
           <a:p>
@@ -11199,8 +11384,8 @@
         </p:nvCxnSpPr>
         <p:spPr>
           <a:xfrm flipH="1">
-            <a:off x="4966084" y="2612915"/>
-            <a:ext cx="1777988" cy="216583"/>
+            <a:off x="5269046" y="2612915"/>
+            <a:ext cx="1475026" cy="163924"/>
           </a:xfrm>
           <a:prstGeom prst="straightConnector1">
             <a:avLst/>
@@ -11404,7 +11589,23 @@
                   <a:srgbClr val="0070C0"/>
                 </a:solidFill>
               </a:rPr>
-              <a:t>The asterisk is used to dereference a pointer, so here we are accessing the </a:t>
+              <a:t>The </a:t>
+            </a:r>
+            <a:r>
+              <a:rPr lang="en-GB" sz="1400" b="1" dirty="0">
+                <a:solidFill>
+                  <a:srgbClr val="0070C0"/>
+                </a:solidFill>
+              </a:rPr>
+              <a:t>.*</a:t>
+            </a:r>
+            <a:r>
+              <a:rPr lang="en-GB" sz="1400" dirty="0">
+                <a:solidFill>
+                  <a:srgbClr val="0070C0"/>
+                </a:solidFill>
+              </a:rPr>
+              <a:t> operator is used to dereference a pointer, so here we are accessing the </a:t>
             </a:r>
             <a:r>
               <a:rPr lang="en-GB" sz="1400" i="1" dirty="0" err="1">
@@ -11431,12 +11632,12 @@
               <a:t>element of </a:t>
             </a:r>
             <a:r>
-              <a:rPr lang="en-GB" sz="1400" i="1" dirty="0" err="1">
+              <a:rPr lang="en-GB" sz="1400" i="1" dirty="0">
                 <a:solidFill>
                   <a:srgbClr val="0070C0"/>
                 </a:solidFill>
               </a:rPr>
-              <a:t>y_ptr</a:t>
+              <a:t>y</a:t>
             </a:r>
             <a:endParaRPr lang="en-GB" sz="1400" dirty="0">
               <a:solidFill>
@@ -11615,7 +11816,7 @@
                 <a:latin typeface="Courier New" panose="02070309020205020404" pitchFamily="49" charset="0"/>
                 <a:cs typeface="Courier New" panose="02070309020205020404" pitchFamily="49" charset="0"/>
               </a:rPr>
-              <a:t> : *[N] i16, </a:t>
+              <a:t> : *[N] f32, </a:t>
             </a:r>
             <a:r>
               <a:rPr lang="en-GB" sz="1100" dirty="0" err="1">
@@ -11629,7 +11830,7 @@
                 <a:latin typeface="Courier New" panose="02070309020205020404" pitchFamily="49" charset="0"/>
                 <a:cs typeface="Courier New" panose="02070309020205020404" pitchFamily="49" charset="0"/>
               </a:rPr>
-              <a:t> : *[N], value : i16) void</a:t>
+              <a:t> : *[N] f32, value : f32) void</a:t>
             </a:r>
           </a:p>
           <a:p>
@@ -11974,8 +12175,25 @@
                 <a:latin typeface="Courier New" panose="02070309020205020404" pitchFamily="49" charset="0"/>
                 <a:cs typeface="Courier New" panose="02070309020205020404" pitchFamily="49" charset="0"/>
               </a:rPr>
-              <a:t>[vistor01@sdf-cs1 wt2-basic-syntax]$ ./compile.sh</a:t>
-            </a:r>
+              <a:t>[vistor01@sdf-cs1 wt2-basic-syntax]$ ./</a:t>
+            </a:r>
+            <a:r>
+              <a:rPr lang="en-GB" sz="1600" dirty="0" err="1">
+                <a:solidFill>
+                  <a:schemeClr val="bg1"/>
+                </a:solidFill>
+                <a:latin typeface="Courier New" panose="02070309020205020404" pitchFamily="49" charset="0"/>
+                <a:cs typeface="Courier New" panose="02070309020205020404" pitchFamily="49" charset="0"/>
+              </a:rPr>
+              <a:t>commands.sh</a:t>
+            </a:r>
+            <a:endParaRPr lang="en-GB" sz="1600" dirty="0">
+              <a:solidFill>
+                <a:schemeClr val="bg1"/>
+              </a:solidFill>
+              <a:latin typeface="Courier New" panose="02070309020205020404" pitchFamily="49" charset="0"/>
+              <a:cs typeface="Courier New" panose="02070309020205020404" pitchFamily="49" charset="0"/>
+            </a:endParaRPr>
           </a:p>
         </p:txBody>
       </p:sp>
@@ -12508,13 +12726,27 @@
         </p:spPr>
         <p:txBody>
           <a:bodyPr>
-            <a:normAutofit/>
+            <a:normAutofit fontScale="92500" lnSpcReduction="20000"/>
           </a:bodyPr>
           <a:lstStyle/>
           <a:p>
             <a:r>
               <a:rPr lang="en-GB" dirty="0"/>
               <a:t>What we have done so far isn’t terribly useful as we are not transferring any data to or from the host (so at the very least we can’t even view the results!)</a:t>
+            </a:r>
+          </a:p>
+          <a:p>
+            <a:r>
+              <a:rPr lang="en-GB" dirty="0"/>
+              <a:t>Change into the </a:t>
+            </a:r>
+            <a:r>
+              <a:rPr lang="en-GB" i="1" dirty="0"/>
+              <a:t>wt3-memcpy </a:t>
+            </a:r>
+            <a:r>
+              <a:rPr lang="en-GB" dirty="0"/>
+              <a:t>directory</a:t>
             </a:r>
           </a:p>
           <a:p>
@@ -13115,6 +13347,10 @@
               <a:t>In </a:t>
             </a:r>
             <a:r>
+              <a:rPr lang="en-GB" dirty="0" err="1"/>
+              <a:t>pe_</a:t>
+            </a:r>
+            <a:r>
               <a:rPr lang="en-GB" i="1" dirty="0" err="1"/>
               <a:t>program.csl</a:t>
             </a:r>
@@ -13147,7 +13383,7 @@
             <a:pPr lvl="1"/>
             <a:r>
               <a:rPr lang="en-GB" dirty="0"/>
-              <a:t>Again very similar to the previous code, just with two new lines added here</a:t>
+              <a:t>Again very similar to the previous code, with two new lines added here</a:t>
             </a:r>
           </a:p>
         </p:txBody>
@@ -15008,6 +15244,10 @@
             <a:r>
               <a:rPr lang="en-GB" dirty="0"/>
               <a:t> fails, can you change the value in </a:t>
+            </a:r>
+            <a:r>
+              <a:rPr lang="en-GB" dirty="0" err="1"/>
+              <a:t>pe_</a:t>
             </a:r>
             <a:r>
               <a:rPr lang="en-GB" i="1" dirty="0" err="1"/>

--- a/lectures/powerpoints/SDK-walkthrough-part-one.pptx
+++ b/lectures/powerpoints/SDK-walkthrough-part-one.pptx
@@ -5,10 +5,10 @@
     <p:sldMasterId id="2147483660" r:id="rId1"/>
   </p:sldMasterIdLst>
   <p:notesMasterIdLst>
-    <p:notesMasterId r:id="rId29"/>
+    <p:notesMasterId r:id="rId31"/>
   </p:notesMasterIdLst>
   <p:handoutMasterIdLst>
-    <p:handoutMasterId r:id="rId30"/>
+    <p:handoutMasterId r:id="rId32"/>
   </p:handoutMasterIdLst>
   <p:sldIdLst>
     <p:sldId id="286" r:id="rId2"/>
@@ -17,27 +17,29 @@
     <p:sldId id="2147469260" r:id="rId5"/>
     <p:sldId id="2147469261" r:id="rId6"/>
     <p:sldId id="2147469262" r:id="rId7"/>
-    <p:sldId id="287" r:id="rId8"/>
-    <p:sldId id="2147469273" r:id="rId9"/>
-    <p:sldId id="288" r:id="rId10"/>
-    <p:sldId id="289" r:id="rId11"/>
-    <p:sldId id="2147469263" r:id="rId12"/>
-    <p:sldId id="290" r:id="rId13"/>
-    <p:sldId id="291" r:id="rId14"/>
-    <p:sldId id="2147469276" r:id="rId15"/>
-    <p:sldId id="2147469264" r:id="rId16"/>
-    <p:sldId id="292" r:id="rId17"/>
-    <p:sldId id="294" r:id="rId18"/>
-    <p:sldId id="293" r:id="rId19"/>
-    <p:sldId id="2147469265" r:id="rId20"/>
-    <p:sldId id="2147469266" r:id="rId21"/>
-    <p:sldId id="2147469267" r:id="rId22"/>
-    <p:sldId id="2147469268" r:id="rId23"/>
-    <p:sldId id="2147469269" r:id="rId24"/>
-    <p:sldId id="2147469270" r:id="rId25"/>
-    <p:sldId id="2147469272" r:id="rId26"/>
-    <p:sldId id="2147469271" r:id="rId27"/>
-    <p:sldId id="2147469277" r:id="rId28"/>
+    <p:sldId id="2147469280" r:id="rId8"/>
+    <p:sldId id="2147469279" r:id="rId9"/>
+    <p:sldId id="2147469273" r:id="rId10"/>
+    <p:sldId id="288" r:id="rId11"/>
+    <p:sldId id="289" r:id="rId12"/>
+    <p:sldId id="2147469263" r:id="rId13"/>
+    <p:sldId id="290" r:id="rId14"/>
+    <p:sldId id="291" r:id="rId15"/>
+    <p:sldId id="2147469276" r:id="rId16"/>
+    <p:sldId id="2147469264" r:id="rId17"/>
+    <p:sldId id="292" r:id="rId18"/>
+    <p:sldId id="294" r:id="rId19"/>
+    <p:sldId id="293" r:id="rId20"/>
+    <p:sldId id="2147469265" r:id="rId21"/>
+    <p:sldId id="2147469266" r:id="rId22"/>
+    <p:sldId id="2147469267" r:id="rId23"/>
+    <p:sldId id="2147469268" r:id="rId24"/>
+    <p:sldId id="2147469269" r:id="rId25"/>
+    <p:sldId id="2147469281" r:id="rId26"/>
+    <p:sldId id="2147469270" r:id="rId27"/>
+    <p:sldId id="2147469272" r:id="rId28"/>
+    <p:sldId id="2147469271" r:id="rId29"/>
+    <p:sldId id="2147469277" r:id="rId30"/>
   </p:sldIdLst>
   <p:sldSz cx="12192000" cy="6858000"/>
   <p:notesSz cx="6858000" cy="9144000"/>
@@ -161,7 +163,8 @@
 <file path=ppt/revisionInfo.xml><?xml version="1.0" encoding="utf-8"?>
 <p1510:revInfo xmlns:a="http://schemas.openxmlformats.org/drawingml/2006/main" xmlns:r="http://schemas.openxmlformats.org/officeDocument/2006/relationships" xmlns:p1510="http://schemas.microsoft.com/office/powerpoint/2015/10/main">
   <p1510:revLst>
-    <p1510:client id="{2CABE58F-3CC0-49BA-A17C-5E7A768BF940}" v="8" dt="2023-12-18T11:59:37.753"/>
+    <p1510:client id="{4310D286-FFE9-8347-88CE-71380953CBDF}" v="136" dt="2024-05-06T16:15:13.611"/>
+    <p1510:client id="{94CA059C-E657-4EFD-866E-AD03933F97DE}" v="1104" dt="2024-05-07T07:48:15.429"/>
   </p1510:revLst>
 </p1510:revInfo>
 </file>
@@ -223,7 +226,7 @@
           <a:p>
             <a:fld id="{237A3326-6BE8-4DE2-A526-66D6DC5DC342}" type="datetimeFigureOut">
               <a:rPr lang="en-GB" smtClean="0"/>
-              <a:t>30/04/2024</a:t>
+              <a:t>07/05/2024</a:t>
             </a:fld>
             <a:endParaRPr lang="en-GB"/>
           </a:p>
@@ -400,7 +403,7 @@
           <a:p>
             <a:fld id="{198E9702-0021-4473-93B9-41638846F4C4}" type="datetimeFigureOut">
               <a:rPr lang="en-GB" smtClean="0"/>
-              <a:t>30/04/2024</a:t>
+              <a:t>07/05/2024</a:t>
             </a:fld>
             <a:endParaRPr lang="en-GB"/>
           </a:p>
@@ -752,6 +755,90 @@
 </p:notes>
 </file>
 
+<file path=ppt/notesSlides/notesSlide10.xml><?xml version="1.0" encoding="utf-8"?>
+<p:notes xmlns:a="http://schemas.openxmlformats.org/drawingml/2006/main" xmlns:r="http://schemas.openxmlformats.org/officeDocument/2006/relationships" xmlns:p="http://schemas.openxmlformats.org/presentationml/2006/main">
+  <p:cSld>
+    <p:spTree>
+      <p:nvGrpSpPr>
+        <p:cNvPr id="1" name=""/>
+        <p:cNvGrpSpPr/>
+        <p:nvPr/>
+      </p:nvGrpSpPr>
+      <p:grpSpPr>
+        <a:xfrm>
+          <a:off x="0" y="0"/>
+          <a:ext cx="0" cy="0"/>
+          <a:chOff x="0" y="0"/>
+          <a:chExt cx="0" cy="0"/>
+        </a:xfrm>
+      </p:grpSpPr>
+      <p:sp>
+        <p:nvSpPr>
+          <p:cNvPr id="2" name="Slide Image Placeholder 1"/>
+          <p:cNvSpPr>
+            <a:spLocks noGrp="1" noRot="1" noChangeAspect="1"/>
+          </p:cNvSpPr>
+          <p:nvPr>
+            <p:ph type="sldImg"/>
+          </p:nvPr>
+        </p:nvSpPr>
+        <p:spPr/>
+      </p:sp>
+      <p:sp>
+        <p:nvSpPr>
+          <p:cNvPr id="3" name="Notes Placeholder 2"/>
+          <p:cNvSpPr>
+            <a:spLocks noGrp="1"/>
+          </p:cNvSpPr>
+          <p:nvPr>
+            <p:ph type="body" idx="1"/>
+          </p:nvPr>
+        </p:nvSpPr>
+        <p:spPr/>
+        <p:txBody>
+          <a:bodyPr/>
+          <a:lstStyle/>
+          <a:p>
+            <a:endParaRPr lang="en-US" dirty="0"/>
+          </a:p>
+        </p:txBody>
+      </p:sp>
+      <p:sp>
+        <p:nvSpPr>
+          <p:cNvPr id="4" name="Slide Number Placeholder 3"/>
+          <p:cNvSpPr>
+            <a:spLocks noGrp="1"/>
+          </p:cNvSpPr>
+          <p:nvPr>
+            <p:ph type="sldNum" sz="quarter" idx="5"/>
+          </p:nvPr>
+        </p:nvSpPr>
+        <p:spPr/>
+        <p:txBody>
+          <a:bodyPr/>
+          <a:lstStyle/>
+          <a:p>
+            <a:fld id="{99A962A9-E496-4035-9CF6-BB737F875FB5}" type="slidenum">
+              <a:rPr lang="en-GB" smtClean="0"/>
+              <a:t>19</a:t>
+            </a:fld>
+            <a:endParaRPr lang="en-GB"/>
+          </a:p>
+        </p:txBody>
+      </p:sp>
+    </p:spTree>
+    <p:extLst>
+      <p:ext uri="{BB962C8B-B14F-4D97-AF65-F5344CB8AC3E}">
+        <p14:creationId xmlns:p14="http://schemas.microsoft.com/office/powerpoint/2010/main" val="1696951313"/>
+      </p:ext>
+    </p:extLst>
+  </p:cSld>
+  <p:clrMapOvr>
+    <a:masterClrMapping/>
+  </p:clrMapOvr>
+</p:notes>
+</file>
+
 <file path=ppt/notesSlides/notesSlide2.xml><?xml version="1.0" encoding="utf-8"?>
 <p:notes xmlns:a="http://schemas.openxmlformats.org/drawingml/2006/main" xmlns:r="http://schemas.openxmlformats.org/officeDocument/2006/relationships" xmlns:p="http://schemas.openxmlformats.org/presentationml/2006/main">
   <p:cSld>
@@ -1258,7 +1345,7 @@
           <a:p>
             <a:fld id="{99A962A9-E496-4035-9CF6-BB737F875FB5}" type="slidenum">
               <a:rPr lang="en-GB" smtClean="0"/>
-              <a:t>11</a:t>
+              <a:t>8</a:t>
             </a:fld>
             <a:endParaRPr lang="en-GB"/>
           </a:p>
@@ -1267,7 +1354,7 @@
     </p:spTree>
     <p:extLst>
       <p:ext uri="{BB962C8B-B14F-4D97-AF65-F5344CB8AC3E}">
-        <p14:creationId xmlns:p14="http://schemas.microsoft.com/office/powerpoint/2010/main" val="1694865337"/>
+        <p14:creationId xmlns:p14="http://schemas.microsoft.com/office/powerpoint/2010/main" val="3151726370"/>
       </p:ext>
     </p:extLst>
   </p:cSld>
@@ -1342,7 +1429,7 @@
           <a:p>
             <a:fld id="{99A962A9-E496-4035-9CF6-BB737F875FB5}" type="slidenum">
               <a:rPr lang="en-GB" smtClean="0"/>
-              <a:t>18</a:t>
+              <a:t>12</a:t>
             </a:fld>
             <a:endParaRPr lang="en-GB"/>
           </a:p>
@@ -1351,7 +1438,91 @@
     </p:spTree>
     <p:extLst>
       <p:ext uri="{BB962C8B-B14F-4D97-AF65-F5344CB8AC3E}">
-        <p14:creationId xmlns:p14="http://schemas.microsoft.com/office/powerpoint/2010/main" val="1696951313"/>
+        <p14:creationId xmlns:p14="http://schemas.microsoft.com/office/powerpoint/2010/main" val="1694865337"/>
+      </p:ext>
+    </p:extLst>
+  </p:cSld>
+  <p:clrMapOvr>
+    <a:masterClrMapping/>
+  </p:clrMapOvr>
+</p:notes>
+</file>
+
+<file path=ppt/notesSlides/notesSlide9.xml><?xml version="1.0" encoding="utf-8"?>
+<p:notes xmlns:a="http://schemas.openxmlformats.org/drawingml/2006/main" xmlns:r="http://schemas.openxmlformats.org/officeDocument/2006/relationships" xmlns:p="http://schemas.openxmlformats.org/presentationml/2006/main">
+  <p:cSld>
+    <p:spTree>
+      <p:nvGrpSpPr>
+        <p:cNvPr id="1" name=""/>
+        <p:cNvGrpSpPr/>
+        <p:nvPr/>
+      </p:nvGrpSpPr>
+      <p:grpSpPr>
+        <a:xfrm>
+          <a:off x="0" y="0"/>
+          <a:ext cx="0" cy="0"/>
+          <a:chOff x="0" y="0"/>
+          <a:chExt cx="0" cy="0"/>
+        </a:xfrm>
+      </p:grpSpPr>
+      <p:sp>
+        <p:nvSpPr>
+          <p:cNvPr id="2" name="Slide Image Placeholder 1"/>
+          <p:cNvSpPr>
+            <a:spLocks noGrp="1" noRot="1" noChangeAspect="1"/>
+          </p:cNvSpPr>
+          <p:nvPr>
+            <p:ph type="sldImg"/>
+          </p:nvPr>
+        </p:nvSpPr>
+        <p:spPr/>
+      </p:sp>
+      <p:sp>
+        <p:nvSpPr>
+          <p:cNvPr id="3" name="Notes Placeholder 2"/>
+          <p:cNvSpPr>
+            <a:spLocks noGrp="1"/>
+          </p:cNvSpPr>
+          <p:nvPr>
+            <p:ph type="body" idx="1"/>
+          </p:nvPr>
+        </p:nvSpPr>
+        <p:spPr/>
+        <p:txBody>
+          <a:bodyPr/>
+          <a:lstStyle/>
+          <a:p>
+            <a:endParaRPr lang="en-GB" dirty="0"/>
+          </a:p>
+        </p:txBody>
+      </p:sp>
+      <p:sp>
+        <p:nvSpPr>
+          <p:cNvPr id="4" name="Slide Number Placeholder 3"/>
+          <p:cNvSpPr>
+            <a:spLocks noGrp="1"/>
+          </p:cNvSpPr>
+          <p:nvPr>
+            <p:ph type="sldNum" sz="quarter" idx="5"/>
+          </p:nvPr>
+        </p:nvSpPr>
+        <p:spPr/>
+        <p:txBody>
+          <a:bodyPr/>
+          <a:lstStyle/>
+          <a:p>
+            <a:fld id="{99A962A9-E496-4035-9CF6-BB737F875FB5}" type="slidenum">
+              <a:rPr lang="en-GB" smtClean="0"/>
+              <a:t>15</a:t>
+            </a:fld>
+            <a:endParaRPr lang="en-GB"/>
+          </a:p>
+        </p:txBody>
+      </p:sp>
+    </p:spTree>
+    <p:extLst>
+      <p:ext uri="{BB962C8B-B14F-4D97-AF65-F5344CB8AC3E}">
+        <p14:creationId xmlns:p14="http://schemas.microsoft.com/office/powerpoint/2010/main" val="539432194"/>
       </p:ext>
     </p:extLst>
   </p:cSld>
@@ -1521,7 +1692,7 @@
           <a:p>
             <a:fld id="{B1836D41-3C4D-1D49-AA54-4231464E6415}" type="datetimeFigureOut">
               <a:rPr lang="en-US" smtClean="0"/>
-              <a:t>4/30/24</a:t>
+              <a:t>5/7/2024</a:t>
             </a:fld>
             <a:endParaRPr lang="en-US"/>
           </a:p>
@@ -1725,7 +1896,7 @@
           <a:p>
             <a:fld id="{B1836D41-3C4D-1D49-AA54-4231464E6415}" type="datetimeFigureOut">
               <a:rPr lang="en-US" smtClean="0"/>
-              <a:t>4/30/24</a:t>
+              <a:t>5/7/2024</a:t>
             </a:fld>
             <a:endParaRPr lang="en-US"/>
           </a:p>
@@ -1906,7 +2077,7 @@
           <a:p>
             <a:fld id="{B1836D41-3C4D-1D49-AA54-4231464E6415}" type="datetimeFigureOut">
               <a:rPr lang="en-US" smtClean="0"/>
-              <a:t>4/30/24</a:t>
+              <a:t>5/7/2024</a:t>
             </a:fld>
             <a:endParaRPr lang="en-US"/>
           </a:p>
@@ -2081,7 +2252,7 @@
           <a:p>
             <a:fld id="{B1836D41-3C4D-1D49-AA54-4231464E6415}" type="datetimeFigureOut">
               <a:rPr lang="en-US" smtClean="0"/>
-              <a:t>4/30/24</a:t>
+              <a:t>5/7/2024</a:t>
             </a:fld>
             <a:endParaRPr lang="en-US"/>
           </a:p>
@@ -2329,7 +2500,7 @@
           <a:p>
             <a:fld id="{B1836D41-3C4D-1D49-AA54-4231464E6415}" type="datetimeFigureOut">
               <a:rPr lang="en-US" smtClean="0"/>
-              <a:t>4/30/24</a:t>
+              <a:t>5/7/2024</a:t>
             </a:fld>
             <a:endParaRPr lang="en-US"/>
           </a:p>
@@ -2646,7 +2817,7 @@
           <a:p>
             <a:fld id="{B1836D41-3C4D-1D49-AA54-4231464E6415}" type="datetimeFigureOut">
               <a:rPr lang="en-US" smtClean="0"/>
-              <a:t>4/30/24</a:t>
+              <a:t>5/7/2024</a:t>
             </a:fld>
             <a:endParaRPr lang="en-US"/>
           </a:p>
@@ -3112,7 +3283,7 @@
           <a:p>
             <a:fld id="{B1836D41-3C4D-1D49-AA54-4231464E6415}" type="datetimeFigureOut">
               <a:rPr lang="en-US" smtClean="0"/>
-              <a:t>4/30/24</a:t>
+              <a:t>5/7/2024</a:t>
             </a:fld>
             <a:endParaRPr lang="en-US"/>
           </a:p>
@@ -3259,7 +3430,7 @@
           <a:p>
             <a:fld id="{B1836D41-3C4D-1D49-AA54-4231464E6415}" type="datetimeFigureOut">
               <a:rPr lang="en-US" smtClean="0"/>
-              <a:t>4/30/24</a:t>
+              <a:t>5/7/2024</a:t>
             </a:fld>
             <a:endParaRPr lang="en-US"/>
           </a:p>
@@ -3349,7 +3520,7 @@
           <a:p>
             <a:fld id="{B1836D41-3C4D-1D49-AA54-4231464E6415}" type="datetimeFigureOut">
               <a:rPr lang="en-US" smtClean="0"/>
-              <a:t>4/30/24</a:t>
+              <a:t>5/7/2024</a:t>
             </a:fld>
             <a:endParaRPr lang="en-US"/>
           </a:p>
@@ -3623,7 +3794,7 @@
           <a:p>
             <a:fld id="{B1836D41-3C4D-1D49-AA54-4231464E6415}" type="datetimeFigureOut">
               <a:rPr lang="en-US" smtClean="0"/>
-              <a:t>4/30/24</a:t>
+              <a:t>5/7/2024</a:t>
             </a:fld>
             <a:endParaRPr lang="en-US"/>
           </a:p>
@@ -3928,7 +4099,7 @@
           <a:p>
             <a:fld id="{B1836D41-3C4D-1D49-AA54-4231464E6415}" type="datetimeFigureOut">
               <a:rPr lang="en-US" smtClean="0"/>
-              <a:t>4/30/24</a:t>
+              <a:t>5/7/2024</a:t>
             </a:fld>
             <a:endParaRPr lang="en-US"/>
           </a:p>
@@ -4225,7 +4396,7 @@
           <a:p>
             <a:fld id="{B1836D41-3C4D-1D49-AA54-4231464E6415}" type="datetimeFigureOut">
               <a:rPr lang="en-US" smtClean="0"/>
-              <a:t>4/30/24</a:t>
+              <a:t>5/7/2024</a:t>
             </a:fld>
             <a:endParaRPr lang="en-US"/>
           </a:p>
@@ -4930,7 +5101,7 @@
           <p:cNvPr id="2" name="Title 1">
             <a:extLst>
               <a:ext uri="{FF2B5EF4-FFF2-40B4-BE49-F238E27FC236}">
-                <a16:creationId xmlns:a16="http://schemas.microsoft.com/office/drawing/2014/main" id="{5FDD1DC3-B096-CF73-A12A-9876E230BA5C}"/>
+                <a16:creationId xmlns:a16="http://schemas.microsoft.com/office/drawing/2014/main" id="{D334002C-9726-255F-B908-BB704A79B83C}"/>
               </a:ext>
             </a:extLst>
           </p:cNvPr>
@@ -4948,130 +5119,17 @@
           <a:p>
             <a:r>
               <a:rPr lang="en-GB" dirty="0"/>
-              <a:t>What are these arguments to the CSL compiler?</a:t>
-            </a:r>
-          </a:p>
-        </p:txBody>
-      </p:sp>
-      <p:sp>
-        <p:nvSpPr>
-          <p:cNvPr id="3" name="Content Placeholder 2">
+              <a:t>Running my first CSL program</a:t>
+            </a:r>
+          </a:p>
+        </p:txBody>
+      </p:sp>
+      <p:sp>
+        <p:nvSpPr>
+          <p:cNvPr id="5" name="TextBox 4">
             <a:extLst>
               <a:ext uri="{FF2B5EF4-FFF2-40B4-BE49-F238E27FC236}">
-                <a16:creationId xmlns:a16="http://schemas.microsoft.com/office/drawing/2014/main" id="{46BAEA56-9FFE-1272-EEE0-D880471E3738}"/>
-              </a:ext>
-            </a:extLst>
-          </p:cNvPr>
-          <p:cNvSpPr>
-            <a:spLocks noGrp="1"/>
-          </p:cNvSpPr>
-          <p:nvPr>
-            <p:ph idx="1"/>
-          </p:nvPr>
-        </p:nvSpPr>
-        <p:spPr>
-          <a:xfrm>
-            <a:off x="635120" y="2852936"/>
-            <a:ext cx="10972800" cy="3336032"/>
-          </a:xfrm>
-        </p:spPr>
-        <p:txBody>
-          <a:bodyPr/>
-          <a:lstStyle/>
-          <a:p>
-            <a:r>
-              <a:rPr lang="en-GB" i="1" dirty="0">
-                <a:solidFill>
-                  <a:srgbClr val="0070C0"/>
-                </a:solidFill>
-              </a:rPr>
-              <a:t>--fabric-dims=8,3</a:t>
-            </a:r>
-            <a:r>
-              <a:rPr lang="en-GB" dirty="0"/>
-              <a:t> defines the size of the simulated fabric, which is 8 x 3</a:t>
-            </a:r>
-          </a:p>
-          <a:p>
-            <a:r>
-              <a:rPr lang="en-GB" i="1" dirty="0">
-                <a:solidFill>
-                  <a:srgbClr val="0070C0"/>
-                </a:solidFill>
-              </a:rPr>
-              <a:t>--fabric-offsets=4,1</a:t>
-            </a:r>
-            <a:r>
-              <a:rPr lang="en-GB" dirty="0"/>
-              <a:t> defines where the program is placed on the fabric.</a:t>
-            </a:r>
-          </a:p>
-          <a:p>
-            <a:r>
-              <a:rPr lang="en-GB" dirty="0">
-                <a:solidFill>
-                  <a:srgbClr val="0070C0"/>
-                </a:solidFill>
-              </a:rPr>
-              <a:t>--</a:t>
-            </a:r>
-            <a:r>
-              <a:rPr lang="en-GB" dirty="0" err="1">
-                <a:solidFill>
-                  <a:srgbClr val="0070C0"/>
-                </a:solidFill>
-              </a:rPr>
-              <a:t>memcpy</a:t>
-            </a:r>
-            <a:r>
-              <a:rPr lang="en-GB" dirty="0"/>
-              <a:t> this flag is required to enable </a:t>
-            </a:r>
-            <a:r>
-              <a:rPr lang="en-GB" dirty="0" err="1"/>
-              <a:t>memcpy</a:t>
-            </a:r>
-            <a:r>
-              <a:rPr lang="en-GB" dirty="0"/>
-              <a:t> within the host program (we discussed this in the architecture slides)</a:t>
-            </a:r>
-          </a:p>
-          <a:p>
-            <a:r>
-              <a:rPr lang="en-GB" i="1" dirty="0">
-                <a:solidFill>
-                  <a:srgbClr val="0070C0"/>
-                </a:solidFill>
-              </a:rPr>
-              <a:t>--channels=1</a:t>
-            </a:r>
-            <a:r>
-              <a:rPr lang="en-GB" dirty="0"/>
-              <a:t> determines the number of ethernet links that can be used to transfer data to/from the CS-2 (maximum of 12)</a:t>
-            </a:r>
-          </a:p>
-          <a:p>
-            <a:r>
-              <a:rPr lang="en-GB" i="1" dirty="0">
-                <a:solidFill>
-                  <a:srgbClr val="0070C0"/>
-                </a:solidFill>
-              </a:rPr>
-              <a:t>-o out</a:t>
-            </a:r>
-            <a:r>
-              <a:rPr lang="en-GB" dirty="0"/>
-              <a:t> is the directory where the executables will be saved</a:t>
-            </a:r>
-          </a:p>
-        </p:txBody>
-      </p:sp>
-      <p:sp>
-        <p:nvSpPr>
-          <p:cNvPr id="4" name="TextBox 3">
-            <a:extLst>
-              <a:ext uri="{FF2B5EF4-FFF2-40B4-BE49-F238E27FC236}">
-                <a16:creationId xmlns:a16="http://schemas.microsoft.com/office/drawing/2014/main" id="{B73611ED-3EA3-C050-4373-38046ED4A021}"/>
+                <a16:creationId xmlns:a16="http://schemas.microsoft.com/office/drawing/2014/main" id="{52C65D66-B875-E723-BD5B-F05B9025BD72}"/>
               </a:ext>
             </a:extLst>
           </p:cNvPr>
@@ -5080,8 +5138,8 @@
         </p:nvSpPr>
         <p:spPr>
           <a:xfrm>
-            <a:off x="609600" y="1772816"/>
-            <a:ext cx="10972800" cy="584775"/>
+            <a:off x="609600" y="2430201"/>
+            <a:ext cx="10972800" cy="2800767"/>
           </a:xfrm>
           <a:prstGeom prst="rect">
             <a:avLst/>
@@ -5104,9 +5162,65 @@
                 <a:latin typeface="Courier New" panose="02070309020205020404" pitchFamily="49" charset="0"/>
                 <a:cs typeface="Courier New" panose="02070309020205020404" pitchFamily="49" charset="0"/>
               </a:rPr>
+              <a:t>[vistor01@sdf-cs1 walk-through]$ cd wt1-getting-started</a:t>
+            </a:r>
+          </a:p>
+          <a:p>
+            <a:r>
+              <a:rPr lang="en-GB" sz="1600" dirty="0">
+                <a:solidFill>
+                  <a:schemeClr val="bg1"/>
+                </a:solidFill>
+                <a:latin typeface="Courier New" panose="02070309020205020404" pitchFamily="49" charset="0"/>
+                <a:cs typeface="Courier New" panose="02070309020205020404" pitchFamily="49" charset="0"/>
+              </a:rPr>
               <a:t>[vistor01@sdf-cs1 wt1-getting-started]$ </a:t>
             </a:r>
             <a:r>
+              <a:rPr lang="en-GB" sz="1600" b="1" dirty="0" err="1">
+                <a:solidFill>
+                  <a:schemeClr val="bg1"/>
+                </a:solidFill>
+                <a:latin typeface="Courier New" panose="02070309020205020404" pitchFamily="49" charset="0"/>
+                <a:cs typeface="Courier New" panose="02070309020205020404" pitchFamily="49" charset="0"/>
+              </a:rPr>
+              <a:t>cs_python</a:t>
+            </a:r>
+            <a:r>
+              <a:rPr lang="en-GB" sz="1600" b="1" dirty="0">
+                <a:solidFill>
+                  <a:schemeClr val="bg1"/>
+                </a:solidFill>
+                <a:latin typeface="Courier New" panose="02070309020205020404" pitchFamily="49" charset="0"/>
+                <a:cs typeface="Courier New" panose="02070309020205020404" pitchFamily="49" charset="0"/>
+              </a:rPr>
+              <a:t> run.py --name out</a:t>
+            </a:r>
+          </a:p>
+          <a:p>
+            <a:r>
+              <a:rPr lang="en-GB" sz="1600" dirty="0">
+                <a:solidFill>
+                  <a:schemeClr val="bg1"/>
+                </a:solidFill>
+                <a:latin typeface="Courier New" panose="02070309020205020404" pitchFamily="49" charset="0"/>
+                <a:cs typeface="Courier New" panose="02070309020205020404" pitchFamily="49" charset="0"/>
+              </a:rPr>
+              <a:t>INFO: Using SIF: /home/y26/shared/cs_sdk-1.0.0/cbcore_sdk-202311111408-10-4a54bce5.sif</a:t>
+            </a:r>
+          </a:p>
+          <a:p>
+            <a:r>
+              <a:rPr lang="en-GB" sz="1600" dirty="0">
+                <a:solidFill>
+                  <a:schemeClr val="bg1"/>
+                </a:solidFill>
+                <a:latin typeface="Courier New" panose="02070309020205020404" pitchFamily="49" charset="0"/>
+                <a:cs typeface="Courier New" panose="02070309020205020404" pitchFamily="49" charset="0"/>
+              </a:rPr>
+              <a:t>Reading file out/</a:t>
+            </a:r>
+            <a:r>
               <a:rPr lang="en-GB" sz="1600" dirty="0" err="1">
                 <a:solidFill>
                   <a:schemeClr val="bg1"/>
@@ -5114,8 +5228,17 @@
                 <a:latin typeface="Courier New" panose="02070309020205020404" pitchFamily="49" charset="0"/>
                 <a:cs typeface="Courier New" panose="02070309020205020404" pitchFamily="49" charset="0"/>
               </a:rPr>
-              <a:t>cslc</a:t>
-            </a:r>
+              <a:t>out.json</a:t>
+            </a:r>
+            <a:endParaRPr lang="en-GB" sz="1600" dirty="0">
+              <a:solidFill>
+                <a:schemeClr val="bg1"/>
+              </a:solidFill>
+              <a:latin typeface="Courier New" panose="02070309020205020404" pitchFamily="49" charset="0"/>
+              <a:cs typeface="Courier New" panose="02070309020205020404" pitchFamily="49" charset="0"/>
+            </a:endParaRPr>
+          </a:p>
+          <a:p>
             <a:r>
               <a:rPr lang="en-GB" sz="1600" dirty="0">
                 <a:solidFill>
@@ -5124,6 +5247,145 @@
                 <a:latin typeface="Courier New" panose="02070309020205020404" pitchFamily="49" charset="0"/>
                 <a:cs typeface="Courier New" panose="02070309020205020404" pitchFamily="49" charset="0"/>
               </a:rPr>
+              <a:t>Reading file out/bin/</a:t>
+            </a:r>
+            <a:r>
+              <a:rPr lang="en-GB" sz="1600" dirty="0" err="1">
+                <a:solidFill>
+                  <a:schemeClr val="bg1"/>
+                </a:solidFill>
+                <a:latin typeface="Courier New" panose="02070309020205020404" pitchFamily="49" charset="0"/>
+                <a:cs typeface="Courier New" panose="02070309020205020404" pitchFamily="49" charset="0"/>
+              </a:rPr>
+              <a:t>out_rpc.json</a:t>
+            </a:r>
+            <a:endParaRPr lang="en-GB" sz="1600" dirty="0">
+              <a:solidFill>
+                <a:schemeClr val="bg1"/>
+              </a:solidFill>
+              <a:latin typeface="Courier New" panose="02070309020205020404" pitchFamily="49" charset="0"/>
+              <a:cs typeface="Courier New" panose="02070309020205020404" pitchFamily="49" charset="0"/>
+            </a:endParaRPr>
+          </a:p>
+          <a:p>
+            <a:r>
+              <a:rPr lang="en-GB" sz="1600" dirty="0">
+                <a:solidFill>
+                  <a:schemeClr val="bg1"/>
+                </a:solidFill>
+                <a:latin typeface="Courier New" panose="02070309020205020404" pitchFamily="49" charset="0"/>
+                <a:cs typeface="Courier New" panose="02070309020205020404" pitchFamily="49" charset="0"/>
+              </a:rPr>
+              <a:t>Reading file out/west/</a:t>
+            </a:r>
+            <a:r>
+              <a:rPr lang="en-GB" sz="1600" dirty="0" err="1">
+                <a:solidFill>
+                  <a:schemeClr val="bg1"/>
+                </a:solidFill>
+                <a:latin typeface="Courier New" panose="02070309020205020404" pitchFamily="49" charset="0"/>
+                <a:cs typeface="Courier New" panose="02070309020205020404" pitchFamily="49" charset="0"/>
+              </a:rPr>
+              <a:t>out.json</a:t>
+            </a:r>
+            <a:endParaRPr lang="en-GB" sz="1600" dirty="0">
+              <a:solidFill>
+                <a:schemeClr val="bg1"/>
+              </a:solidFill>
+              <a:latin typeface="Courier New" panose="02070309020205020404" pitchFamily="49" charset="0"/>
+              <a:cs typeface="Courier New" panose="02070309020205020404" pitchFamily="49" charset="0"/>
+            </a:endParaRPr>
+          </a:p>
+          <a:p>
+            <a:r>
+              <a:rPr lang="en-GB" sz="1600" dirty="0">
+                <a:solidFill>
+                  <a:schemeClr val="bg1"/>
+                </a:solidFill>
+                <a:latin typeface="Courier New" panose="02070309020205020404" pitchFamily="49" charset="0"/>
+                <a:cs typeface="Courier New" panose="02070309020205020404" pitchFamily="49" charset="0"/>
+              </a:rPr>
+              <a:t>Reading file out/east/</a:t>
+            </a:r>
+            <a:r>
+              <a:rPr lang="en-GB" sz="1600" dirty="0" err="1">
+                <a:solidFill>
+                  <a:schemeClr val="bg1"/>
+                </a:solidFill>
+                <a:latin typeface="Courier New" panose="02070309020205020404" pitchFamily="49" charset="0"/>
+                <a:cs typeface="Courier New" panose="02070309020205020404" pitchFamily="49" charset="0"/>
+              </a:rPr>
+              <a:t>out.json</a:t>
+            </a:r>
+            <a:endParaRPr lang="en-GB" sz="1600" dirty="0">
+              <a:solidFill>
+                <a:schemeClr val="bg1"/>
+              </a:solidFill>
+              <a:latin typeface="Courier New" panose="02070309020205020404" pitchFamily="49" charset="0"/>
+              <a:cs typeface="Courier New" panose="02070309020205020404" pitchFamily="49" charset="0"/>
+            </a:endParaRPr>
+          </a:p>
+          <a:p>
+            <a:r>
+              <a:rPr lang="en-GB" sz="1600" dirty="0">
+                <a:solidFill>
+                  <a:schemeClr val="bg1"/>
+                </a:solidFill>
+                <a:latin typeface="Courier New" panose="02070309020205020404" pitchFamily="49" charset="0"/>
+                <a:cs typeface="Courier New" panose="02070309020205020404" pitchFamily="49" charset="0"/>
+              </a:rPr>
+              <a:t>fab </a:t>
+            </a:r>
+            <a:r>
+              <a:rPr lang="en-GB" sz="1600" dirty="0" err="1">
+                <a:solidFill>
+                  <a:schemeClr val="bg1"/>
+                </a:solidFill>
+                <a:latin typeface="Courier New" panose="02070309020205020404" pitchFamily="49" charset="0"/>
+                <a:cs typeface="Courier New" panose="02070309020205020404" pitchFamily="49" charset="0"/>
+              </a:rPr>
+              <a:t>w,h</a:t>
+            </a:r>
+            <a:r>
+              <a:rPr lang="en-GB" sz="1600" dirty="0">
+                <a:solidFill>
+                  <a:schemeClr val="bg1"/>
+                </a:solidFill>
+                <a:latin typeface="Courier New" panose="02070309020205020404" pitchFamily="49" charset="0"/>
+                <a:cs typeface="Courier New" panose="02070309020205020404" pitchFamily="49" charset="0"/>
+              </a:rPr>
+              <a:t> = 8,3</a:t>
+            </a:r>
+          </a:p>
+          <a:p>
+            <a:r>
+              <a:rPr lang="en-GB" sz="1600" dirty="0">
+                <a:solidFill>
+                  <a:schemeClr val="bg1"/>
+                </a:solidFill>
+                <a:latin typeface="Courier New" panose="02070309020205020404" pitchFamily="49" charset="0"/>
+                <a:cs typeface="Courier New" panose="02070309020205020404" pitchFamily="49" charset="0"/>
+              </a:rPr>
+              <a:t>Kernel </a:t>
+            </a:r>
+            <a:r>
+              <a:rPr lang="en-GB" sz="1600" dirty="0" err="1">
+                <a:solidFill>
+                  <a:schemeClr val="bg1"/>
+                </a:solidFill>
+                <a:latin typeface="Courier New" panose="02070309020205020404" pitchFamily="49" charset="0"/>
+                <a:cs typeface="Courier New" panose="02070309020205020404" pitchFamily="49" charset="0"/>
+              </a:rPr>
+              <a:t>x,y</a:t>
+            </a:r>
+            <a:r>
+              <a:rPr lang="en-GB" sz="1600" dirty="0">
+                <a:solidFill>
+                  <a:schemeClr val="bg1"/>
+                </a:solidFill>
+                <a:latin typeface="Courier New" panose="02070309020205020404" pitchFamily="49" charset="0"/>
+                <a:cs typeface="Courier New" panose="02070309020205020404" pitchFamily="49" charset="0"/>
+              </a:rPr>
               <a:t> </a:t>
             </a:r>
             <a:r>
@@ -5134,7 +5396,7 @@
                 <a:latin typeface="Courier New" panose="02070309020205020404" pitchFamily="49" charset="0"/>
                 <a:cs typeface="Courier New" panose="02070309020205020404" pitchFamily="49" charset="0"/>
               </a:rPr>
-              <a:t>layout.csl</a:t>
+              <a:t>w,h</a:t>
             </a:r>
             <a:r>
               <a:rPr lang="en-GB" sz="1600" dirty="0">
@@ -5144,8 +5406,10 @@
                 <a:latin typeface="Courier New" panose="02070309020205020404" pitchFamily="49" charset="0"/>
                 <a:cs typeface="Courier New" panose="02070309020205020404" pitchFamily="49" charset="0"/>
               </a:rPr>
-              <a:t> --fabric-dims=8,3 --fabric-offsets=4,1 --</a:t>
-            </a:r>
+              <a:t> = 4,1 1,1</a:t>
+            </a:r>
+          </a:p>
+          <a:p>
             <a:r>
               <a:rPr lang="en-GB" sz="1600" dirty="0" err="1">
                 <a:solidFill>
@@ -5164,7 +5428,342 @@
                 <a:latin typeface="Courier New" panose="02070309020205020404" pitchFamily="49" charset="0"/>
                 <a:cs typeface="Courier New" panose="02070309020205020404" pitchFamily="49" charset="0"/>
               </a:rPr>
-              <a:t> --channels=1 -o out</a:t>
+              <a:t> </a:t>
+            </a:r>
+            <a:r>
+              <a:rPr lang="en-GB" sz="1600" dirty="0" err="1">
+                <a:solidFill>
+                  <a:schemeClr val="bg1"/>
+                </a:solidFill>
+                <a:latin typeface="Courier New" panose="02070309020205020404" pitchFamily="49" charset="0"/>
+                <a:cs typeface="Courier New" panose="02070309020205020404" pitchFamily="49" charset="0"/>
+              </a:rPr>
+              <a:t>x,y</a:t>
+            </a:r>
+            <a:r>
+              <a:rPr lang="en-GB" sz="1600" dirty="0">
+                <a:solidFill>
+                  <a:schemeClr val="bg1"/>
+                </a:solidFill>
+                <a:latin typeface="Courier New" panose="02070309020205020404" pitchFamily="49" charset="0"/>
+                <a:cs typeface="Courier New" panose="02070309020205020404" pitchFamily="49" charset="0"/>
+              </a:rPr>
+              <a:t> </a:t>
+            </a:r>
+            <a:r>
+              <a:rPr lang="en-GB" sz="1600" dirty="0" err="1">
+                <a:solidFill>
+                  <a:schemeClr val="bg1"/>
+                </a:solidFill>
+                <a:latin typeface="Courier New" panose="02070309020205020404" pitchFamily="49" charset="0"/>
+                <a:cs typeface="Courier New" panose="02070309020205020404" pitchFamily="49" charset="0"/>
+              </a:rPr>
+              <a:t>w,h</a:t>
+            </a:r>
+            <a:r>
+              <a:rPr lang="en-GB" sz="1600" dirty="0">
+                <a:solidFill>
+                  <a:schemeClr val="bg1"/>
+                </a:solidFill>
+                <a:latin typeface="Courier New" panose="02070309020205020404" pitchFamily="49" charset="0"/>
+                <a:cs typeface="Courier New" panose="02070309020205020404" pitchFamily="49" charset="0"/>
+              </a:rPr>
+              <a:t> = 1,1 6,1</a:t>
+            </a:r>
+          </a:p>
+          <a:p>
+            <a:r>
+              <a:rPr lang="en-GB" sz="1600" dirty="0">
+                <a:solidFill>
+                  <a:schemeClr val="bg1"/>
+                </a:solidFill>
+                <a:latin typeface="Courier New" panose="02070309020205020404" pitchFamily="49" charset="0"/>
+                <a:cs typeface="Courier New" panose="02070309020205020404" pitchFamily="49" charset="0"/>
+              </a:rPr>
+              <a:t>SUCCESS!</a:t>
+            </a:r>
+          </a:p>
+        </p:txBody>
+      </p:sp>
+      <p:sp>
+        <p:nvSpPr>
+          <p:cNvPr id="6" name="Content Placeholder 2">
+            <a:extLst>
+              <a:ext uri="{FF2B5EF4-FFF2-40B4-BE49-F238E27FC236}">
+                <a16:creationId xmlns:a16="http://schemas.microsoft.com/office/drawing/2014/main" id="{F93E213F-EA3A-0917-DC67-2FB7376D71EE}"/>
+              </a:ext>
+            </a:extLst>
+          </p:cNvPr>
+          <p:cNvSpPr txBox="1">
+            <a:spLocks/>
+          </p:cNvSpPr>
+          <p:nvPr/>
+        </p:nvSpPr>
+        <p:spPr>
+          <a:xfrm>
+            <a:off x="600896" y="1837169"/>
+            <a:ext cx="10972800" cy="948401"/>
+          </a:xfrm>
+          <a:prstGeom prst="rect">
+            <a:avLst/>
+          </a:prstGeom>
+        </p:spPr>
+        <p:txBody>
+          <a:bodyPr vert="horz" lIns="91440" tIns="45720" rIns="91440" bIns="45720" rtlCol="0">
+            <a:normAutofit/>
+          </a:bodyPr>
+          <a:lstStyle>
+            <a:lvl1pPr marL="182880" indent="-182880" algn="l" defTabSz="914400" rtl="0" eaLnBrk="1" latinLnBrk="0" hangingPunct="1">
+              <a:spcBef>
+                <a:spcPct val="20000"/>
+              </a:spcBef>
+              <a:buClr>
+                <a:schemeClr val="accent1"/>
+              </a:buClr>
+              <a:buSzPct val="85000"/>
+              <a:buFont typeface="Arial" pitchFamily="34" charset="0"/>
+              <a:buChar char="•"/>
+              <a:defRPr sz="2400" kern="1200">
+                <a:solidFill>
+                  <a:schemeClr val="tx1"/>
+                </a:solidFill>
+                <a:latin typeface="+mn-lt"/>
+                <a:ea typeface="+mn-ea"/>
+                <a:cs typeface="+mn-cs"/>
+              </a:defRPr>
+            </a:lvl1pPr>
+            <a:lvl2pPr marL="457200" indent="-182880" algn="l" defTabSz="914400" rtl="0" eaLnBrk="1" latinLnBrk="0" hangingPunct="1">
+              <a:spcBef>
+                <a:spcPct val="20000"/>
+              </a:spcBef>
+              <a:buClr>
+                <a:schemeClr val="accent1"/>
+              </a:buClr>
+              <a:buSzPct val="85000"/>
+              <a:buFont typeface="Arial" pitchFamily="34" charset="0"/>
+              <a:buChar char="•"/>
+              <a:defRPr sz="2000" kern="1200">
+                <a:solidFill>
+                  <a:schemeClr val="tx1"/>
+                </a:solidFill>
+                <a:latin typeface="+mn-lt"/>
+                <a:ea typeface="+mn-ea"/>
+                <a:cs typeface="+mn-cs"/>
+              </a:defRPr>
+            </a:lvl2pPr>
+            <a:lvl3pPr marL="731520" indent="-182880" algn="l" defTabSz="914400" rtl="0" eaLnBrk="1" latinLnBrk="0" hangingPunct="1">
+              <a:spcBef>
+                <a:spcPct val="20000"/>
+              </a:spcBef>
+              <a:buClr>
+                <a:schemeClr val="accent1"/>
+              </a:buClr>
+              <a:buSzPct val="90000"/>
+              <a:buFont typeface="Arial" pitchFamily="34" charset="0"/>
+              <a:buChar char="•"/>
+              <a:defRPr sz="1800" kern="1200">
+                <a:solidFill>
+                  <a:schemeClr val="tx1"/>
+                </a:solidFill>
+                <a:latin typeface="+mn-lt"/>
+                <a:ea typeface="+mn-ea"/>
+                <a:cs typeface="+mn-cs"/>
+              </a:defRPr>
+            </a:lvl3pPr>
+            <a:lvl4pPr marL="1005840" indent="-182880" algn="l" defTabSz="914400" rtl="0" eaLnBrk="1" latinLnBrk="0" hangingPunct="1">
+              <a:spcBef>
+                <a:spcPct val="20000"/>
+              </a:spcBef>
+              <a:buClr>
+                <a:schemeClr val="accent1"/>
+              </a:buClr>
+              <a:buFont typeface="Arial" pitchFamily="34" charset="0"/>
+              <a:buChar char="•"/>
+              <a:defRPr sz="1600" kern="1200">
+                <a:solidFill>
+                  <a:schemeClr val="tx1"/>
+                </a:solidFill>
+                <a:latin typeface="+mn-lt"/>
+                <a:ea typeface="+mn-ea"/>
+                <a:cs typeface="+mn-cs"/>
+              </a:defRPr>
+            </a:lvl4pPr>
+            <a:lvl5pPr marL="1188720" indent="-137160" algn="l" defTabSz="914400" rtl="0" eaLnBrk="1" latinLnBrk="0" hangingPunct="1">
+              <a:spcBef>
+                <a:spcPct val="20000"/>
+              </a:spcBef>
+              <a:buClr>
+                <a:schemeClr val="accent1"/>
+              </a:buClr>
+              <a:buSzPct val="100000"/>
+              <a:buFont typeface="Arial" pitchFamily="34" charset="0"/>
+              <a:buChar char="•"/>
+              <a:defRPr sz="1400" kern="1200" baseline="0">
+                <a:solidFill>
+                  <a:schemeClr val="tx1"/>
+                </a:solidFill>
+                <a:latin typeface="+mn-lt"/>
+                <a:ea typeface="+mn-ea"/>
+                <a:cs typeface="+mn-cs"/>
+              </a:defRPr>
+            </a:lvl5pPr>
+            <a:lvl6pPr marL="1371600" indent="-182880" algn="l" defTabSz="914400" rtl="0" eaLnBrk="1" latinLnBrk="0" hangingPunct="1">
+              <a:spcBef>
+                <a:spcPct val="20000"/>
+              </a:spcBef>
+              <a:buClr>
+                <a:schemeClr val="accent1"/>
+              </a:buClr>
+              <a:buFont typeface="Arial" pitchFamily="34" charset="0"/>
+              <a:buChar char="•"/>
+              <a:defRPr sz="1300" kern="1200">
+                <a:solidFill>
+                  <a:schemeClr val="tx1"/>
+                </a:solidFill>
+                <a:latin typeface="+mn-lt"/>
+                <a:ea typeface="+mn-ea"/>
+                <a:cs typeface="+mn-cs"/>
+              </a:defRPr>
+            </a:lvl6pPr>
+            <a:lvl7pPr marL="1554480" indent="-182880" algn="l" defTabSz="914400" rtl="0" eaLnBrk="1" latinLnBrk="0" hangingPunct="1">
+              <a:spcBef>
+                <a:spcPct val="20000"/>
+              </a:spcBef>
+              <a:buClr>
+                <a:schemeClr val="accent1"/>
+              </a:buClr>
+              <a:buFont typeface="Arial" pitchFamily="34" charset="0"/>
+              <a:buChar char="•"/>
+              <a:defRPr sz="1300" kern="1200">
+                <a:solidFill>
+                  <a:schemeClr val="tx1"/>
+                </a:solidFill>
+                <a:latin typeface="+mn-lt"/>
+                <a:ea typeface="+mn-ea"/>
+                <a:cs typeface="+mn-cs"/>
+              </a:defRPr>
+            </a:lvl7pPr>
+            <a:lvl8pPr marL="1737360" indent="-182880" algn="l" defTabSz="914400" rtl="0" eaLnBrk="1" latinLnBrk="0" hangingPunct="1">
+              <a:spcBef>
+                <a:spcPct val="20000"/>
+              </a:spcBef>
+              <a:buClr>
+                <a:schemeClr val="accent1"/>
+              </a:buClr>
+              <a:buFont typeface="Arial" pitchFamily="34" charset="0"/>
+              <a:buChar char="•"/>
+              <a:defRPr sz="1300" kern="1200">
+                <a:solidFill>
+                  <a:schemeClr val="tx1"/>
+                </a:solidFill>
+                <a:latin typeface="+mn-lt"/>
+                <a:ea typeface="+mn-ea"/>
+                <a:cs typeface="+mn-cs"/>
+              </a:defRPr>
+            </a:lvl8pPr>
+            <a:lvl9pPr marL="1920240" indent="-182880" algn="l" defTabSz="914400" rtl="0" eaLnBrk="1" latinLnBrk="0" hangingPunct="1">
+              <a:spcBef>
+                <a:spcPct val="20000"/>
+              </a:spcBef>
+              <a:buClr>
+                <a:schemeClr val="accent1"/>
+              </a:buClr>
+              <a:buFont typeface="Arial" pitchFamily="34" charset="0"/>
+              <a:buChar char="•"/>
+              <a:defRPr sz="1300" kern="1200">
+                <a:solidFill>
+                  <a:schemeClr val="tx1"/>
+                </a:solidFill>
+                <a:latin typeface="+mn-lt"/>
+                <a:ea typeface="+mn-ea"/>
+                <a:cs typeface="+mn-cs"/>
+              </a:defRPr>
+            </a:lvl9pPr>
+          </a:lstStyle>
+          <a:p>
+            <a:r>
+              <a:rPr lang="en-GB" dirty="0"/>
+              <a:t>Run (via the simulator)</a:t>
+            </a:r>
+          </a:p>
+        </p:txBody>
+      </p:sp>
+      <p:sp>
+        <p:nvSpPr>
+          <p:cNvPr id="10" name="TextBox 9">
+            <a:extLst>
+              <a:ext uri="{FF2B5EF4-FFF2-40B4-BE49-F238E27FC236}">
+                <a16:creationId xmlns:a16="http://schemas.microsoft.com/office/drawing/2014/main" id="{BC92662D-5730-DF8B-DEE2-BB2BB9866BA4}"/>
+              </a:ext>
+            </a:extLst>
+          </p:cNvPr>
+          <p:cNvSpPr txBox="1"/>
+          <p:nvPr/>
+        </p:nvSpPr>
+        <p:spPr>
+          <a:xfrm>
+            <a:off x="600896" y="5454636"/>
+            <a:ext cx="10972800" cy="369332"/>
+          </a:xfrm>
+          <a:prstGeom prst="rect">
+            <a:avLst/>
+          </a:prstGeom>
+          <a:noFill/>
+        </p:spPr>
+        <p:txBody>
+          <a:bodyPr wrap="square" rtlCol="0">
+            <a:spAutoFit/>
+          </a:bodyPr>
+          <a:lstStyle/>
+          <a:p>
+            <a:pPr algn="ctr"/>
+            <a:r>
+              <a:rPr lang="en-GB" i="1" dirty="0">
+                <a:solidFill>
+                  <a:srgbClr val="0070C0"/>
+                </a:solidFill>
+              </a:rPr>
+              <a:t>Congratulations! You have run your first CSL program (although it doesn’t do very much yet!)</a:t>
+            </a:r>
+          </a:p>
+        </p:txBody>
+      </p:sp>
+      <p:sp>
+        <p:nvSpPr>
+          <p:cNvPr id="3" name="TextBox 2">
+            <a:extLst>
+              <a:ext uri="{FF2B5EF4-FFF2-40B4-BE49-F238E27FC236}">
+                <a16:creationId xmlns:a16="http://schemas.microsoft.com/office/drawing/2014/main" id="{B137543E-D98A-65CB-0714-5B6FE6265F08}"/>
+              </a:ext>
+            </a:extLst>
+          </p:cNvPr>
+          <p:cNvSpPr txBox="1"/>
+          <p:nvPr/>
+        </p:nvSpPr>
+        <p:spPr>
+          <a:xfrm>
+            <a:off x="695400" y="5949280"/>
+            <a:ext cx="10887000" cy="646331"/>
+          </a:xfrm>
+          <a:prstGeom prst="rect">
+            <a:avLst/>
+          </a:prstGeom>
+          <a:noFill/>
+        </p:spPr>
+        <p:txBody>
+          <a:bodyPr wrap="square" rtlCol="0">
+            <a:spAutoFit/>
+          </a:bodyPr>
+          <a:lstStyle/>
+          <a:p>
+            <a:pPr algn="ctr"/>
+            <a:r>
+              <a:rPr lang="en-GB" i="1" dirty="0">
+                <a:solidFill>
+                  <a:srgbClr val="FF0000"/>
+                </a:solidFill>
+              </a:rPr>
+              <a:t>You don’t need to type in or remember the compile and run commands, as we have a helper script that will compile and simulate the code (more on that in a moment)</a:t>
             </a:r>
           </a:p>
         </p:txBody>
@@ -5172,7 +5771,7 @@
     </p:spTree>
     <p:extLst>
       <p:ext uri="{BB962C8B-B14F-4D97-AF65-F5344CB8AC3E}">
-        <p14:creationId xmlns:p14="http://schemas.microsoft.com/office/powerpoint/2010/main" val="3910456926"/>
+        <p14:creationId xmlns:p14="http://schemas.microsoft.com/office/powerpoint/2010/main" val="635791193"/>
       </p:ext>
     </p:extLst>
   </p:cSld>
@@ -5204,6 +5803,280 @@
           <p:cNvPr id="2" name="Title 1">
             <a:extLst>
               <a:ext uri="{FF2B5EF4-FFF2-40B4-BE49-F238E27FC236}">
+                <a16:creationId xmlns:a16="http://schemas.microsoft.com/office/drawing/2014/main" id="{5FDD1DC3-B096-CF73-A12A-9876E230BA5C}"/>
+              </a:ext>
+            </a:extLst>
+          </p:cNvPr>
+          <p:cNvSpPr>
+            <a:spLocks noGrp="1"/>
+          </p:cNvSpPr>
+          <p:nvPr>
+            <p:ph type="title"/>
+          </p:nvPr>
+        </p:nvSpPr>
+        <p:spPr/>
+        <p:txBody>
+          <a:bodyPr/>
+          <a:lstStyle/>
+          <a:p>
+            <a:r>
+              <a:rPr lang="en-GB" dirty="0"/>
+              <a:t>What are these arguments to the CSL compiler?</a:t>
+            </a:r>
+          </a:p>
+        </p:txBody>
+      </p:sp>
+      <p:sp>
+        <p:nvSpPr>
+          <p:cNvPr id="3" name="Content Placeholder 2">
+            <a:extLst>
+              <a:ext uri="{FF2B5EF4-FFF2-40B4-BE49-F238E27FC236}">
+                <a16:creationId xmlns:a16="http://schemas.microsoft.com/office/drawing/2014/main" id="{46BAEA56-9FFE-1272-EEE0-D880471E3738}"/>
+              </a:ext>
+            </a:extLst>
+          </p:cNvPr>
+          <p:cNvSpPr>
+            <a:spLocks noGrp="1"/>
+          </p:cNvSpPr>
+          <p:nvPr>
+            <p:ph idx="1"/>
+          </p:nvPr>
+        </p:nvSpPr>
+        <p:spPr>
+          <a:xfrm>
+            <a:off x="635120" y="2852936"/>
+            <a:ext cx="10972800" cy="3336032"/>
+          </a:xfrm>
+        </p:spPr>
+        <p:txBody>
+          <a:bodyPr/>
+          <a:lstStyle/>
+          <a:p>
+            <a:r>
+              <a:rPr lang="en-GB" i="1" dirty="0">
+                <a:solidFill>
+                  <a:srgbClr val="0070C0"/>
+                </a:solidFill>
+              </a:rPr>
+              <a:t>--fabric-dims=8,3</a:t>
+            </a:r>
+            <a:r>
+              <a:rPr lang="en-GB" dirty="0"/>
+              <a:t> defines the size of the simulated fabric, which is 8 x 3</a:t>
+            </a:r>
+          </a:p>
+          <a:p>
+            <a:r>
+              <a:rPr lang="en-GB" i="1" dirty="0">
+                <a:solidFill>
+                  <a:srgbClr val="0070C0"/>
+                </a:solidFill>
+              </a:rPr>
+              <a:t>--fabric-offsets=4,1</a:t>
+            </a:r>
+            <a:r>
+              <a:rPr lang="en-GB" dirty="0"/>
+              <a:t> defines where the program is placed on the fabric.</a:t>
+            </a:r>
+          </a:p>
+          <a:p>
+            <a:r>
+              <a:rPr lang="en-GB" dirty="0">
+                <a:solidFill>
+                  <a:srgbClr val="0070C0"/>
+                </a:solidFill>
+              </a:rPr>
+              <a:t>--</a:t>
+            </a:r>
+            <a:r>
+              <a:rPr lang="en-GB" dirty="0" err="1">
+                <a:solidFill>
+                  <a:srgbClr val="0070C0"/>
+                </a:solidFill>
+              </a:rPr>
+              <a:t>memcpy</a:t>
+            </a:r>
+            <a:r>
+              <a:rPr lang="en-GB" dirty="0"/>
+              <a:t> this flag is required to enable </a:t>
+            </a:r>
+            <a:r>
+              <a:rPr lang="en-GB" dirty="0" err="1"/>
+              <a:t>memcpy</a:t>
+            </a:r>
+            <a:r>
+              <a:rPr lang="en-GB" dirty="0"/>
+              <a:t> within the host program (we discussed this in the architecture slides)</a:t>
+            </a:r>
+          </a:p>
+          <a:p>
+            <a:r>
+              <a:rPr lang="en-GB" i="1" dirty="0">
+                <a:solidFill>
+                  <a:srgbClr val="0070C0"/>
+                </a:solidFill>
+              </a:rPr>
+              <a:t>--channels=1</a:t>
+            </a:r>
+            <a:r>
+              <a:rPr lang="en-GB" dirty="0"/>
+              <a:t> determines the number of ethernet links that can be used to transfer data to/from the CS-2 (maximum of 12)</a:t>
+            </a:r>
+          </a:p>
+          <a:p>
+            <a:r>
+              <a:rPr lang="en-GB" i="1" dirty="0">
+                <a:solidFill>
+                  <a:srgbClr val="0070C0"/>
+                </a:solidFill>
+              </a:rPr>
+              <a:t>-o out</a:t>
+            </a:r>
+            <a:r>
+              <a:rPr lang="en-GB" dirty="0"/>
+              <a:t> is the directory where the executables will be saved</a:t>
+            </a:r>
+          </a:p>
+        </p:txBody>
+      </p:sp>
+      <p:sp>
+        <p:nvSpPr>
+          <p:cNvPr id="4" name="TextBox 3">
+            <a:extLst>
+              <a:ext uri="{FF2B5EF4-FFF2-40B4-BE49-F238E27FC236}">
+                <a16:creationId xmlns:a16="http://schemas.microsoft.com/office/drawing/2014/main" id="{B73611ED-3EA3-C050-4373-38046ED4A021}"/>
+              </a:ext>
+            </a:extLst>
+          </p:cNvPr>
+          <p:cNvSpPr txBox="1"/>
+          <p:nvPr/>
+        </p:nvSpPr>
+        <p:spPr>
+          <a:xfrm>
+            <a:off x="609600" y="1772816"/>
+            <a:ext cx="10972800" cy="584775"/>
+          </a:xfrm>
+          <a:prstGeom prst="rect">
+            <a:avLst/>
+          </a:prstGeom>
+          <a:solidFill>
+            <a:schemeClr val="tx1"/>
+          </a:solidFill>
+        </p:spPr>
+        <p:txBody>
+          <a:bodyPr wrap="square" rtlCol="0">
+            <a:spAutoFit/>
+          </a:bodyPr>
+          <a:lstStyle/>
+          <a:p>
+            <a:r>
+              <a:rPr lang="en-GB" sz="1600" dirty="0">
+                <a:solidFill>
+                  <a:schemeClr val="bg1"/>
+                </a:solidFill>
+                <a:latin typeface="Courier New" panose="02070309020205020404" pitchFamily="49" charset="0"/>
+                <a:cs typeface="Courier New" panose="02070309020205020404" pitchFamily="49" charset="0"/>
+              </a:rPr>
+              <a:t>[vistor01@sdf-cs1 wt1-getting-started]$ </a:t>
+            </a:r>
+            <a:r>
+              <a:rPr lang="en-GB" sz="1600" dirty="0" err="1">
+                <a:solidFill>
+                  <a:schemeClr val="bg1"/>
+                </a:solidFill>
+                <a:latin typeface="Courier New" panose="02070309020205020404" pitchFamily="49" charset="0"/>
+                <a:cs typeface="Courier New" panose="02070309020205020404" pitchFamily="49" charset="0"/>
+              </a:rPr>
+              <a:t>cslc</a:t>
+            </a:r>
+            <a:r>
+              <a:rPr lang="en-GB" sz="1600" dirty="0">
+                <a:solidFill>
+                  <a:schemeClr val="bg1"/>
+                </a:solidFill>
+                <a:latin typeface="Courier New" panose="02070309020205020404" pitchFamily="49" charset="0"/>
+                <a:cs typeface="Courier New" panose="02070309020205020404" pitchFamily="49" charset="0"/>
+              </a:rPr>
+              <a:t> </a:t>
+            </a:r>
+            <a:r>
+              <a:rPr lang="en-GB" sz="1600" dirty="0" err="1">
+                <a:solidFill>
+                  <a:schemeClr val="bg1"/>
+                </a:solidFill>
+                <a:latin typeface="Courier New" panose="02070309020205020404" pitchFamily="49" charset="0"/>
+                <a:cs typeface="Courier New" panose="02070309020205020404" pitchFamily="49" charset="0"/>
+              </a:rPr>
+              <a:t>layout.csl</a:t>
+            </a:r>
+            <a:r>
+              <a:rPr lang="en-GB" sz="1600" dirty="0">
+                <a:solidFill>
+                  <a:schemeClr val="bg1"/>
+                </a:solidFill>
+                <a:latin typeface="Courier New" panose="02070309020205020404" pitchFamily="49" charset="0"/>
+                <a:cs typeface="Courier New" panose="02070309020205020404" pitchFamily="49" charset="0"/>
+              </a:rPr>
+              <a:t> --fabric-dims=8,3 --fabric-offsets=4,1 --</a:t>
+            </a:r>
+            <a:r>
+              <a:rPr lang="en-GB" sz="1600" dirty="0" err="1">
+                <a:solidFill>
+                  <a:schemeClr val="bg1"/>
+                </a:solidFill>
+                <a:latin typeface="Courier New" panose="02070309020205020404" pitchFamily="49" charset="0"/>
+                <a:cs typeface="Courier New" panose="02070309020205020404" pitchFamily="49" charset="0"/>
+              </a:rPr>
+              <a:t>memcpy</a:t>
+            </a:r>
+            <a:r>
+              <a:rPr lang="en-GB" sz="1600" dirty="0">
+                <a:solidFill>
+                  <a:schemeClr val="bg1"/>
+                </a:solidFill>
+                <a:latin typeface="Courier New" panose="02070309020205020404" pitchFamily="49" charset="0"/>
+                <a:cs typeface="Courier New" panose="02070309020205020404" pitchFamily="49" charset="0"/>
+              </a:rPr>
+              <a:t> --channels=1 -o out</a:t>
+            </a:r>
+          </a:p>
+        </p:txBody>
+      </p:sp>
+    </p:spTree>
+    <p:extLst>
+      <p:ext uri="{BB962C8B-B14F-4D97-AF65-F5344CB8AC3E}">
+        <p14:creationId xmlns:p14="http://schemas.microsoft.com/office/powerpoint/2010/main" val="3910456926"/>
+      </p:ext>
+    </p:extLst>
+  </p:cSld>
+  <p:clrMapOvr>
+    <a:masterClrMapping/>
+  </p:clrMapOvr>
+</p:sld>
+</file>
+
+<file path=ppt/slides/slide12.xml><?xml version="1.0" encoding="utf-8"?>
+<p:sld xmlns:a="http://schemas.openxmlformats.org/drawingml/2006/main" xmlns:r="http://schemas.openxmlformats.org/officeDocument/2006/relationships" xmlns:p="http://schemas.openxmlformats.org/presentationml/2006/main">
+  <p:cSld>
+    <p:spTree>
+      <p:nvGrpSpPr>
+        <p:cNvPr id="1" name=""/>
+        <p:cNvGrpSpPr/>
+        <p:nvPr/>
+      </p:nvGrpSpPr>
+      <p:grpSpPr>
+        <a:xfrm>
+          <a:off x="0" y="0"/>
+          <a:ext cx="0" cy="0"/>
+          <a:chOff x="0" y="0"/>
+          <a:chExt cx="0" cy="0"/>
+        </a:xfrm>
+      </p:grpSpPr>
+      <p:sp>
+        <p:nvSpPr>
+          <p:cNvPr id="2" name="Title 1">
+            <a:extLst>
+              <a:ext uri="{FF2B5EF4-FFF2-40B4-BE49-F238E27FC236}">
                 <a16:creationId xmlns:a16="http://schemas.microsoft.com/office/drawing/2014/main" id="{594FDAEF-62A6-E8BA-A15B-AA8A264EA053}"/>
               </a:ext>
             </a:extLst>
@@ -5651,7 +6524,7 @@
 </p:sld>
 </file>
 
-<file path=ppt/slides/slide12.xml><?xml version="1.0" encoding="utf-8"?>
+<file path=ppt/slides/slide13.xml><?xml version="1.0" encoding="utf-8"?>
 <p:sld xmlns:a="http://schemas.openxmlformats.org/drawingml/2006/main" xmlns:r="http://schemas.openxmlformats.org/officeDocument/2006/relationships" xmlns:p="http://schemas.openxmlformats.org/presentationml/2006/main">
   <p:cSld>
     <p:spTree>
@@ -6797,7 +7670,7 @@
 </p:sld>
 </file>
 
-<file path=ppt/slides/slide13.xml><?xml version="1.0" encoding="utf-8"?>
+<file path=ppt/slides/slide14.xml><?xml version="1.0" encoding="utf-8"?>
 <p:sld xmlns:a="http://schemas.openxmlformats.org/drawingml/2006/main" xmlns:r="http://schemas.openxmlformats.org/officeDocument/2006/relationships" xmlns:p="http://schemas.openxmlformats.org/presentationml/2006/main">
   <p:cSld>
     <p:spTree>
@@ -7810,423 +8683,6 @@
 </p:sld>
 </file>
 
-<file path=ppt/slides/slide14.xml><?xml version="1.0" encoding="utf-8"?>
-<p:sld xmlns:a="http://schemas.openxmlformats.org/drawingml/2006/main" xmlns:r="http://schemas.openxmlformats.org/officeDocument/2006/relationships" xmlns:p="http://schemas.openxmlformats.org/presentationml/2006/main">
-  <p:cSld>
-    <p:spTree>
-      <p:nvGrpSpPr>
-        <p:cNvPr id="1" name=""/>
-        <p:cNvGrpSpPr/>
-        <p:nvPr/>
-      </p:nvGrpSpPr>
-      <p:grpSpPr>
-        <a:xfrm>
-          <a:off x="0" y="0"/>
-          <a:ext cx="0" cy="0"/>
-          <a:chOff x="0" y="0"/>
-          <a:chExt cx="0" cy="0"/>
-        </a:xfrm>
-      </p:grpSpPr>
-      <p:sp>
-        <p:nvSpPr>
-          <p:cNvPr id="2" name="Title 1">
-            <a:extLst>
-              <a:ext uri="{FF2B5EF4-FFF2-40B4-BE49-F238E27FC236}">
-                <a16:creationId xmlns:a16="http://schemas.microsoft.com/office/drawing/2014/main" id="{61129C2F-AEE4-FA72-D327-D70BCF36AF97}"/>
-              </a:ext>
-            </a:extLst>
-          </p:cNvPr>
-          <p:cNvSpPr>
-            <a:spLocks noGrp="1"/>
-          </p:cNvSpPr>
-          <p:nvPr>
-            <p:ph type="title"/>
-          </p:nvPr>
-        </p:nvSpPr>
-        <p:spPr/>
-        <p:txBody>
-          <a:bodyPr/>
-          <a:lstStyle/>
-          <a:p>
-            <a:r>
-              <a:rPr lang="en-GB" dirty="0"/>
-              <a:t>Running on the actual CS-2</a:t>
-            </a:r>
-          </a:p>
-        </p:txBody>
-      </p:sp>
-      <p:sp>
-        <p:nvSpPr>
-          <p:cNvPr id="3" name="Content Placeholder 2">
-            <a:extLst>
-              <a:ext uri="{FF2B5EF4-FFF2-40B4-BE49-F238E27FC236}">
-                <a16:creationId xmlns:a16="http://schemas.microsoft.com/office/drawing/2014/main" id="{A549AC40-7BD0-41A8-2174-EBF4F6A21171}"/>
-              </a:ext>
-            </a:extLst>
-          </p:cNvPr>
-          <p:cNvSpPr>
-            <a:spLocks noGrp="1"/>
-          </p:cNvSpPr>
-          <p:nvPr>
-            <p:ph idx="1"/>
-          </p:nvPr>
-        </p:nvSpPr>
-        <p:spPr/>
-        <p:txBody>
-          <a:bodyPr/>
-          <a:lstStyle/>
-          <a:p>
-            <a:r>
-              <a:rPr lang="en-GB" dirty="0"/>
-              <a:t>Much of our development will be run via the simulator, but we then want to run on the actual machine for production runs</a:t>
-            </a:r>
-          </a:p>
-          <a:p>
-            <a:r>
-              <a:rPr lang="en-GB" dirty="0"/>
-              <a:t>Two changes are required:</a:t>
-            </a:r>
-          </a:p>
-          <a:p>
-            <a:pPr marL="457200" indent="-457200">
-              <a:buFont typeface="+mj-lt"/>
-              <a:buAutoNum type="arabicPeriod"/>
-            </a:pPr>
-            <a:r>
-              <a:rPr lang="en-GB" dirty="0"/>
-              <a:t>The fabric-dims setting in the compile command must be replaced with the fabric dimension of the actual CS-2, 757 x 996.</a:t>
-            </a:r>
-          </a:p>
-          <a:p>
-            <a:pPr marL="457200" indent="-457200">
-              <a:buFont typeface="+mj-lt"/>
-              <a:buAutoNum type="arabicPeriod"/>
-            </a:pPr>
-            <a:endParaRPr lang="en-GB" dirty="0"/>
-          </a:p>
-          <a:p>
-            <a:pPr marL="457200" indent="-457200">
-              <a:buFont typeface="+mj-lt"/>
-              <a:buAutoNum type="arabicPeriod"/>
-            </a:pPr>
-            <a:endParaRPr lang="en-GB" dirty="0"/>
-          </a:p>
-          <a:p>
-            <a:pPr marL="457200" indent="-457200">
-              <a:buFont typeface="+mj-lt"/>
-              <a:buAutoNum type="arabicPeriod"/>
-            </a:pPr>
-            <a:r>
-              <a:rPr lang="en-GB" dirty="0"/>
-              <a:t>The IP address of the CS-2 system needs to be passed to the host program runtime SDK, the new run command becomes</a:t>
-            </a:r>
-            <a:endParaRPr lang="en-GB" i="1" dirty="0"/>
-          </a:p>
-        </p:txBody>
-      </p:sp>
-      <p:sp>
-        <p:nvSpPr>
-          <p:cNvPr id="4" name="TextBox 3">
-            <a:extLst>
-              <a:ext uri="{FF2B5EF4-FFF2-40B4-BE49-F238E27FC236}">
-                <a16:creationId xmlns:a16="http://schemas.microsoft.com/office/drawing/2014/main" id="{2214D02A-65B4-ED42-74BB-BC29ADF1E56C}"/>
-              </a:ext>
-            </a:extLst>
-          </p:cNvPr>
-          <p:cNvSpPr txBox="1"/>
-          <p:nvPr/>
-        </p:nvSpPr>
-        <p:spPr>
-          <a:xfrm>
-            <a:off x="609600" y="3746212"/>
-            <a:ext cx="10972800" cy="584775"/>
-          </a:xfrm>
-          <a:prstGeom prst="rect">
-            <a:avLst/>
-          </a:prstGeom>
-          <a:solidFill>
-            <a:schemeClr val="tx1"/>
-          </a:solidFill>
-        </p:spPr>
-        <p:txBody>
-          <a:bodyPr wrap="square" rtlCol="0">
-            <a:spAutoFit/>
-          </a:bodyPr>
-          <a:lstStyle/>
-          <a:p>
-            <a:r>
-              <a:rPr lang="en-GB" sz="1600" dirty="0">
-                <a:solidFill>
-                  <a:schemeClr val="bg1"/>
-                </a:solidFill>
-                <a:latin typeface="Courier New" panose="02070309020205020404" pitchFamily="49" charset="0"/>
-                <a:cs typeface="Courier New" panose="02070309020205020404" pitchFamily="49" charset="0"/>
-              </a:rPr>
-              <a:t>[vistor01@sdf-cs1 wt1-getting-started]$ </a:t>
-            </a:r>
-            <a:r>
-              <a:rPr lang="en-GB" sz="1600" dirty="0" err="1">
-                <a:solidFill>
-                  <a:schemeClr val="bg1"/>
-                </a:solidFill>
-                <a:latin typeface="Courier New" panose="02070309020205020404" pitchFamily="49" charset="0"/>
-                <a:cs typeface="Courier New" panose="02070309020205020404" pitchFamily="49" charset="0"/>
-              </a:rPr>
-              <a:t>cslc</a:t>
-            </a:r>
-            <a:r>
-              <a:rPr lang="en-GB" sz="1600" dirty="0">
-                <a:solidFill>
-                  <a:schemeClr val="bg1"/>
-                </a:solidFill>
-                <a:latin typeface="Courier New" panose="02070309020205020404" pitchFamily="49" charset="0"/>
-                <a:cs typeface="Courier New" panose="02070309020205020404" pitchFamily="49" charset="0"/>
-              </a:rPr>
-              <a:t> </a:t>
-            </a:r>
-            <a:r>
-              <a:rPr lang="en-GB" sz="1600" dirty="0" err="1">
-                <a:solidFill>
-                  <a:schemeClr val="bg1"/>
-                </a:solidFill>
-                <a:latin typeface="Courier New" panose="02070309020205020404" pitchFamily="49" charset="0"/>
-                <a:cs typeface="Courier New" panose="02070309020205020404" pitchFamily="49" charset="0"/>
-              </a:rPr>
-              <a:t>layout.csl</a:t>
-            </a:r>
-            <a:r>
-              <a:rPr lang="en-GB" sz="1600" dirty="0">
-                <a:solidFill>
-                  <a:schemeClr val="bg1"/>
-                </a:solidFill>
-                <a:latin typeface="Courier New" panose="02070309020205020404" pitchFamily="49" charset="0"/>
-                <a:cs typeface="Courier New" panose="02070309020205020404" pitchFamily="49" charset="0"/>
-              </a:rPr>
-              <a:t> --fabric-dims=757x996 --fabric-offsets=4,1 --</a:t>
-            </a:r>
-            <a:r>
-              <a:rPr lang="en-GB" sz="1600" dirty="0" err="1">
-                <a:solidFill>
-                  <a:schemeClr val="bg1"/>
-                </a:solidFill>
-                <a:latin typeface="Courier New" panose="02070309020205020404" pitchFamily="49" charset="0"/>
-                <a:cs typeface="Courier New" panose="02070309020205020404" pitchFamily="49" charset="0"/>
-              </a:rPr>
-              <a:t>memcpy</a:t>
-            </a:r>
-            <a:r>
-              <a:rPr lang="en-GB" sz="1600" dirty="0">
-                <a:solidFill>
-                  <a:schemeClr val="bg1"/>
-                </a:solidFill>
-                <a:latin typeface="Courier New" panose="02070309020205020404" pitchFamily="49" charset="0"/>
-                <a:cs typeface="Courier New" panose="02070309020205020404" pitchFamily="49" charset="0"/>
-              </a:rPr>
-              <a:t> --channels=1 -o out</a:t>
-            </a:r>
-          </a:p>
-        </p:txBody>
-      </p:sp>
-      <p:sp>
-        <p:nvSpPr>
-          <p:cNvPr id="6" name="Oval 5">
-            <a:extLst>
-              <a:ext uri="{FF2B5EF4-FFF2-40B4-BE49-F238E27FC236}">
-                <a16:creationId xmlns:a16="http://schemas.microsoft.com/office/drawing/2014/main" id="{A51555E6-82D0-AC7D-915D-BE084A4D485A}"/>
-              </a:ext>
-            </a:extLst>
-          </p:cNvPr>
-          <p:cNvSpPr/>
-          <p:nvPr/>
-        </p:nvSpPr>
-        <p:spPr>
-          <a:xfrm>
-            <a:off x="7464152" y="3627812"/>
-            <a:ext cx="2736304" cy="584775"/>
-          </a:xfrm>
-          <a:prstGeom prst="ellipse">
-            <a:avLst/>
-          </a:prstGeom>
-          <a:noFill/>
-          <a:ln>
-            <a:solidFill>
-              <a:srgbClr val="FF0000"/>
-            </a:solidFill>
-          </a:ln>
-        </p:spPr>
-        <p:style>
-          <a:lnRef idx="2">
-            <a:schemeClr val="accent1">
-              <a:shade val="15000"/>
-            </a:schemeClr>
-          </a:lnRef>
-          <a:fillRef idx="1">
-            <a:schemeClr val="accent1"/>
-          </a:fillRef>
-          <a:effectRef idx="0">
-            <a:schemeClr val="accent1"/>
-          </a:effectRef>
-          <a:fontRef idx="minor">
-            <a:schemeClr val="lt1"/>
-          </a:fontRef>
-        </p:style>
-        <p:txBody>
-          <a:bodyPr rtlCol="0" anchor="ctr"/>
-          <a:lstStyle/>
-          <a:p>
-            <a:pPr algn="ctr"/>
-            <a:endParaRPr lang="en-GB"/>
-          </a:p>
-        </p:txBody>
-      </p:sp>
-      <p:sp>
-        <p:nvSpPr>
-          <p:cNvPr id="7" name="TextBox 6">
-            <a:extLst>
-              <a:ext uri="{FF2B5EF4-FFF2-40B4-BE49-F238E27FC236}">
-                <a16:creationId xmlns:a16="http://schemas.microsoft.com/office/drawing/2014/main" id="{2197FE22-8CBF-7140-2839-9C296D6554DC}"/>
-              </a:ext>
-            </a:extLst>
-          </p:cNvPr>
-          <p:cNvSpPr txBox="1"/>
-          <p:nvPr/>
-        </p:nvSpPr>
-        <p:spPr>
-          <a:xfrm>
-            <a:off x="609600" y="5517232"/>
-            <a:ext cx="10972800" cy="307777"/>
-          </a:xfrm>
-          <a:prstGeom prst="rect">
-            <a:avLst/>
-          </a:prstGeom>
-          <a:solidFill>
-            <a:schemeClr val="tx1"/>
-          </a:solidFill>
-        </p:spPr>
-        <p:txBody>
-          <a:bodyPr wrap="square" rtlCol="0">
-            <a:spAutoFit/>
-          </a:bodyPr>
-          <a:lstStyle/>
-          <a:p>
-            <a:r>
-              <a:rPr lang="en-GB" sz="1400" dirty="0">
-                <a:solidFill>
-                  <a:schemeClr val="bg1"/>
-                </a:solidFill>
-                <a:latin typeface="Courier New" panose="02070309020205020404" pitchFamily="49" charset="0"/>
-                <a:cs typeface="Courier New" panose="02070309020205020404" pitchFamily="49" charset="0"/>
-              </a:rPr>
-              <a:t>[vistor01@sdf-cs1 wt1-getting-started]$ </a:t>
-            </a:r>
-            <a:r>
-              <a:rPr lang="en-GB" sz="1400" dirty="0" err="1">
-                <a:solidFill>
-                  <a:schemeClr val="bg1"/>
-                </a:solidFill>
-                <a:latin typeface="Courier New" panose="02070309020205020404" pitchFamily="49" charset="0"/>
-                <a:cs typeface="Courier New" panose="02070309020205020404" pitchFamily="49" charset="0"/>
-              </a:rPr>
-              <a:t>cs_python</a:t>
-            </a:r>
-            <a:r>
-              <a:rPr lang="en-GB" sz="1400" dirty="0">
-                <a:solidFill>
-                  <a:schemeClr val="bg1"/>
-                </a:solidFill>
-                <a:latin typeface="Courier New" panose="02070309020205020404" pitchFamily="49" charset="0"/>
-                <a:cs typeface="Courier New" panose="02070309020205020404" pitchFamily="49" charset="0"/>
-              </a:rPr>
-              <a:t> run.py --name out --</a:t>
-            </a:r>
-            <a:r>
-              <a:rPr lang="en-GB" sz="1400" dirty="0" err="1">
-                <a:solidFill>
-                  <a:schemeClr val="bg1"/>
-                </a:solidFill>
-                <a:latin typeface="Courier New" panose="02070309020205020404" pitchFamily="49" charset="0"/>
-                <a:cs typeface="Courier New" panose="02070309020205020404" pitchFamily="49" charset="0"/>
-              </a:rPr>
-              <a:t>cmaddr</a:t>
-            </a:r>
-            <a:r>
-              <a:rPr lang="en-GB" sz="1400" dirty="0">
-                <a:solidFill>
-                  <a:schemeClr val="bg1"/>
-                </a:solidFill>
-                <a:latin typeface="Courier New" panose="02070309020205020404" pitchFamily="49" charset="0"/>
-                <a:cs typeface="Courier New" panose="02070309020205020404" pitchFamily="49" charset="0"/>
-              </a:rPr>
-              <a:t> $CS_IP_ADDR:9000</a:t>
-            </a:r>
-          </a:p>
-        </p:txBody>
-      </p:sp>
-      <p:sp>
-        <p:nvSpPr>
-          <p:cNvPr id="8" name="Oval 7">
-            <a:extLst>
-              <a:ext uri="{FF2B5EF4-FFF2-40B4-BE49-F238E27FC236}">
-                <a16:creationId xmlns:a16="http://schemas.microsoft.com/office/drawing/2014/main" id="{5AADB715-0793-EDF6-E83F-510533F04B75}"/>
-              </a:ext>
-            </a:extLst>
-          </p:cNvPr>
-          <p:cNvSpPr/>
-          <p:nvPr/>
-        </p:nvSpPr>
-        <p:spPr>
-          <a:xfrm>
-            <a:off x="7896200" y="5378732"/>
-            <a:ext cx="2808312" cy="584775"/>
-          </a:xfrm>
-          <a:prstGeom prst="ellipse">
-            <a:avLst/>
-          </a:prstGeom>
-          <a:noFill/>
-          <a:ln>
-            <a:solidFill>
-              <a:srgbClr val="FF0000"/>
-            </a:solidFill>
-          </a:ln>
-        </p:spPr>
-        <p:style>
-          <a:lnRef idx="2">
-            <a:schemeClr val="accent1">
-              <a:shade val="15000"/>
-            </a:schemeClr>
-          </a:lnRef>
-          <a:fillRef idx="1">
-            <a:schemeClr val="accent1"/>
-          </a:fillRef>
-          <a:effectRef idx="0">
-            <a:schemeClr val="accent1"/>
-          </a:effectRef>
-          <a:fontRef idx="minor">
-            <a:schemeClr val="lt1"/>
-          </a:fontRef>
-        </p:style>
-        <p:txBody>
-          <a:bodyPr rtlCol="0" anchor="ctr"/>
-          <a:lstStyle/>
-          <a:p>
-            <a:pPr algn="ctr"/>
-            <a:endParaRPr lang="en-GB"/>
-          </a:p>
-        </p:txBody>
-      </p:sp>
-    </p:spTree>
-    <p:extLst>
-      <p:ext uri="{BB962C8B-B14F-4D97-AF65-F5344CB8AC3E}">
-        <p14:creationId xmlns:p14="http://schemas.microsoft.com/office/powerpoint/2010/main" val="3681194402"/>
-      </p:ext>
-    </p:extLst>
-  </p:cSld>
-  <p:clrMapOvr>
-    <a:masterClrMapping/>
-  </p:clrMapOvr>
-</p:sld>
-</file>
-
 <file path=ppt/slides/slide15.xml><?xml version="1.0" encoding="utf-8"?>
 <p:sld xmlns:a="http://schemas.openxmlformats.org/drawingml/2006/main" xmlns:r="http://schemas.openxmlformats.org/officeDocument/2006/relationships" xmlns:p="http://schemas.openxmlformats.org/presentationml/2006/main">
   <p:cSld>
@@ -8249,7 +8705,7 @@
           <p:cNvPr id="2" name="Title 1">
             <a:extLst>
               <a:ext uri="{FF2B5EF4-FFF2-40B4-BE49-F238E27FC236}">
-                <a16:creationId xmlns:a16="http://schemas.microsoft.com/office/drawing/2014/main" id="{23E82E65-E460-1BBB-8131-CA59B2343E0C}"/>
+                <a16:creationId xmlns:a16="http://schemas.microsoft.com/office/drawing/2014/main" id="{61129C2F-AEE4-FA72-D327-D70BCF36AF97}"/>
               </a:ext>
             </a:extLst>
           </p:cNvPr>
@@ -8267,7 +8723,7 @@
           <a:p>
             <a:r>
               <a:rPr lang="en-GB" dirty="0"/>
-              <a:t>Exploring (and fixing!) the code</a:t>
+              <a:t>Running on the actual CS-2 (appliance mode)</a:t>
             </a:r>
           </a:p>
         </p:txBody>
@@ -8277,7 +8733,7 @@
           <p:cNvPr id="3" name="Content Placeholder 2">
             <a:extLst>
               <a:ext uri="{FF2B5EF4-FFF2-40B4-BE49-F238E27FC236}">
-                <a16:creationId xmlns:a16="http://schemas.microsoft.com/office/drawing/2014/main" id="{A6A3917B-0624-8F70-40F2-F7E417F7C692}"/>
+                <a16:creationId xmlns:a16="http://schemas.microsoft.com/office/drawing/2014/main" id="{A549AC40-7BD0-41A8-2174-EBF4F6A21171}"/>
               </a:ext>
             </a:extLst>
           </p:cNvPr>
@@ -8288,27 +8744,90 @@
             <p:ph idx="1"/>
           </p:nvPr>
         </p:nvSpPr>
-        <p:spPr>
-          <a:xfrm>
-            <a:off x="609600" y="1600200"/>
-            <a:ext cx="10972800" cy="604664"/>
-          </a:xfrm>
-        </p:spPr>
+        <p:spPr/>
         <p:txBody>
           <a:bodyPr/>
           <a:lstStyle/>
           <a:p>
             <a:r>
               <a:rPr lang="en-GB" dirty="0"/>
-              <a:t>Change into the </a:t>
-            </a:r>
-            <a:r>
-              <a:rPr lang="en-GB" i="1" dirty="0"/>
-              <a:t>wt2-basic-syntax </a:t>
-            </a:r>
+              <a:t>All our development will be run via the simulator, but we then want to run on the actual machine for production runs</a:t>
+            </a:r>
+          </a:p>
+          <a:p>
             <a:r>
               <a:rPr lang="en-GB" dirty="0"/>
-              <a:t>directory</a:t>
+              <a:t>Two changes are required:</a:t>
+            </a:r>
+          </a:p>
+          <a:p>
+            <a:pPr marL="457200" indent="-457200">
+              <a:buFont typeface="+mj-lt"/>
+              <a:buAutoNum type="arabicPeriod"/>
+            </a:pPr>
+            <a:r>
+              <a:rPr lang="en-GB" dirty="0"/>
+              <a:t>How we compile the code and then using the </a:t>
+            </a:r>
+            <a:r>
+              <a:rPr lang="en-GB" dirty="0" err="1"/>
+              <a:t>SdkLauncher</a:t>
+            </a:r>
+            <a:endParaRPr lang="en-GB" dirty="0"/>
+          </a:p>
+          <a:p>
+            <a:pPr lvl="1"/>
+            <a:r>
+              <a:rPr lang="en-GB" dirty="0">
+                <a:hlinkClick r:id="rId3"/>
+              </a:rPr>
+              <a:t>https://sdk.cerebras.net/appliance-mode.html</a:t>
+            </a:r>
+            <a:r>
+              <a:rPr lang="en-GB" dirty="0"/>
+              <a:t> </a:t>
+            </a:r>
+          </a:p>
+          <a:p>
+            <a:pPr lvl="1"/>
+            <a:endParaRPr lang="en-GB" dirty="0"/>
+          </a:p>
+          <a:p>
+            <a:pPr marL="457200" indent="-457200">
+              <a:buFont typeface="+mj-lt"/>
+              <a:buAutoNum type="arabicPeriod"/>
+            </a:pPr>
+            <a:r>
+              <a:rPr lang="en-GB" dirty="0"/>
+              <a:t>Setup the Python virtual environment: </a:t>
+            </a:r>
+          </a:p>
+          <a:p>
+            <a:pPr lvl="1"/>
+            <a:r>
+              <a:rPr lang="en-GB" dirty="0">
+                <a:hlinkClick r:id="rId4"/>
+              </a:rPr>
+              <a:t>https://epcced.github.io/eidf-docs/services/cs2/run/</a:t>
+            </a:r>
+            <a:endParaRPr lang="en-GB" dirty="0"/>
+          </a:p>
+          <a:p>
+            <a:pPr lvl="1"/>
+            <a:endParaRPr lang="en-GB" dirty="0"/>
+          </a:p>
+          <a:p>
+            <a:pPr marL="457200" indent="-457200">
+              <a:buFont typeface="+mj-lt"/>
+              <a:buAutoNum type="arabicPeriod"/>
+            </a:pPr>
+            <a:r>
+              <a:rPr lang="en-GB" dirty="0"/>
+              <a:t> Submit the job via </a:t>
+            </a:r>
+            <a:r>
+              <a:rPr lang="en-GB" dirty="0" err="1"/>
+              <a:t>Slurm</a:t>
             </a:r>
             <a:endParaRPr lang="en-GB" i="1" dirty="0"/>
           </a:p>
@@ -8316,10 +8835,10 @@
       </p:sp>
       <p:sp>
         <p:nvSpPr>
-          <p:cNvPr id="4" name="TextBox 3">
+          <p:cNvPr id="5" name="TextBox 4">
             <a:extLst>
               <a:ext uri="{FF2B5EF4-FFF2-40B4-BE49-F238E27FC236}">
-                <a16:creationId xmlns:a16="http://schemas.microsoft.com/office/drawing/2014/main" id="{7A347576-F5D3-FC5F-CA65-B44EE799D524}"/>
+                <a16:creationId xmlns:a16="http://schemas.microsoft.com/office/drawing/2014/main" id="{7E91E557-C5ED-30BF-7BBF-993ADA6B670C}"/>
               </a:ext>
             </a:extLst>
           </p:cNvPr>
@@ -8328,15 +8847,13 @@
         </p:nvSpPr>
         <p:spPr>
           <a:xfrm>
-            <a:off x="551384" y="2420888"/>
-            <a:ext cx="10972800" cy="338554"/>
+            <a:off x="1055440" y="5877272"/>
+            <a:ext cx="10225136" cy="523220"/>
           </a:xfrm>
           <a:prstGeom prst="rect">
             <a:avLst/>
           </a:prstGeom>
-          <a:solidFill>
-            <a:schemeClr val="tx1"/>
-          </a:solidFill>
+          <a:noFill/>
         </p:spPr>
         <p:txBody>
           <a:bodyPr wrap="square" rtlCol="0">
@@ -8344,227 +8861,27 @@
           </a:bodyPr>
           <a:lstStyle/>
           <a:p>
-            <a:r>
-              <a:rPr lang="en-GB" sz="1600" dirty="0">
-                <a:solidFill>
-                  <a:schemeClr val="bg1"/>
-                </a:solidFill>
-                <a:latin typeface="Courier New" panose="02070309020205020404" pitchFamily="49" charset="0"/>
-                <a:cs typeface="Courier New" panose="02070309020205020404" pitchFamily="49" charset="0"/>
-              </a:rPr>
-              <a:t>[vistor01@sdf-cs1 wt1-getting-started]$ cd ../wt2-basic-syntax</a:t>
-            </a:r>
-          </a:p>
-        </p:txBody>
-      </p:sp>
-      <p:sp>
-        <p:nvSpPr>
-          <p:cNvPr id="5" name="Content Placeholder 2">
-            <a:extLst>
-              <a:ext uri="{FF2B5EF4-FFF2-40B4-BE49-F238E27FC236}">
-                <a16:creationId xmlns:a16="http://schemas.microsoft.com/office/drawing/2014/main" id="{43F01AB6-E61B-5B49-DC1C-36307A188530}"/>
-              </a:ext>
-            </a:extLst>
-          </p:cNvPr>
-          <p:cNvSpPr txBox="1">
-            <a:spLocks/>
-          </p:cNvSpPr>
-          <p:nvPr/>
-        </p:nvSpPr>
-        <p:spPr>
-          <a:xfrm>
-            <a:off x="609600" y="3143952"/>
-            <a:ext cx="10972800" cy="2661312"/>
-          </a:xfrm>
-          <a:prstGeom prst="rect">
-            <a:avLst/>
-          </a:prstGeom>
-        </p:spPr>
-        <p:txBody>
-          <a:bodyPr vert="horz" lIns="91440" tIns="45720" rIns="91440" bIns="45720" rtlCol="0">
-            <a:normAutofit/>
-          </a:bodyPr>
-          <a:lstStyle>
-            <a:lvl1pPr marL="182880" indent="-182880" algn="l" defTabSz="914400" rtl="0" eaLnBrk="1" latinLnBrk="0" hangingPunct="1">
-              <a:spcBef>
-                <a:spcPct val="20000"/>
-              </a:spcBef>
-              <a:buClr>
-                <a:schemeClr val="accent1"/>
-              </a:buClr>
-              <a:buSzPct val="85000"/>
-              <a:buFont typeface="Arial" pitchFamily="34" charset="0"/>
-              <a:buChar char="•"/>
-              <a:defRPr sz="2400" kern="1200">
-                <a:solidFill>
-                  <a:schemeClr val="tx1"/>
-                </a:solidFill>
-                <a:latin typeface="+mn-lt"/>
-                <a:ea typeface="+mn-ea"/>
-                <a:cs typeface="+mn-cs"/>
-              </a:defRPr>
-            </a:lvl1pPr>
-            <a:lvl2pPr marL="457200" indent="-182880" algn="l" defTabSz="914400" rtl="0" eaLnBrk="1" latinLnBrk="0" hangingPunct="1">
-              <a:spcBef>
-                <a:spcPct val="20000"/>
-              </a:spcBef>
-              <a:buClr>
-                <a:schemeClr val="accent1"/>
-              </a:buClr>
-              <a:buSzPct val="85000"/>
-              <a:buFont typeface="Arial" pitchFamily="34" charset="0"/>
-              <a:buChar char="•"/>
-              <a:defRPr sz="2000" kern="1200">
-                <a:solidFill>
-                  <a:schemeClr val="tx1"/>
-                </a:solidFill>
-                <a:latin typeface="+mn-lt"/>
-                <a:ea typeface="+mn-ea"/>
-                <a:cs typeface="+mn-cs"/>
-              </a:defRPr>
-            </a:lvl2pPr>
-            <a:lvl3pPr marL="731520" indent="-182880" algn="l" defTabSz="914400" rtl="0" eaLnBrk="1" latinLnBrk="0" hangingPunct="1">
-              <a:spcBef>
-                <a:spcPct val="20000"/>
-              </a:spcBef>
-              <a:buClr>
-                <a:schemeClr val="accent1"/>
-              </a:buClr>
-              <a:buSzPct val="90000"/>
-              <a:buFont typeface="Arial" pitchFamily="34" charset="0"/>
-              <a:buChar char="•"/>
-              <a:defRPr sz="1800" kern="1200">
-                <a:solidFill>
-                  <a:schemeClr val="tx1"/>
-                </a:solidFill>
-                <a:latin typeface="+mn-lt"/>
-                <a:ea typeface="+mn-ea"/>
-                <a:cs typeface="+mn-cs"/>
-              </a:defRPr>
-            </a:lvl3pPr>
-            <a:lvl4pPr marL="1005840" indent="-182880" algn="l" defTabSz="914400" rtl="0" eaLnBrk="1" latinLnBrk="0" hangingPunct="1">
-              <a:spcBef>
-                <a:spcPct val="20000"/>
-              </a:spcBef>
-              <a:buClr>
-                <a:schemeClr val="accent1"/>
-              </a:buClr>
-              <a:buFont typeface="Arial" pitchFamily="34" charset="0"/>
-              <a:buChar char="•"/>
-              <a:defRPr sz="1600" kern="1200">
-                <a:solidFill>
-                  <a:schemeClr val="tx1"/>
-                </a:solidFill>
-                <a:latin typeface="+mn-lt"/>
-                <a:ea typeface="+mn-ea"/>
-                <a:cs typeface="+mn-cs"/>
-              </a:defRPr>
-            </a:lvl4pPr>
-            <a:lvl5pPr marL="1188720" indent="-137160" algn="l" defTabSz="914400" rtl="0" eaLnBrk="1" latinLnBrk="0" hangingPunct="1">
-              <a:spcBef>
-                <a:spcPct val="20000"/>
-              </a:spcBef>
-              <a:buClr>
-                <a:schemeClr val="accent1"/>
-              </a:buClr>
-              <a:buSzPct val="100000"/>
-              <a:buFont typeface="Arial" pitchFamily="34" charset="0"/>
-              <a:buChar char="•"/>
-              <a:defRPr sz="1400" kern="1200" baseline="0">
-                <a:solidFill>
-                  <a:schemeClr val="tx1"/>
-                </a:solidFill>
-                <a:latin typeface="+mn-lt"/>
-                <a:ea typeface="+mn-ea"/>
-                <a:cs typeface="+mn-cs"/>
-              </a:defRPr>
-            </a:lvl5pPr>
-            <a:lvl6pPr marL="1371600" indent="-182880" algn="l" defTabSz="914400" rtl="0" eaLnBrk="1" latinLnBrk="0" hangingPunct="1">
-              <a:spcBef>
-                <a:spcPct val="20000"/>
-              </a:spcBef>
-              <a:buClr>
-                <a:schemeClr val="accent1"/>
-              </a:buClr>
-              <a:buFont typeface="Arial" pitchFamily="34" charset="0"/>
-              <a:buChar char="•"/>
-              <a:defRPr sz="1300" kern="1200">
-                <a:solidFill>
-                  <a:schemeClr val="tx1"/>
-                </a:solidFill>
-                <a:latin typeface="+mn-lt"/>
-                <a:ea typeface="+mn-ea"/>
-                <a:cs typeface="+mn-cs"/>
-              </a:defRPr>
-            </a:lvl6pPr>
-            <a:lvl7pPr marL="1554480" indent="-182880" algn="l" defTabSz="914400" rtl="0" eaLnBrk="1" latinLnBrk="0" hangingPunct="1">
-              <a:spcBef>
-                <a:spcPct val="20000"/>
-              </a:spcBef>
-              <a:buClr>
-                <a:schemeClr val="accent1"/>
-              </a:buClr>
-              <a:buFont typeface="Arial" pitchFamily="34" charset="0"/>
-              <a:buChar char="•"/>
-              <a:defRPr sz="1300" kern="1200">
-                <a:solidFill>
-                  <a:schemeClr val="tx1"/>
-                </a:solidFill>
-                <a:latin typeface="+mn-lt"/>
-                <a:ea typeface="+mn-ea"/>
-                <a:cs typeface="+mn-cs"/>
-              </a:defRPr>
-            </a:lvl7pPr>
-            <a:lvl8pPr marL="1737360" indent="-182880" algn="l" defTabSz="914400" rtl="0" eaLnBrk="1" latinLnBrk="0" hangingPunct="1">
-              <a:spcBef>
-                <a:spcPct val="20000"/>
-              </a:spcBef>
-              <a:buClr>
-                <a:schemeClr val="accent1"/>
-              </a:buClr>
-              <a:buFont typeface="Arial" pitchFamily="34" charset="0"/>
-              <a:buChar char="•"/>
-              <a:defRPr sz="1300" kern="1200">
-                <a:solidFill>
-                  <a:schemeClr val="tx1"/>
-                </a:solidFill>
-                <a:latin typeface="+mn-lt"/>
-                <a:ea typeface="+mn-ea"/>
-                <a:cs typeface="+mn-cs"/>
-              </a:defRPr>
-            </a:lvl8pPr>
-            <a:lvl9pPr marL="1920240" indent="-182880" algn="l" defTabSz="914400" rtl="0" eaLnBrk="1" latinLnBrk="0" hangingPunct="1">
-              <a:spcBef>
-                <a:spcPct val="20000"/>
-              </a:spcBef>
-              <a:buClr>
-                <a:schemeClr val="accent1"/>
-              </a:buClr>
-              <a:buFont typeface="Arial" pitchFamily="34" charset="0"/>
-              <a:buChar char="•"/>
-              <a:defRPr sz="1300" kern="1200">
-                <a:solidFill>
-                  <a:schemeClr val="tx1"/>
-                </a:solidFill>
-                <a:latin typeface="+mn-lt"/>
-                <a:ea typeface="+mn-ea"/>
-                <a:cs typeface="+mn-cs"/>
-              </a:defRPr>
-            </a:lvl9pPr>
-          </a:lstStyle>
-          <a:p>
-            <a:r>
-              <a:rPr lang="en-GB" dirty="0"/>
-              <a:t>We are going to use this as a basis for a (very simple) code update to fix the code</a:t>
-            </a:r>
-            <a:endParaRPr lang="en-GB" i="1" dirty="0"/>
+            <a:pPr algn="ctr"/>
+            <a:r>
+              <a:rPr lang="en-GB" sz="2800" i="1" dirty="0">
+                <a:solidFill>
+                  <a:srgbClr val="00B050"/>
+                </a:solidFill>
+              </a:rPr>
+              <a:t>We will point you to an example of this in a few minutes</a:t>
+            </a:r>
+            <a:endParaRPr lang="en-GB" i="1" dirty="0">
+              <a:solidFill>
+                <a:srgbClr val="00B050"/>
+              </a:solidFill>
+            </a:endParaRPr>
           </a:p>
         </p:txBody>
       </p:sp>
     </p:spTree>
     <p:extLst>
       <p:ext uri="{BB962C8B-B14F-4D97-AF65-F5344CB8AC3E}">
-        <p14:creationId xmlns:p14="http://schemas.microsoft.com/office/powerpoint/2010/main" val="628637316"/>
+        <p14:creationId xmlns:p14="http://schemas.microsoft.com/office/powerpoint/2010/main" val="3681194402"/>
       </p:ext>
     </p:extLst>
   </p:cSld>
@@ -8596,6 +8913,353 @@
           <p:cNvPr id="2" name="Title 1">
             <a:extLst>
               <a:ext uri="{FF2B5EF4-FFF2-40B4-BE49-F238E27FC236}">
+                <a16:creationId xmlns:a16="http://schemas.microsoft.com/office/drawing/2014/main" id="{23E82E65-E460-1BBB-8131-CA59B2343E0C}"/>
+              </a:ext>
+            </a:extLst>
+          </p:cNvPr>
+          <p:cNvSpPr>
+            <a:spLocks noGrp="1"/>
+          </p:cNvSpPr>
+          <p:nvPr>
+            <p:ph type="title"/>
+          </p:nvPr>
+        </p:nvSpPr>
+        <p:spPr/>
+        <p:txBody>
+          <a:bodyPr/>
+          <a:lstStyle/>
+          <a:p>
+            <a:r>
+              <a:rPr lang="en-GB" dirty="0"/>
+              <a:t>Exploring (and fixing!) the code</a:t>
+            </a:r>
+          </a:p>
+        </p:txBody>
+      </p:sp>
+      <p:sp>
+        <p:nvSpPr>
+          <p:cNvPr id="3" name="Content Placeholder 2">
+            <a:extLst>
+              <a:ext uri="{FF2B5EF4-FFF2-40B4-BE49-F238E27FC236}">
+                <a16:creationId xmlns:a16="http://schemas.microsoft.com/office/drawing/2014/main" id="{A6A3917B-0624-8F70-40F2-F7E417F7C692}"/>
+              </a:ext>
+            </a:extLst>
+          </p:cNvPr>
+          <p:cNvSpPr>
+            <a:spLocks noGrp="1"/>
+          </p:cNvSpPr>
+          <p:nvPr>
+            <p:ph idx="1"/>
+          </p:nvPr>
+        </p:nvSpPr>
+        <p:spPr>
+          <a:xfrm>
+            <a:off x="609600" y="1600200"/>
+            <a:ext cx="10972800" cy="604664"/>
+          </a:xfrm>
+        </p:spPr>
+        <p:txBody>
+          <a:bodyPr/>
+          <a:lstStyle/>
+          <a:p>
+            <a:r>
+              <a:rPr lang="en-GB" dirty="0"/>
+              <a:t>Change into the </a:t>
+            </a:r>
+            <a:r>
+              <a:rPr lang="en-GB" i="1" dirty="0"/>
+              <a:t>wt2-basic-syntax </a:t>
+            </a:r>
+            <a:r>
+              <a:rPr lang="en-GB" dirty="0"/>
+              <a:t>directory</a:t>
+            </a:r>
+            <a:endParaRPr lang="en-GB" i="1" dirty="0"/>
+          </a:p>
+        </p:txBody>
+      </p:sp>
+      <p:sp>
+        <p:nvSpPr>
+          <p:cNvPr id="4" name="TextBox 3">
+            <a:extLst>
+              <a:ext uri="{FF2B5EF4-FFF2-40B4-BE49-F238E27FC236}">
+                <a16:creationId xmlns:a16="http://schemas.microsoft.com/office/drawing/2014/main" id="{7A347576-F5D3-FC5F-CA65-B44EE799D524}"/>
+              </a:ext>
+            </a:extLst>
+          </p:cNvPr>
+          <p:cNvSpPr txBox="1"/>
+          <p:nvPr/>
+        </p:nvSpPr>
+        <p:spPr>
+          <a:xfrm>
+            <a:off x="551384" y="2420888"/>
+            <a:ext cx="10972800" cy="338554"/>
+          </a:xfrm>
+          <a:prstGeom prst="rect">
+            <a:avLst/>
+          </a:prstGeom>
+          <a:solidFill>
+            <a:schemeClr val="tx1"/>
+          </a:solidFill>
+        </p:spPr>
+        <p:txBody>
+          <a:bodyPr wrap="square" rtlCol="0">
+            <a:spAutoFit/>
+          </a:bodyPr>
+          <a:lstStyle/>
+          <a:p>
+            <a:r>
+              <a:rPr lang="en-GB" sz="1600" dirty="0">
+                <a:solidFill>
+                  <a:schemeClr val="bg1"/>
+                </a:solidFill>
+                <a:latin typeface="Courier New" panose="02070309020205020404" pitchFamily="49" charset="0"/>
+                <a:cs typeface="Courier New" panose="02070309020205020404" pitchFamily="49" charset="0"/>
+              </a:rPr>
+              <a:t>[vistor01@sdf-cs1 wt1-getting-started]$ cd ../wt2-basic-syntax</a:t>
+            </a:r>
+          </a:p>
+        </p:txBody>
+      </p:sp>
+      <p:sp>
+        <p:nvSpPr>
+          <p:cNvPr id="5" name="Content Placeholder 2">
+            <a:extLst>
+              <a:ext uri="{FF2B5EF4-FFF2-40B4-BE49-F238E27FC236}">
+                <a16:creationId xmlns:a16="http://schemas.microsoft.com/office/drawing/2014/main" id="{43F01AB6-E61B-5B49-DC1C-36307A188530}"/>
+              </a:ext>
+            </a:extLst>
+          </p:cNvPr>
+          <p:cNvSpPr txBox="1">
+            <a:spLocks/>
+          </p:cNvSpPr>
+          <p:nvPr/>
+        </p:nvSpPr>
+        <p:spPr>
+          <a:xfrm>
+            <a:off x="609600" y="3143952"/>
+            <a:ext cx="10972800" cy="2661312"/>
+          </a:xfrm>
+          <a:prstGeom prst="rect">
+            <a:avLst/>
+          </a:prstGeom>
+        </p:spPr>
+        <p:txBody>
+          <a:bodyPr vert="horz" lIns="91440" tIns="45720" rIns="91440" bIns="45720" rtlCol="0">
+            <a:normAutofit/>
+          </a:bodyPr>
+          <a:lstStyle>
+            <a:lvl1pPr marL="182880" indent="-182880" algn="l" defTabSz="914400" rtl="0" eaLnBrk="1" latinLnBrk="0" hangingPunct="1">
+              <a:spcBef>
+                <a:spcPct val="20000"/>
+              </a:spcBef>
+              <a:buClr>
+                <a:schemeClr val="accent1"/>
+              </a:buClr>
+              <a:buSzPct val="85000"/>
+              <a:buFont typeface="Arial" pitchFamily="34" charset="0"/>
+              <a:buChar char="•"/>
+              <a:defRPr sz="2400" kern="1200">
+                <a:solidFill>
+                  <a:schemeClr val="tx1"/>
+                </a:solidFill>
+                <a:latin typeface="+mn-lt"/>
+                <a:ea typeface="+mn-ea"/>
+                <a:cs typeface="+mn-cs"/>
+              </a:defRPr>
+            </a:lvl1pPr>
+            <a:lvl2pPr marL="457200" indent="-182880" algn="l" defTabSz="914400" rtl="0" eaLnBrk="1" latinLnBrk="0" hangingPunct="1">
+              <a:spcBef>
+                <a:spcPct val="20000"/>
+              </a:spcBef>
+              <a:buClr>
+                <a:schemeClr val="accent1"/>
+              </a:buClr>
+              <a:buSzPct val="85000"/>
+              <a:buFont typeface="Arial" pitchFamily="34" charset="0"/>
+              <a:buChar char="•"/>
+              <a:defRPr sz="2000" kern="1200">
+                <a:solidFill>
+                  <a:schemeClr val="tx1"/>
+                </a:solidFill>
+                <a:latin typeface="+mn-lt"/>
+                <a:ea typeface="+mn-ea"/>
+                <a:cs typeface="+mn-cs"/>
+              </a:defRPr>
+            </a:lvl2pPr>
+            <a:lvl3pPr marL="731520" indent="-182880" algn="l" defTabSz="914400" rtl="0" eaLnBrk="1" latinLnBrk="0" hangingPunct="1">
+              <a:spcBef>
+                <a:spcPct val="20000"/>
+              </a:spcBef>
+              <a:buClr>
+                <a:schemeClr val="accent1"/>
+              </a:buClr>
+              <a:buSzPct val="90000"/>
+              <a:buFont typeface="Arial" pitchFamily="34" charset="0"/>
+              <a:buChar char="•"/>
+              <a:defRPr sz="1800" kern="1200">
+                <a:solidFill>
+                  <a:schemeClr val="tx1"/>
+                </a:solidFill>
+                <a:latin typeface="+mn-lt"/>
+                <a:ea typeface="+mn-ea"/>
+                <a:cs typeface="+mn-cs"/>
+              </a:defRPr>
+            </a:lvl3pPr>
+            <a:lvl4pPr marL="1005840" indent="-182880" algn="l" defTabSz="914400" rtl="0" eaLnBrk="1" latinLnBrk="0" hangingPunct="1">
+              <a:spcBef>
+                <a:spcPct val="20000"/>
+              </a:spcBef>
+              <a:buClr>
+                <a:schemeClr val="accent1"/>
+              </a:buClr>
+              <a:buFont typeface="Arial" pitchFamily="34" charset="0"/>
+              <a:buChar char="•"/>
+              <a:defRPr sz="1600" kern="1200">
+                <a:solidFill>
+                  <a:schemeClr val="tx1"/>
+                </a:solidFill>
+                <a:latin typeface="+mn-lt"/>
+                <a:ea typeface="+mn-ea"/>
+                <a:cs typeface="+mn-cs"/>
+              </a:defRPr>
+            </a:lvl4pPr>
+            <a:lvl5pPr marL="1188720" indent="-137160" algn="l" defTabSz="914400" rtl="0" eaLnBrk="1" latinLnBrk="0" hangingPunct="1">
+              <a:spcBef>
+                <a:spcPct val="20000"/>
+              </a:spcBef>
+              <a:buClr>
+                <a:schemeClr val="accent1"/>
+              </a:buClr>
+              <a:buSzPct val="100000"/>
+              <a:buFont typeface="Arial" pitchFamily="34" charset="0"/>
+              <a:buChar char="•"/>
+              <a:defRPr sz="1400" kern="1200" baseline="0">
+                <a:solidFill>
+                  <a:schemeClr val="tx1"/>
+                </a:solidFill>
+                <a:latin typeface="+mn-lt"/>
+                <a:ea typeface="+mn-ea"/>
+                <a:cs typeface="+mn-cs"/>
+              </a:defRPr>
+            </a:lvl5pPr>
+            <a:lvl6pPr marL="1371600" indent="-182880" algn="l" defTabSz="914400" rtl="0" eaLnBrk="1" latinLnBrk="0" hangingPunct="1">
+              <a:spcBef>
+                <a:spcPct val="20000"/>
+              </a:spcBef>
+              <a:buClr>
+                <a:schemeClr val="accent1"/>
+              </a:buClr>
+              <a:buFont typeface="Arial" pitchFamily="34" charset="0"/>
+              <a:buChar char="•"/>
+              <a:defRPr sz="1300" kern="1200">
+                <a:solidFill>
+                  <a:schemeClr val="tx1"/>
+                </a:solidFill>
+                <a:latin typeface="+mn-lt"/>
+                <a:ea typeface="+mn-ea"/>
+                <a:cs typeface="+mn-cs"/>
+              </a:defRPr>
+            </a:lvl6pPr>
+            <a:lvl7pPr marL="1554480" indent="-182880" algn="l" defTabSz="914400" rtl="0" eaLnBrk="1" latinLnBrk="0" hangingPunct="1">
+              <a:spcBef>
+                <a:spcPct val="20000"/>
+              </a:spcBef>
+              <a:buClr>
+                <a:schemeClr val="accent1"/>
+              </a:buClr>
+              <a:buFont typeface="Arial" pitchFamily="34" charset="0"/>
+              <a:buChar char="•"/>
+              <a:defRPr sz="1300" kern="1200">
+                <a:solidFill>
+                  <a:schemeClr val="tx1"/>
+                </a:solidFill>
+                <a:latin typeface="+mn-lt"/>
+                <a:ea typeface="+mn-ea"/>
+                <a:cs typeface="+mn-cs"/>
+              </a:defRPr>
+            </a:lvl7pPr>
+            <a:lvl8pPr marL="1737360" indent="-182880" algn="l" defTabSz="914400" rtl="0" eaLnBrk="1" latinLnBrk="0" hangingPunct="1">
+              <a:spcBef>
+                <a:spcPct val="20000"/>
+              </a:spcBef>
+              <a:buClr>
+                <a:schemeClr val="accent1"/>
+              </a:buClr>
+              <a:buFont typeface="Arial" pitchFamily="34" charset="0"/>
+              <a:buChar char="•"/>
+              <a:defRPr sz="1300" kern="1200">
+                <a:solidFill>
+                  <a:schemeClr val="tx1"/>
+                </a:solidFill>
+                <a:latin typeface="+mn-lt"/>
+                <a:ea typeface="+mn-ea"/>
+                <a:cs typeface="+mn-cs"/>
+              </a:defRPr>
+            </a:lvl8pPr>
+            <a:lvl9pPr marL="1920240" indent="-182880" algn="l" defTabSz="914400" rtl="0" eaLnBrk="1" latinLnBrk="0" hangingPunct="1">
+              <a:spcBef>
+                <a:spcPct val="20000"/>
+              </a:spcBef>
+              <a:buClr>
+                <a:schemeClr val="accent1"/>
+              </a:buClr>
+              <a:buFont typeface="Arial" pitchFamily="34" charset="0"/>
+              <a:buChar char="•"/>
+              <a:defRPr sz="1300" kern="1200">
+                <a:solidFill>
+                  <a:schemeClr val="tx1"/>
+                </a:solidFill>
+                <a:latin typeface="+mn-lt"/>
+                <a:ea typeface="+mn-ea"/>
+                <a:cs typeface="+mn-cs"/>
+              </a:defRPr>
+            </a:lvl9pPr>
+          </a:lstStyle>
+          <a:p>
+            <a:r>
+              <a:rPr lang="en-GB" dirty="0"/>
+              <a:t>We are going to use this as a basis for a (very simple) code update to fix the code</a:t>
+            </a:r>
+            <a:endParaRPr lang="en-GB" i="1" dirty="0"/>
+          </a:p>
+        </p:txBody>
+      </p:sp>
+    </p:spTree>
+    <p:extLst>
+      <p:ext uri="{BB962C8B-B14F-4D97-AF65-F5344CB8AC3E}">
+        <p14:creationId xmlns:p14="http://schemas.microsoft.com/office/powerpoint/2010/main" val="628637316"/>
+      </p:ext>
+    </p:extLst>
+  </p:cSld>
+  <p:clrMapOvr>
+    <a:masterClrMapping/>
+  </p:clrMapOvr>
+</p:sld>
+</file>
+
+<file path=ppt/slides/slide17.xml><?xml version="1.0" encoding="utf-8"?>
+<p:sld xmlns:a="http://schemas.openxmlformats.org/drawingml/2006/main" xmlns:r="http://schemas.openxmlformats.org/officeDocument/2006/relationships" xmlns:p="http://schemas.openxmlformats.org/presentationml/2006/main">
+  <p:cSld>
+    <p:spTree>
+      <p:nvGrpSpPr>
+        <p:cNvPr id="1" name=""/>
+        <p:cNvGrpSpPr/>
+        <p:nvPr/>
+      </p:nvGrpSpPr>
+      <p:grpSpPr>
+        <a:xfrm>
+          <a:off x="0" y="0"/>
+          <a:ext cx="0" cy="0"/>
+          <a:chOff x="0" y="0"/>
+          <a:chExt cx="0" cy="0"/>
+        </a:xfrm>
+      </p:grpSpPr>
+      <p:sp>
+        <p:nvSpPr>
+          <p:cNvPr id="2" name="Title 1">
+            <a:extLst>
+              <a:ext uri="{FF2B5EF4-FFF2-40B4-BE49-F238E27FC236}">
                 <a16:creationId xmlns:a16="http://schemas.microsoft.com/office/drawing/2014/main" id="{D9AC9B5B-2DF4-AEFC-E75F-A749C0DA9F85}"/>
               </a:ext>
             </a:extLst>
@@ -8845,7 +9509,21 @@
                 <a:latin typeface="Courier New" panose="02070309020205020404" pitchFamily="49" charset="0"/>
                 <a:cs typeface="Courier New" panose="02070309020205020404" pitchFamily="49" charset="0"/>
               </a:rPr>
-              <a:t> sum(</a:t>
+              <a:t> </a:t>
+            </a:r>
+            <a:r>
+              <a:rPr lang="en-GB" sz="1100" dirty="0" err="1">
+                <a:latin typeface="Courier New" panose="02070309020205020404" pitchFamily="49" charset="0"/>
+                <a:cs typeface="Courier New" panose="02070309020205020404" pitchFamily="49" charset="0"/>
+              </a:rPr>
+              <a:t>scaled_sum</a:t>
+            </a:r>
+            <a:r>
+              <a:rPr lang="en-GB" sz="1100" dirty="0">
+                <a:latin typeface="Courier New" panose="02070309020205020404" pitchFamily="49" charset="0"/>
+                <a:cs typeface="Courier New" panose="02070309020205020404" pitchFamily="49" charset="0"/>
+              </a:rPr>
+              <a:t>(</a:t>
             </a:r>
             <a:r>
               <a:rPr lang="en-GB" sz="1100" dirty="0" err="1">
@@ -9762,7 +10440,7 @@
 </p:sld>
 </file>
 
-<file path=ppt/slides/slide17.xml><?xml version="1.0" encoding="utf-8"?>
+<file path=ppt/slides/slide18.xml><?xml version="1.0" encoding="utf-8"?>
 <p:sld xmlns:a="http://schemas.openxmlformats.org/drawingml/2006/main" xmlns:r="http://schemas.openxmlformats.org/officeDocument/2006/relationships" xmlns:p="http://schemas.openxmlformats.org/presentationml/2006/main">
   <p:cSld>
     <p:spTree>
@@ -10026,7 +10704,21 @@
                 <a:latin typeface="Courier New" panose="02070309020205020404" pitchFamily="49" charset="0"/>
                 <a:cs typeface="Courier New" panose="02070309020205020404" pitchFamily="49" charset="0"/>
               </a:rPr>
-              <a:t>  sum(&amp;x, &amp;y, 2);</a:t>
+              <a:t>  </a:t>
+            </a:r>
+            <a:r>
+              <a:rPr lang="en-GB" sz="1100" dirty="0" err="1">
+                <a:latin typeface="Courier New" panose="02070309020205020404" pitchFamily="49" charset="0"/>
+                <a:cs typeface="Courier New" panose="02070309020205020404" pitchFamily="49" charset="0"/>
+              </a:rPr>
+              <a:t>scaled_sum</a:t>
+            </a:r>
+            <a:r>
+              <a:rPr lang="en-GB" sz="1100" dirty="0">
+                <a:latin typeface="Courier New" panose="02070309020205020404" pitchFamily="49" charset="0"/>
+                <a:cs typeface="Courier New" panose="02070309020205020404" pitchFamily="49" charset="0"/>
+              </a:rPr>
+              <a:t>(&amp;x, &amp;y, 2);</a:t>
             </a:r>
           </a:p>
           <a:p>
@@ -10827,7 +11519,7 @@
 </p:sld>
 </file>
 
-<file path=ppt/slides/slide18.xml><?xml version="1.0" encoding="utf-8"?>
+<file path=ppt/slides/slide19.xml><?xml version="1.0" encoding="utf-8"?>
 <p:sld xmlns:a="http://schemas.openxmlformats.org/drawingml/2006/main" xmlns:r="http://schemas.openxmlformats.org/officeDocument/2006/relationships" xmlns:p="http://schemas.openxmlformats.org/presentationml/2006/main">
   <p:cSld>
     <p:spTree>
@@ -10924,7 +11616,21 @@
                 <a:latin typeface="Courier New" panose="02070309020205020404" pitchFamily="49" charset="0"/>
                 <a:cs typeface="Courier New" panose="02070309020205020404" pitchFamily="49" charset="0"/>
               </a:rPr>
-              <a:t> sum(</a:t>
+              <a:t> </a:t>
+            </a:r>
+            <a:r>
+              <a:rPr lang="en-GB" sz="1100" dirty="0" err="1">
+                <a:latin typeface="Courier New" panose="02070309020205020404" pitchFamily="49" charset="0"/>
+                <a:cs typeface="Courier New" panose="02070309020205020404" pitchFamily="49" charset="0"/>
+              </a:rPr>
+              <a:t>scaled_sum</a:t>
+            </a:r>
+            <a:r>
+              <a:rPr lang="en-GB" sz="1100" dirty="0">
+                <a:latin typeface="Courier New" panose="02070309020205020404" pitchFamily="49" charset="0"/>
+                <a:cs typeface="Courier New" panose="02070309020205020404" pitchFamily="49" charset="0"/>
+              </a:rPr>
+              <a:t>(</a:t>
             </a:r>
             <a:r>
               <a:rPr lang="en-GB" sz="1100" dirty="0" err="1">
@@ -11118,12 +11824,12 @@
               <a:t>Defines </a:t>
             </a:r>
             <a:r>
-              <a:rPr lang="en-GB" sz="1400" i="1" dirty="0">
+              <a:rPr lang="en-GB" sz="1400" i="1" dirty="0" err="1">
                 <a:solidFill>
                   <a:srgbClr val="0070C0"/>
                 </a:solidFill>
               </a:rPr>
-              <a:t>sum</a:t>
+              <a:t>scaled_sum</a:t>
             </a:r>
             <a:r>
               <a:rPr lang="en-GB" sz="1400" dirty="0">
@@ -11153,8 +11859,8 @@
         </p:nvCxnSpPr>
         <p:spPr>
           <a:xfrm flipH="1">
-            <a:off x="4223792" y="1818402"/>
-            <a:ext cx="2520280" cy="908187"/>
+            <a:off x="1559496" y="1818402"/>
+            <a:ext cx="5184576" cy="908187"/>
           </a:xfrm>
           <a:prstGeom prst="straightConnector1">
             <a:avLst/>
@@ -11378,14 +12084,13 @@
           </p:cNvPr>
           <p:cNvCxnSpPr>
             <a:cxnSpLocks/>
-            <a:stCxn id="13" idx="1"/>
           </p:cNvCxnSpPr>
           <p:nvPr/>
         </p:nvCxnSpPr>
         <p:spPr>
           <a:xfrm flipH="1">
-            <a:off x="5269046" y="2612915"/>
-            <a:ext cx="1475026" cy="163924"/>
+            <a:off x="5437113" y="2570771"/>
+            <a:ext cx="1378967" cy="155818"/>
           </a:xfrm>
           <a:prstGeom prst="straightConnector1">
             <a:avLst/>
@@ -11705,511 +12410,6 @@
 </p:sld>
 </file>
 
-<file path=ppt/slides/slide19.xml><?xml version="1.0" encoding="utf-8"?>
-<p:sld xmlns:a="http://schemas.openxmlformats.org/drawingml/2006/main" xmlns:r="http://schemas.openxmlformats.org/officeDocument/2006/relationships" xmlns:p="http://schemas.openxmlformats.org/presentationml/2006/main">
-  <p:cSld>
-    <p:spTree>
-      <p:nvGrpSpPr>
-        <p:cNvPr id="1" name=""/>
-        <p:cNvGrpSpPr/>
-        <p:nvPr/>
-      </p:nvGrpSpPr>
-      <p:grpSpPr>
-        <a:xfrm>
-          <a:off x="0" y="0"/>
-          <a:ext cx="0" cy="0"/>
-          <a:chOff x="0" y="0"/>
-          <a:chExt cx="0" cy="0"/>
-        </a:xfrm>
-      </p:grpSpPr>
-      <p:sp>
-        <p:nvSpPr>
-          <p:cNvPr id="2" name="Title 1">
-            <a:extLst>
-              <a:ext uri="{FF2B5EF4-FFF2-40B4-BE49-F238E27FC236}">
-                <a16:creationId xmlns:a16="http://schemas.microsoft.com/office/drawing/2014/main" id="{E4A840A5-FBBE-BA6D-3C16-4108280FBE47}"/>
-              </a:ext>
-            </a:extLst>
-          </p:cNvPr>
-          <p:cNvSpPr>
-            <a:spLocks noGrp="1"/>
-          </p:cNvSpPr>
-          <p:nvPr>
-            <p:ph type="title"/>
-          </p:nvPr>
-        </p:nvSpPr>
-        <p:spPr/>
-        <p:txBody>
-          <a:bodyPr/>
-          <a:lstStyle/>
-          <a:p>
-            <a:r>
-              <a:rPr lang="en-GB" dirty="0"/>
-              <a:t>Fixing the </a:t>
-            </a:r>
-            <a:r>
-              <a:rPr lang="en-GB" i="1" dirty="0" err="1"/>
-              <a:t>pe_program.csl</a:t>
-            </a:r>
-            <a:r>
-              <a:rPr lang="en-GB" dirty="0"/>
-              <a:t> code</a:t>
-            </a:r>
-          </a:p>
-        </p:txBody>
-      </p:sp>
-      <p:sp>
-        <p:nvSpPr>
-          <p:cNvPr id="4" name="TextBox 3">
-            <a:extLst>
-              <a:ext uri="{FF2B5EF4-FFF2-40B4-BE49-F238E27FC236}">
-                <a16:creationId xmlns:a16="http://schemas.microsoft.com/office/drawing/2014/main" id="{87F36047-64AC-CCCC-0C87-DD58ED7E2FC6}"/>
-              </a:ext>
-            </a:extLst>
-          </p:cNvPr>
-          <p:cNvSpPr txBox="1"/>
-          <p:nvPr/>
-        </p:nvSpPr>
-        <p:spPr>
-          <a:xfrm>
-            <a:off x="4367808" y="2238835"/>
-            <a:ext cx="6278488" cy="1277273"/>
-          </a:xfrm>
-          <a:prstGeom prst="rect">
-            <a:avLst/>
-          </a:prstGeom>
-          <a:solidFill>
-            <a:srgbClr val="FFFF66">
-              <a:alpha val="30196"/>
-            </a:srgbClr>
-          </a:solidFill>
-        </p:spPr>
-        <p:txBody>
-          <a:bodyPr wrap="square" rtlCol="0">
-            <a:spAutoFit/>
-          </a:bodyPr>
-          <a:lstStyle/>
-          <a:p>
-            <a:r>
-              <a:rPr lang="en-GB" sz="1100" dirty="0" err="1">
-                <a:latin typeface="Courier New" panose="02070309020205020404" pitchFamily="49" charset="0"/>
-                <a:cs typeface="Courier New" panose="02070309020205020404" pitchFamily="49" charset="0"/>
-              </a:rPr>
-              <a:t>fn</a:t>
-            </a:r>
-            <a:r>
-              <a:rPr lang="en-GB" sz="1100" dirty="0">
-                <a:latin typeface="Courier New" panose="02070309020205020404" pitchFamily="49" charset="0"/>
-                <a:cs typeface="Courier New" panose="02070309020205020404" pitchFamily="49" charset="0"/>
-              </a:rPr>
-              <a:t> sum(</a:t>
-            </a:r>
-            <a:r>
-              <a:rPr lang="en-GB" sz="1100" dirty="0" err="1">
-                <a:latin typeface="Courier New" panose="02070309020205020404" pitchFamily="49" charset="0"/>
-                <a:cs typeface="Courier New" panose="02070309020205020404" pitchFamily="49" charset="0"/>
-              </a:rPr>
-              <a:t>x_ptr</a:t>
-            </a:r>
-            <a:r>
-              <a:rPr lang="en-GB" sz="1100" dirty="0">
-                <a:latin typeface="Courier New" panose="02070309020205020404" pitchFamily="49" charset="0"/>
-                <a:cs typeface="Courier New" panose="02070309020205020404" pitchFamily="49" charset="0"/>
-              </a:rPr>
-              <a:t> : *[N] f32, </a:t>
-            </a:r>
-            <a:r>
-              <a:rPr lang="en-GB" sz="1100" dirty="0" err="1">
-                <a:latin typeface="Courier New" panose="02070309020205020404" pitchFamily="49" charset="0"/>
-                <a:cs typeface="Courier New" panose="02070309020205020404" pitchFamily="49" charset="0"/>
-              </a:rPr>
-              <a:t>y_ptr</a:t>
-            </a:r>
-            <a:r>
-              <a:rPr lang="en-GB" sz="1100" dirty="0">
-                <a:latin typeface="Courier New" panose="02070309020205020404" pitchFamily="49" charset="0"/>
-                <a:cs typeface="Courier New" panose="02070309020205020404" pitchFamily="49" charset="0"/>
-              </a:rPr>
-              <a:t> : *[N] f32, value : f32) void</a:t>
-            </a:r>
-          </a:p>
-          <a:p>
-            <a:r>
-              <a:rPr lang="en-GB" sz="1100" dirty="0">
-                <a:latin typeface="Courier New" panose="02070309020205020404" pitchFamily="49" charset="0"/>
-                <a:cs typeface="Courier New" panose="02070309020205020404" pitchFamily="49" charset="0"/>
-              </a:rPr>
-              <a:t>{</a:t>
-            </a:r>
-          </a:p>
-          <a:p>
-            <a:r>
-              <a:rPr lang="en-GB" sz="1100" dirty="0">
-                <a:latin typeface="Courier New" panose="02070309020205020404" pitchFamily="49" charset="0"/>
-                <a:cs typeface="Courier New" panose="02070309020205020404" pitchFamily="49" charset="0"/>
-              </a:rPr>
-              <a:t>    for (@range(i16, N)) |</a:t>
-            </a:r>
-            <a:r>
-              <a:rPr lang="en-GB" sz="1100" dirty="0" err="1">
-                <a:latin typeface="Courier New" panose="02070309020205020404" pitchFamily="49" charset="0"/>
-                <a:cs typeface="Courier New" panose="02070309020205020404" pitchFamily="49" charset="0"/>
-              </a:rPr>
-              <a:t>idx</a:t>
-            </a:r>
-            <a:r>
-              <a:rPr lang="en-GB" sz="1100" dirty="0">
-                <a:latin typeface="Courier New" panose="02070309020205020404" pitchFamily="49" charset="0"/>
-                <a:cs typeface="Courier New" panose="02070309020205020404" pitchFamily="49" charset="0"/>
-              </a:rPr>
-              <a:t>| {</a:t>
-            </a:r>
-          </a:p>
-          <a:p>
-            <a:r>
-              <a:rPr lang="en-GB" sz="1100" dirty="0">
-                <a:latin typeface="Courier New" panose="02070309020205020404" pitchFamily="49" charset="0"/>
-                <a:cs typeface="Courier New" panose="02070309020205020404" pitchFamily="49" charset="0"/>
-              </a:rPr>
-              <a:t>      // TO DO: EDIT following line to multiply value to Right Hand Side</a:t>
-            </a:r>
-          </a:p>
-          <a:p>
-            <a:r>
-              <a:rPr lang="en-GB" sz="1100" dirty="0">
-                <a:latin typeface="Courier New" panose="02070309020205020404" pitchFamily="49" charset="0"/>
-                <a:cs typeface="Courier New" panose="02070309020205020404" pitchFamily="49" charset="0"/>
-              </a:rPr>
-              <a:t>      </a:t>
-            </a:r>
-            <a:r>
-              <a:rPr lang="en-GB" sz="1100" dirty="0" err="1">
-                <a:latin typeface="Courier New" panose="02070309020205020404" pitchFamily="49" charset="0"/>
-                <a:cs typeface="Courier New" panose="02070309020205020404" pitchFamily="49" charset="0"/>
-              </a:rPr>
-              <a:t>y_ptr</a:t>
-            </a:r>
-            <a:r>
-              <a:rPr lang="en-GB" sz="1100" dirty="0">
-                <a:latin typeface="Courier New" panose="02070309020205020404" pitchFamily="49" charset="0"/>
-                <a:cs typeface="Courier New" panose="02070309020205020404" pitchFamily="49" charset="0"/>
-              </a:rPr>
-              <a:t>.*[</a:t>
-            </a:r>
-            <a:r>
-              <a:rPr lang="en-GB" sz="1100" dirty="0" err="1">
-                <a:latin typeface="Courier New" panose="02070309020205020404" pitchFamily="49" charset="0"/>
-                <a:cs typeface="Courier New" panose="02070309020205020404" pitchFamily="49" charset="0"/>
-              </a:rPr>
-              <a:t>idx</a:t>
-            </a:r>
-            <a:r>
-              <a:rPr lang="en-GB" sz="1100" dirty="0">
-                <a:latin typeface="Courier New" panose="02070309020205020404" pitchFamily="49" charset="0"/>
-                <a:cs typeface="Courier New" panose="02070309020205020404" pitchFamily="49" charset="0"/>
-              </a:rPr>
-              <a:t>] += </a:t>
-            </a:r>
-            <a:r>
-              <a:rPr lang="en-GB" sz="1100" dirty="0" err="1">
-                <a:latin typeface="Courier New" panose="02070309020205020404" pitchFamily="49" charset="0"/>
-                <a:cs typeface="Courier New" panose="02070309020205020404" pitchFamily="49" charset="0"/>
-              </a:rPr>
-              <a:t>x_ptr</a:t>
-            </a:r>
-            <a:r>
-              <a:rPr lang="en-GB" sz="1100" dirty="0">
-                <a:latin typeface="Courier New" panose="02070309020205020404" pitchFamily="49" charset="0"/>
-                <a:cs typeface="Courier New" panose="02070309020205020404" pitchFamily="49" charset="0"/>
-              </a:rPr>
-              <a:t>.*[</a:t>
-            </a:r>
-            <a:r>
-              <a:rPr lang="en-GB" sz="1100" dirty="0" err="1">
-                <a:latin typeface="Courier New" panose="02070309020205020404" pitchFamily="49" charset="0"/>
-                <a:cs typeface="Courier New" panose="02070309020205020404" pitchFamily="49" charset="0"/>
-              </a:rPr>
-              <a:t>idx</a:t>
-            </a:r>
-            <a:r>
-              <a:rPr lang="en-GB" sz="1100" dirty="0">
-                <a:latin typeface="Courier New" panose="02070309020205020404" pitchFamily="49" charset="0"/>
-                <a:cs typeface="Courier New" panose="02070309020205020404" pitchFamily="49" charset="0"/>
-              </a:rPr>
-              <a:t>];</a:t>
-            </a:r>
-          </a:p>
-          <a:p>
-            <a:r>
-              <a:rPr lang="en-GB" sz="1100" dirty="0">
-                <a:latin typeface="Courier New" panose="02070309020205020404" pitchFamily="49" charset="0"/>
-                <a:cs typeface="Courier New" panose="02070309020205020404" pitchFamily="49" charset="0"/>
-              </a:rPr>
-              <a:t>  }</a:t>
-            </a:r>
-          </a:p>
-          <a:p>
-            <a:r>
-              <a:rPr lang="en-GB" sz="1100" dirty="0">
-                <a:latin typeface="Courier New" panose="02070309020205020404" pitchFamily="49" charset="0"/>
-                <a:cs typeface="Courier New" panose="02070309020205020404" pitchFamily="49" charset="0"/>
-              </a:rPr>
-              <a:t>}</a:t>
-            </a:r>
-          </a:p>
-        </p:txBody>
-      </p:sp>
-      <p:sp>
-        <p:nvSpPr>
-          <p:cNvPr id="16" name="TextBox 15">
-            <a:extLst>
-              <a:ext uri="{FF2B5EF4-FFF2-40B4-BE49-F238E27FC236}">
-                <a16:creationId xmlns:a16="http://schemas.microsoft.com/office/drawing/2014/main" id="{3A6C7216-C1A9-E5A9-08A1-365AA2A2C322}"/>
-              </a:ext>
-            </a:extLst>
-          </p:cNvPr>
-          <p:cNvSpPr txBox="1"/>
-          <p:nvPr/>
-        </p:nvSpPr>
-        <p:spPr>
-          <a:xfrm>
-            <a:off x="4030604" y="3805878"/>
-            <a:ext cx="4921200" cy="307777"/>
-          </a:xfrm>
-          <a:prstGeom prst="rect">
-            <a:avLst/>
-          </a:prstGeom>
-          <a:noFill/>
-        </p:spPr>
-        <p:txBody>
-          <a:bodyPr wrap="square" rtlCol="0">
-            <a:spAutoFit/>
-          </a:bodyPr>
-          <a:lstStyle/>
-          <a:p>
-            <a:r>
-              <a:rPr lang="en-GB" sz="1400" dirty="0">
-                <a:solidFill>
-                  <a:srgbClr val="0070C0"/>
-                </a:solidFill>
-              </a:rPr>
-              <a:t>This will look something like </a:t>
-            </a:r>
-            <a:r>
-              <a:rPr lang="en-GB" sz="1400" i="1" dirty="0">
-                <a:solidFill>
-                  <a:srgbClr val="0070C0"/>
-                </a:solidFill>
-              </a:rPr>
-              <a:t>value * </a:t>
-            </a:r>
-            <a:r>
-              <a:rPr lang="en-GB" sz="1400" i="1" dirty="0" err="1">
-                <a:solidFill>
-                  <a:srgbClr val="0070C0"/>
-                </a:solidFill>
-              </a:rPr>
-              <a:t>x_ptr</a:t>
-            </a:r>
-            <a:r>
-              <a:rPr lang="en-GB" sz="1400" i="1" dirty="0">
-                <a:solidFill>
-                  <a:srgbClr val="0070C0"/>
-                </a:solidFill>
-              </a:rPr>
-              <a:t>.*[</a:t>
-            </a:r>
-            <a:r>
-              <a:rPr lang="en-GB" sz="1400" i="1" dirty="0" err="1">
-                <a:solidFill>
-                  <a:srgbClr val="0070C0"/>
-                </a:solidFill>
-              </a:rPr>
-              <a:t>idx</a:t>
-            </a:r>
-            <a:r>
-              <a:rPr lang="en-GB" sz="1400" i="1" dirty="0">
-                <a:solidFill>
-                  <a:srgbClr val="0070C0"/>
-                </a:solidFill>
-              </a:rPr>
-              <a:t>];</a:t>
-            </a:r>
-            <a:endParaRPr lang="en-GB" sz="1400" dirty="0">
-              <a:solidFill>
-                <a:srgbClr val="0070C0"/>
-              </a:solidFill>
-            </a:endParaRPr>
-          </a:p>
-        </p:txBody>
-      </p:sp>
-      <p:cxnSp>
-        <p:nvCxnSpPr>
-          <p:cNvPr id="17" name="Straight Arrow Connector 16">
-            <a:extLst>
-              <a:ext uri="{FF2B5EF4-FFF2-40B4-BE49-F238E27FC236}">
-                <a16:creationId xmlns:a16="http://schemas.microsoft.com/office/drawing/2014/main" id="{AD72589C-A9E8-711B-FCAC-60CF7CF1BFBA}"/>
-              </a:ext>
-            </a:extLst>
-          </p:cNvPr>
-          <p:cNvCxnSpPr>
-            <a:cxnSpLocks/>
-          </p:cNvCxnSpPr>
-          <p:nvPr/>
-        </p:nvCxnSpPr>
-        <p:spPr>
-          <a:xfrm flipV="1">
-            <a:off x="6037784" y="3157270"/>
-            <a:ext cx="72008" cy="720620"/>
-          </a:xfrm>
-          <a:prstGeom prst="straightConnector1">
-            <a:avLst/>
-          </a:prstGeom>
-          <a:ln w="19050">
-            <a:solidFill>
-              <a:schemeClr val="tx1"/>
-            </a:solidFill>
-            <a:tailEnd type="triangle"/>
-          </a:ln>
-        </p:spPr>
-        <p:style>
-          <a:lnRef idx="1">
-            <a:schemeClr val="accent1"/>
-          </a:lnRef>
-          <a:fillRef idx="0">
-            <a:schemeClr val="accent1"/>
-          </a:fillRef>
-          <a:effectRef idx="0">
-            <a:schemeClr val="accent1"/>
-          </a:effectRef>
-          <a:fontRef idx="minor">
-            <a:schemeClr val="tx1"/>
-          </a:fontRef>
-        </p:style>
-      </p:cxnSp>
-      <p:sp>
-        <p:nvSpPr>
-          <p:cNvPr id="3" name="Content Placeholder 2">
-            <a:extLst>
-              <a:ext uri="{FF2B5EF4-FFF2-40B4-BE49-F238E27FC236}">
-                <a16:creationId xmlns:a16="http://schemas.microsoft.com/office/drawing/2014/main" id="{D9427B1B-AB0A-449F-2518-A1DD951F5FFB}"/>
-              </a:ext>
-            </a:extLst>
-          </p:cNvPr>
-          <p:cNvSpPr>
-            <a:spLocks noGrp="1"/>
-          </p:cNvSpPr>
-          <p:nvPr>
-            <p:ph idx="1"/>
-          </p:nvPr>
-        </p:nvSpPr>
-        <p:spPr>
-          <a:xfrm>
-            <a:off x="609600" y="1600199"/>
-            <a:ext cx="10972800" cy="1277273"/>
-          </a:xfrm>
-        </p:spPr>
-        <p:txBody>
-          <a:bodyPr>
-            <a:normAutofit/>
-          </a:bodyPr>
-          <a:lstStyle/>
-          <a:p>
-            <a:r>
-              <a:rPr lang="en-GB" dirty="0"/>
-              <a:t>For the algorithm to be correct we need to also multiply by the </a:t>
-            </a:r>
-            <a:r>
-              <a:rPr lang="en-GB" i="1" dirty="0"/>
-              <a:t>value </a:t>
-            </a:r>
-            <a:r>
-              <a:rPr lang="en-GB" dirty="0"/>
-              <a:t>scalar on the RHS</a:t>
-            </a:r>
-          </a:p>
-          <a:p>
-            <a:pPr lvl="1"/>
-            <a:r>
-              <a:rPr lang="en-GB" dirty="0"/>
-              <a:t>Then recompile and run</a:t>
-            </a:r>
-          </a:p>
-        </p:txBody>
-      </p:sp>
-      <p:sp>
-        <p:nvSpPr>
-          <p:cNvPr id="9" name="TextBox 8">
-            <a:extLst>
-              <a:ext uri="{FF2B5EF4-FFF2-40B4-BE49-F238E27FC236}">
-                <a16:creationId xmlns:a16="http://schemas.microsoft.com/office/drawing/2014/main" id="{4EBF784A-0C8F-0873-E7AD-0DE1BA7E28E8}"/>
-              </a:ext>
-            </a:extLst>
-          </p:cNvPr>
-          <p:cNvSpPr txBox="1"/>
-          <p:nvPr/>
-        </p:nvSpPr>
-        <p:spPr>
-          <a:xfrm>
-            <a:off x="551384" y="4275237"/>
-            <a:ext cx="10972800" cy="338554"/>
-          </a:xfrm>
-          <a:prstGeom prst="rect">
-            <a:avLst/>
-          </a:prstGeom>
-          <a:solidFill>
-            <a:schemeClr val="tx1"/>
-          </a:solidFill>
-        </p:spPr>
-        <p:txBody>
-          <a:bodyPr wrap="square" rtlCol="0">
-            <a:spAutoFit/>
-          </a:bodyPr>
-          <a:lstStyle/>
-          <a:p>
-            <a:r>
-              <a:rPr lang="en-GB" sz="1600" dirty="0">
-                <a:solidFill>
-                  <a:schemeClr val="bg1"/>
-                </a:solidFill>
-                <a:latin typeface="Courier New" panose="02070309020205020404" pitchFamily="49" charset="0"/>
-                <a:cs typeface="Courier New" panose="02070309020205020404" pitchFamily="49" charset="0"/>
-              </a:rPr>
-              <a:t>[vistor01@sdf-cs1 wt2-basic-syntax]$ ./</a:t>
-            </a:r>
-            <a:r>
-              <a:rPr lang="en-GB" sz="1600" dirty="0" err="1">
-                <a:solidFill>
-                  <a:schemeClr val="bg1"/>
-                </a:solidFill>
-                <a:latin typeface="Courier New" panose="02070309020205020404" pitchFamily="49" charset="0"/>
-                <a:cs typeface="Courier New" panose="02070309020205020404" pitchFamily="49" charset="0"/>
-              </a:rPr>
-              <a:t>commands.sh</a:t>
-            </a:r>
-            <a:endParaRPr lang="en-GB" sz="1600" dirty="0">
-              <a:solidFill>
-                <a:schemeClr val="bg1"/>
-              </a:solidFill>
-              <a:latin typeface="Courier New" panose="02070309020205020404" pitchFamily="49" charset="0"/>
-              <a:cs typeface="Courier New" panose="02070309020205020404" pitchFamily="49" charset="0"/>
-            </a:endParaRPr>
-          </a:p>
-        </p:txBody>
-      </p:sp>
-    </p:spTree>
-    <p:extLst>
-      <p:ext uri="{BB962C8B-B14F-4D97-AF65-F5344CB8AC3E}">
-        <p14:creationId xmlns:p14="http://schemas.microsoft.com/office/powerpoint/2010/main" val="2913533192"/>
-      </p:ext>
-    </p:extLst>
-  </p:cSld>
-  <p:clrMapOvr>
-    <a:masterClrMapping/>
-  </p:clrMapOvr>
-</p:sld>
-</file>
-
 <file path=ppt/slides/slide2.xml><?xml version="1.0" encoding="utf-8"?>
 <p:sld xmlns:a="http://schemas.openxmlformats.org/drawingml/2006/main" xmlns:r="http://schemas.openxmlformats.org/officeDocument/2006/relationships" xmlns:p="http://schemas.openxmlformats.org/presentationml/2006/main">
   <p:cSld>
@@ -12275,7 +12475,7 @@
           <a:p>
             <a:r>
               <a:rPr lang="en-US" dirty="0"/>
-              <a:t>Structs/Unions/Enums</a:t>
+              <a:t>Structs/Enums</a:t>
             </a:r>
           </a:p>
           <a:p>
@@ -12429,7 +12629,7 @@
         </p:nvSpPr>
         <p:spPr>
           <a:xfrm>
-            <a:off x="3679411" y="4038824"/>
+            <a:off x="3679411" y="3789040"/>
             <a:ext cx="756745" cy="2246769"/>
           </a:xfrm>
           <a:prstGeom prst="rightBrace">
@@ -12531,7 +12731,7 @@
         </p:nvSpPr>
         <p:spPr>
           <a:xfrm>
-            <a:off x="4436156" y="4900598"/>
+            <a:off x="4436156" y="4650814"/>
             <a:ext cx="3426868" cy="523220"/>
           </a:xfrm>
           <a:prstGeom prst="rect">
@@ -12674,6 +12874,525 @@
           <p:cNvPr id="2" name="Title 1">
             <a:extLst>
               <a:ext uri="{FF2B5EF4-FFF2-40B4-BE49-F238E27FC236}">
+                <a16:creationId xmlns:a16="http://schemas.microsoft.com/office/drawing/2014/main" id="{E4A840A5-FBBE-BA6D-3C16-4108280FBE47}"/>
+              </a:ext>
+            </a:extLst>
+          </p:cNvPr>
+          <p:cNvSpPr>
+            <a:spLocks noGrp="1"/>
+          </p:cNvSpPr>
+          <p:nvPr>
+            <p:ph type="title"/>
+          </p:nvPr>
+        </p:nvSpPr>
+        <p:spPr/>
+        <p:txBody>
+          <a:bodyPr/>
+          <a:lstStyle/>
+          <a:p>
+            <a:r>
+              <a:rPr lang="en-GB" dirty="0"/>
+              <a:t>Fixing the </a:t>
+            </a:r>
+            <a:r>
+              <a:rPr lang="en-GB" i="1" dirty="0" err="1"/>
+              <a:t>pe_program.csl</a:t>
+            </a:r>
+            <a:r>
+              <a:rPr lang="en-GB" dirty="0"/>
+              <a:t> code</a:t>
+            </a:r>
+          </a:p>
+        </p:txBody>
+      </p:sp>
+      <p:sp>
+        <p:nvSpPr>
+          <p:cNvPr id="4" name="TextBox 3">
+            <a:extLst>
+              <a:ext uri="{FF2B5EF4-FFF2-40B4-BE49-F238E27FC236}">
+                <a16:creationId xmlns:a16="http://schemas.microsoft.com/office/drawing/2014/main" id="{87F36047-64AC-CCCC-0C87-DD58ED7E2FC6}"/>
+              </a:ext>
+            </a:extLst>
+          </p:cNvPr>
+          <p:cNvSpPr txBox="1"/>
+          <p:nvPr/>
+        </p:nvSpPr>
+        <p:spPr>
+          <a:xfrm>
+            <a:off x="4367808" y="2238835"/>
+            <a:ext cx="6278488" cy="1277273"/>
+          </a:xfrm>
+          <a:prstGeom prst="rect">
+            <a:avLst/>
+          </a:prstGeom>
+          <a:solidFill>
+            <a:srgbClr val="FFFF66">
+              <a:alpha val="30196"/>
+            </a:srgbClr>
+          </a:solidFill>
+        </p:spPr>
+        <p:txBody>
+          <a:bodyPr wrap="square" rtlCol="0">
+            <a:spAutoFit/>
+          </a:bodyPr>
+          <a:lstStyle/>
+          <a:p>
+            <a:r>
+              <a:rPr lang="en-GB" sz="1100" dirty="0" err="1">
+                <a:latin typeface="Courier New" panose="02070309020205020404" pitchFamily="49" charset="0"/>
+                <a:cs typeface="Courier New" panose="02070309020205020404" pitchFamily="49" charset="0"/>
+              </a:rPr>
+              <a:t>fn</a:t>
+            </a:r>
+            <a:r>
+              <a:rPr lang="en-GB" sz="1100" dirty="0">
+                <a:latin typeface="Courier New" panose="02070309020205020404" pitchFamily="49" charset="0"/>
+                <a:cs typeface="Courier New" panose="02070309020205020404" pitchFamily="49" charset="0"/>
+              </a:rPr>
+              <a:t> </a:t>
+            </a:r>
+            <a:r>
+              <a:rPr lang="en-GB" sz="1100" dirty="0" err="1">
+                <a:latin typeface="Courier New" panose="02070309020205020404" pitchFamily="49" charset="0"/>
+                <a:cs typeface="Courier New" panose="02070309020205020404" pitchFamily="49" charset="0"/>
+              </a:rPr>
+              <a:t>scaled_sum</a:t>
+            </a:r>
+            <a:r>
+              <a:rPr lang="en-GB" sz="1100" dirty="0">
+                <a:latin typeface="Courier New" panose="02070309020205020404" pitchFamily="49" charset="0"/>
+                <a:cs typeface="Courier New" panose="02070309020205020404" pitchFamily="49" charset="0"/>
+              </a:rPr>
+              <a:t>(</a:t>
+            </a:r>
+            <a:r>
+              <a:rPr lang="en-GB" sz="1100" dirty="0" err="1">
+                <a:latin typeface="Courier New" panose="02070309020205020404" pitchFamily="49" charset="0"/>
+                <a:cs typeface="Courier New" panose="02070309020205020404" pitchFamily="49" charset="0"/>
+              </a:rPr>
+              <a:t>x_ptr</a:t>
+            </a:r>
+            <a:r>
+              <a:rPr lang="en-GB" sz="1100" dirty="0">
+                <a:latin typeface="Courier New" panose="02070309020205020404" pitchFamily="49" charset="0"/>
+                <a:cs typeface="Courier New" panose="02070309020205020404" pitchFamily="49" charset="0"/>
+              </a:rPr>
+              <a:t> : *[N] f32, </a:t>
+            </a:r>
+            <a:r>
+              <a:rPr lang="en-GB" sz="1100" dirty="0" err="1">
+                <a:latin typeface="Courier New" panose="02070309020205020404" pitchFamily="49" charset="0"/>
+                <a:cs typeface="Courier New" panose="02070309020205020404" pitchFamily="49" charset="0"/>
+              </a:rPr>
+              <a:t>y_ptr</a:t>
+            </a:r>
+            <a:r>
+              <a:rPr lang="en-GB" sz="1100" dirty="0">
+                <a:latin typeface="Courier New" panose="02070309020205020404" pitchFamily="49" charset="0"/>
+                <a:cs typeface="Courier New" panose="02070309020205020404" pitchFamily="49" charset="0"/>
+              </a:rPr>
+              <a:t> : *[N] f32, value : f32) void</a:t>
+            </a:r>
+          </a:p>
+          <a:p>
+            <a:r>
+              <a:rPr lang="en-GB" sz="1100" dirty="0">
+                <a:latin typeface="Courier New" panose="02070309020205020404" pitchFamily="49" charset="0"/>
+                <a:cs typeface="Courier New" panose="02070309020205020404" pitchFamily="49" charset="0"/>
+              </a:rPr>
+              <a:t>{</a:t>
+            </a:r>
+          </a:p>
+          <a:p>
+            <a:r>
+              <a:rPr lang="en-GB" sz="1100" dirty="0">
+                <a:latin typeface="Courier New" panose="02070309020205020404" pitchFamily="49" charset="0"/>
+                <a:cs typeface="Courier New" panose="02070309020205020404" pitchFamily="49" charset="0"/>
+              </a:rPr>
+              <a:t>    for (@range(i16, N)) |</a:t>
+            </a:r>
+            <a:r>
+              <a:rPr lang="en-GB" sz="1100" dirty="0" err="1">
+                <a:latin typeface="Courier New" panose="02070309020205020404" pitchFamily="49" charset="0"/>
+                <a:cs typeface="Courier New" panose="02070309020205020404" pitchFamily="49" charset="0"/>
+              </a:rPr>
+              <a:t>idx</a:t>
+            </a:r>
+            <a:r>
+              <a:rPr lang="en-GB" sz="1100" dirty="0">
+                <a:latin typeface="Courier New" panose="02070309020205020404" pitchFamily="49" charset="0"/>
+                <a:cs typeface="Courier New" panose="02070309020205020404" pitchFamily="49" charset="0"/>
+              </a:rPr>
+              <a:t>| {</a:t>
+            </a:r>
+          </a:p>
+          <a:p>
+            <a:r>
+              <a:rPr lang="en-GB" sz="1100" dirty="0">
+                <a:latin typeface="Courier New" panose="02070309020205020404" pitchFamily="49" charset="0"/>
+                <a:cs typeface="Courier New" panose="02070309020205020404" pitchFamily="49" charset="0"/>
+              </a:rPr>
+              <a:t>      // TO DO: EDIT following line to multiply value to Right Hand Side</a:t>
+            </a:r>
+          </a:p>
+          <a:p>
+            <a:r>
+              <a:rPr lang="en-GB" sz="1100" dirty="0">
+                <a:latin typeface="Courier New" panose="02070309020205020404" pitchFamily="49" charset="0"/>
+                <a:cs typeface="Courier New" panose="02070309020205020404" pitchFamily="49" charset="0"/>
+              </a:rPr>
+              <a:t>      </a:t>
+            </a:r>
+            <a:r>
+              <a:rPr lang="en-GB" sz="1100" dirty="0" err="1">
+                <a:latin typeface="Courier New" panose="02070309020205020404" pitchFamily="49" charset="0"/>
+                <a:cs typeface="Courier New" panose="02070309020205020404" pitchFamily="49" charset="0"/>
+              </a:rPr>
+              <a:t>y_ptr</a:t>
+            </a:r>
+            <a:r>
+              <a:rPr lang="en-GB" sz="1100" dirty="0">
+                <a:latin typeface="Courier New" panose="02070309020205020404" pitchFamily="49" charset="0"/>
+                <a:cs typeface="Courier New" panose="02070309020205020404" pitchFamily="49" charset="0"/>
+              </a:rPr>
+              <a:t>.*[</a:t>
+            </a:r>
+            <a:r>
+              <a:rPr lang="en-GB" sz="1100" dirty="0" err="1">
+                <a:latin typeface="Courier New" panose="02070309020205020404" pitchFamily="49" charset="0"/>
+                <a:cs typeface="Courier New" panose="02070309020205020404" pitchFamily="49" charset="0"/>
+              </a:rPr>
+              <a:t>idx</a:t>
+            </a:r>
+            <a:r>
+              <a:rPr lang="en-GB" sz="1100" dirty="0">
+                <a:latin typeface="Courier New" panose="02070309020205020404" pitchFamily="49" charset="0"/>
+                <a:cs typeface="Courier New" panose="02070309020205020404" pitchFamily="49" charset="0"/>
+              </a:rPr>
+              <a:t>] += </a:t>
+            </a:r>
+            <a:r>
+              <a:rPr lang="en-GB" sz="1100" dirty="0" err="1">
+                <a:latin typeface="Courier New" panose="02070309020205020404" pitchFamily="49" charset="0"/>
+                <a:cs typeface="Courier New" panose="02070309020205020404" pitchFamily="49" charset="0"/>
+              </a:rPr>
+              <a:t>x_ptr</a:t>
+            </a:r>
+            <a:r>
+              <a:rPr lang="en-GB" sz="1100" dirty="0">
+                <a:latin typeface="Courier New" panose="02070309020205020404" pitchFamily="49" charset="0"/>
+                <a:cs typeface="Courier New" panose="02070309020205020404" pitchFamily="49" charset="0"/>
+              </a:rPr>
+              <a:t>.*[</a:t>
+            </a:r>
+            <a:r>
+              <a:rPr lang="en-GB" sz="1100" dirty="0" err="1">
+                <a:latin typeface="Courier New" panose="02070309020205020404" pitchFamily="49" charset="0"/>
+                <a:cs typeface="Courier New" panose="02070309020205020404" pitchFamily="49" charset="0"/>
+              </a:rPr>
+              <a:t>idx</a:t>
+            </a:r>
+            <a:r>
+              <a:rPr lang="en-GB" sz="1100" dirty="0">
+                <a:latin typeface="Courier New" panose="02070309020205020404" pitchFamily="49" charset="0"/>
+                <a:cs typeface="Courier New" panose="02070309020205020404" pitchFamily="49" charset="0"/>
+              </a:rPr>
+              <a:t>];</a:t>
+            </a:r>
+          </a:p>
+          <a:p>
+            <a:r>
+              <a:rPr lang="en-GB" sz="1100" dirty="0">
+                <a:latin typeface="Courier New" panose="02070309020205020404" pitchFamily="49" charset="0"/>
+                <a:cs typeface="Courier New" panose="02070309020205020404" pitchFamily="49" charset="0"/>
+              </a:rPr>
+              <a:t>  }</a:t>
+            </a:r>
+          </a:p>
+          <a:p>
+            <a:r>
+              <a:rPr lang="en-GB" sz="1100" dirty="0">
+                <a:latin typeface="Courier New" panose="02070309020205020404" pitchFamily="49" charset="0"/>
+                <a:cs typeface="Courier New" panose="02070309020205020404" pitchFamily="49" charset="0"/>
+              </a:rPr>
+              <a:t>}</a:t>
+            </a:r>
+          </a:p>
+        </p:txBody>
+      </p:sp>
+      <p:sp>
+        <p:nvSpPr>
+          <p:cNvPr id="16" name="TextBox 15">
+            <a:extLst>
+              <a:ext uri="{FF2B5EF4-FFF2-40B4-BE49-F238E27FC236}">
+                <a16:creationId xmlns:a16="http://schemas.microsoft.com/office/drawing/2014/main" id="{3A6C7216-C1A9-E5A9-08A1-365AA2A2C322}"/>
+              </a:ext>
+            </a:extLst>
+          </p:cNvPr>
+          <p:cNvSpPr txBox="1"/>
+          <p:nvPr/>
+        </p:nvSpPr>
+        <p:spPr>
+          <a:xfrm>
+            <a:off x="4030604" y="3805878"/>
+            <a:ext cx="4921200" cy="307777"/>
+          </a:xfrm>
+          <a:prstGeom prst="rect">
+            <a:avLst/>
+          </a:prstGeom>
+          <a:noFill/>
+        </p:spPr>
+        <p:txBody>
+          <a:bodyPr wrap="square" rtlCol="0">
+            <a:spAutoFit/>
+          </a:bodyPr>
+          <a:lstStyle/>
+          <a:p>
+            <a:r>
+              <a:rPr lang="en-GB" sz="1400" dirty="0">
+                <a:solidFill>
+                  <a:srgbClr val="0070C0"/>
+                </a:solidFill>
+              </a:rPr>
+              <a:t>This will look something like </a:t>
+            </a:r>
+            <a:r>
+              <a:rPr lang="en-GB" sz="1400" i="1" dirty="0">
+                <a:solidFill>
+                  <a:srgbClr val="0070C0"/>
+                </a:solidFill>
+              </a:rPr>
+              <a:t>value * </a:t>
+            </a:r>
+            <a:r>
+              <a:rPr lang="en-GB" sz="1400" i="1" dirty="0" err="1">
+                <a:solidFill>
+                  <a:srgbClr val="0070C0"/>
+                </a:solidFill>
+              </a:rPr>
+              <a:t>x_ptr</a:t>
+            </a:r>
+            <a:r>
+              <a:rPr lang="en-GB" sz="1400" i="1" dirty="0">
+                <a:solidFill>
+                  <a:srgbClr val="0070C0"/>
+                </a:solidFill>
+              </a:rPr>
+              <a:t>.*[</a:t>
+            </a:r>
+            <a:r>
+              <a:rPr lang="en-GB" sz="1400" i="1" dirty="0" err="1">
+                <a:solidFill>
+                  <a:srgbClr val="0070C0"/>
+                </a:solidFill>
+              </a:rPr>
+              <a:t>idx</a:t>
+            </a:r>
+            <a:r>
+              <a:rPr lang="en-GB" sz="1400" i="1" dirty="0">
+                <a:solidFill>
+                  <a:srgbClr val="0070C0"/>
+                </a:solidFill>
+              </a:rPr>
+              <a:t>];</a:t>
+            </a:r>
+            <a:endParaRPr lang="en-GB" sz="1400" dirty="0">
+              <a:solidFill>
+                <a:srgbClr val="0070C0"/>
+              </a:solidFill>
+            </a:endParaRPr>
+          </a:p>
+        </p:txBody>
+      </p:sp>
+      <p:cxnSp>
+        <p:nvCxnSpPr>
+          <p:cNvPr id="17" name="Straight Arrow Connector 16">
+            <a:extLst>
+              <a:ext uri="{FF2B5EF4-FFF2-40B4-BE49-F238E27FC236}">
+                <a16:creationId xmlns:a16="http://schemas.microsoft.com/office/drawing/2014/main" id="{AD72589C-A9E8-711B-FCAC-60CF7CF1BFBA}"/>
+              </a:ext>
+            </a:extLst>
+          </p:cNvPr>
+          <p:cNvCxnSpPr>
+            <a:cxnSpLocks/>
+          </p:cNvCxnSpPr>
+          <p:nvPr/>
+        </p:nvCxnSpPr>
+        <p:spPr>
+          <a:xfrm flipV="1">
+            <a:off x="6037784" y="3157270"/>
+            <a:ext cx="72008" cy="720620"/>
+          </a:xfrm>
+          <a:prstGeom prst="straightConnector1">
+            <a:avLst/>
+          </a:prstGeom>
+          <a:ln w="19050">
+            <a:solidFill>
+              <a:schemeClr val="tx1"/>
+            </a:solidFill>
+            <a:tailEnd type="triangle"/>
+          </a:ln>
+        </p:spPr>
+        <p:style>
+          <a:lnRef idx="1">
+            <a:schemeClr val="accent1"/>
+          </a:lnRef>
+          <a:fillRef idx="0">
+            <a:schemeClr val="accent1"/>
+          </a:fillRef>
+          <a:effectRef idx="0">
+            <a:schemeClr val="accent1"/>
+          </a:effectRef>
+          <a:fontRef idx="minor">
+            <a:schemeClr val="tx1"/>
+          </a:fontRef>
+        </p:style>
+      </p:cxnSp>
+      <p:sp>
+        <p:nvSpPr>
+          <p:cNvPr id="3" name="Content Placeholder 2">
+            <a:extLst>
+              <a:ext uri="{FF2B5EF4-FFF2-40B4-BE49-F238E27FC236}">
+                <a16:creationId xmlns:a16="http://schemas.microsoft.com/office/drawing/2014/main" id="{D9427B1B-AB0A-449F-2518-A1DD951F5FFB}"/>
+              </a:ext>
+            </a:extLst>
+          </p:cNvPr>
+          <p:cNvSpPr>
+            <a:spLocks noGrp="1"/>
+          </p:cNvSpPr>
+          <p:nvPr>
+            <p:ph idx="1"/>
+          </p:nvPr>
+        </p:nvSpPr>
+        <p:spPr>
+          <a:xfrm>
+            <a:off x="609600" y="1600199"/>
+            <a:ext cx="10972800" cy="1277273"/>
+          </a:xfrm>
+        </p:spPr>
+        <p:txBody>
+          <a:bodyPr>
+            <a:normAutofit/>
+          </a:bodyPr>
+          <a:lstStyle/>
+          <a:p>
+            <a:r>
+              <a:rPr lang="en-GB" dirty="0"/>
+              <a:t>For the algorithm to be correct we need to also multiply by the </a:t>
+            </a:r>
+            <a:r>
+              <a:rPr lang="en-GB" i="1" dirty="0"/>
+              <a:t>value </a:t>
+            </a:r>
+            <a:r>
+              <a:rPr lang="en-GB" dirty="0"/>
+              <a:t>scalar on the RHS</a:t>
+            </a:r>
+          </a:p>
+          <a:p>
+            <a:pPr lvl="1"/>
+            <a:r>
+              <a:rPr lang="en-GB" dirty="0"/>
+              <a:t>Then recompile and run</a:t>
+            </a:r>
+          </a:p>
+        </p:txBody>
+      </p:sp>
+      <p:sp>
+        <p:nvSpPr>
+          <p:cNvPr id="9" name="TextBox 8">
+            <a:extLst>
+              <a:ext uri="{FF2B5EF4-FFF2-40B4-BE49-F238E27FC236}">
+                <a16:creationId xmlns:a16="http://schemas.microsoft.com/office/drawing/2014/main" id="{4EBF784A-0C8F-0873-E7AD-0DE1BA7E28E8}"/>
+              </a:ext>
+            </a:extLst>
+          </p:cNvPr>
+          <p:cNvSpPr txBox="1"/>
+          <p:nvPr/>
+        </p:nvSpPr>
+        <p:spPr>
+          <a:xfrm>
+            <a:off x="551384" y="4275237"/>
+            <a:ext cx="10972800" cy="338554"/>
+          </a:xfrm>
+          <a:prstGeom prst="rect">
+            <a:avLst/>
+          </a:prstGeom>
+          <a:solidFill>
+            <a:schemeClr val="tx1"/>
+          </a:solidFill>
+        </p:spPr>
+        <p:txBody>
+          <a:bodyPr wrap="square" rtlCol="0">
+            <a:spAutoFit/>
+          </a:bodyPr>
+          <a:lstStyle/>
+          <a:p>
+            <a:r>
+              <a:rPr lang="en-GB" sz="1600" dirty="0">
+                <a:solidFill>
+                  <a:schemeClr val="bg1"/>
+                </a:solidFill>
+                <a:latin typeface="Courier New" panose="02070309020205020404" pitchFamily="49" charset="0"/>
+                <a:cs typeface="Courier New" panose="02070309020205020404" pitchFamily="49" charset="0"/>
+              </a:rPr>
+              <a:t>[vistor01@sdf-cs1 wt2-basic-syntax]$ ./</a:t>
+            </a:r>
+            <a:r>
+              <a:rPr lang="en-GB" sz="1600" dirty="0" err="1">
+                <a:solidFill>
+                  <a:schemeClr val="bg1"/>
+                </a:solidFill>
+                <a:latin typeface="Courier New" panose="02070309020205020404" pitchFamily="49" charset="0"/>
+                <a:cs typeface="Courier New" panose="02070309020205020404" pitchFamily="49" charset="0"/>
+              </a:rPr>
+              <a:t>commands.sh</a:t>
+            </a:r>
+            <a:endParaRPr lang="en-GB" sz="1600" dirty="0">
+              <a:solidFill>
+                <a:schemeClr val="bg1"/>
+              </a:solidFill>
+              <a:latin typeface="Courier New" panose="02070309020205020404" pitchFamily="49" charset="0"/>
+              <a:cs typeface="Courier New" panose="02070309020205020404" pitchFamily="49" charset="0"/>
+            </a:endParaRPr>
+          </a:p>
+        </p:txBody>
+      </p:sp>
+    </p:spTree>
+    <p:extLst>
+      <p:ext uri="{BB962C8B-B14F-4D97-AF65-F5344CB8AC3E}">
+        <p14:creationId xmlns:p14="http://schemas.microsoft.com/office/powerpoint/2010/main" val="2913533192"/>
+      </p:ext>
+    </p:extLst>
+  </p:cSld>
+  <p:clrMapOvr>
+    <a:masterClrMapping/>
+  </p:clrMapOvr>
+</p:sld>
+</file>
+
+<file path=ppt/slides/slide21.xml><?xml version="1.0" encoding="utf-8"?>
+<p:sld xmlns:a="http://schemas.openxmlformats.org/drawingml/2006/main" xmlns:r="http://schemas.openxmlformats.org/officeDocument/2006/relationships" xmlns:p="http://schemas.openxmlformats.org/presentationml/2006/main">
+  <p:cSld>
+    <p:spTree>
+      <p:nvGrpSpPr>
+        <p:cNvPr id="1" name=""/>
+        <p:cNvGrpSpPr/>
+        <p:nvPr/>
+      </p:nvGrpSpPr>
+      <p:grpSpPr>
+        <a:xfrm>
+          <a:off x="0" y="0"/>
+          <a:ext cx="0" cy="0"/>
+          <a:chOff x="0" y="0"/>
+          <a:chExt cx="0" cy="0"/>
+        </a:xfrm>
+      </p:grpSpPr>
+      <p:sp>
+        <p:nvSpPr>
+          <p:cNvPr id="2" name="Title 1">
+            <a:extLst>
+              <a:ext uri="{FF2B5EF4-FFF2-40B4-BE49-F238E27FC236}">
                 <a16:creationId xmlns:a16="http://schemas.microsoft.com/office/drawing/2014/main" id="{D9198515-A671-4573-873E-39B7406C28F3}"/>
               </a:ext>
             </a:extLst>
@@ -13256,7 +13975,7 @@
 </p:sld>
 </file>
 
-<file path=ppt/slides/slide21.xml><?xml version="1.0" encoding="utf-8"?>
+<file path=ppt/slides/slide22.xml><?xml version="1.0" encoding="utf-8"?>
 <p:sld xmlns:a="http://schemas.openxmlformats.org/drawingml/2006/main" xmlns:r="http://schemas.openxmlformats.org/officeDocument/2006/relationships" xmlns:p="http://schemas.openxmlformats.org/presentationml/2006/main">
   <p:cSld>
     <p:spTree>
@@ -13338,7 +14057,7 @@
         </p:spPr>
         <p:txBody>
           <a:bodyPr>
-            <a:normAutofit/>
+            <a:normAutofit fontScale="92500" lnSpcReduction="20000"/>
           </a:bodyPr>
           <a:lstStyle/>
           <a:p>
@@ -13383,7 +14102,32 @@
             <a:pPr lvl="1"/>
             <a:r>
               <a:rPr lang="en-GB" dirty="0"/>
-              <a:t>Again very similar to the previous code, with two new lines added here</a:t>
+              <a:t>Again very similar to the previous code, with two new lines added here </a:t>
+            </a:r>
+          </a:p>
+          <a:p>
+            <a:pPr marL="274320" lvl="1" indent="0">
+              <a:buNone/>
+            </a:pPr>
+            <a:r>
+              <a:rPr lang="en-GB" dirty="0"/>
+              <a:t>   (plus definitions of </a:t>
+            </a:r>
+            <a:r>
+              <a:rPr lang="en-GB" dirty="0" err="1"/>
+              <a:t>x_ptr</a:t>
+            </a:r>
+            <a:r>
+              <a:rPr lang="en-GB"/>
+              <a:t> and </a:t>
+            </a:r>
+            <a:r>
+              <a:rPr lang="en-GB" dirty="0" err="1"/>
+              <a:t>y_ptr</a:t>
+            </a:r>
+            <a:r>
+              <a:rPr lang="en-GB" dirty="0"/>
+              <a:t>)</a:t>
             </a:r>
           </a:p>
         </p:txBody>
@@ -13777,7 +14521,7 @@
 </p:sld>
 </file>
 
-<file path=ppt/slides/slide22.xml><?xml version="1.0" encoding="utf-8"?>
+<file path=ppt/slides/slide23.xml><?xml version="1.0" encoding="utf-8"?>
 <p:sld xmlns:a="http://schemas.openxmlformats.org/drawingml/2006/main" xmlns:r="http://schemas.openxmlformats.org/officeDocument/2006/relationships" xmlns:p="http://schemas.openxmlformats.org/presentationml/2006/main">
   <p:cSld>
     <p:spTree>
@@ -15160,7 +15904,7 @@
 </p:sld>
 </file>
 
-<file path=ppt/slides/slide23.xml><?xml version="1.0" encoding="utf-8"?>
+<file path=ppt/slides/slide24.xml><?xml version="1.0" encoding="utf-8"?>
 <p:sld xmlns:a="http://schemas.openxmlformats.org/drawingml/2006/main" xmlns:r="http://schemas.openxmlformats.org/officeDocument/2006/relationships" xmlns:p="http://schemas.openxmlformats.org/presentationml/2006/main">
   <p:cSld>
     <p:spTree>
@@ -15972,7 +16716,218 @@
 </p:sld>
 </file>
 
-<file path=ppt/slides/slide24.xml><?xml version="1.0" encoding="utf-8"?>
+<file path=ppt/slides/slide25.xml><?xml version="1.0" encoding="utf-8"?>
+<p:sld xmlns:a="http://schemas.openxmlformats.org/drawingml/2006/main" xmlns:r="http://schemas.openxmlformats.org/officeDocument/2006/relationships" xmlns:p="http://schemas.openxmlformats.org/presentationml/2006/main">
+  <p:cSld>
+    <p:spTree>
+      <p:nvGrpSpPr>
+        <p:cNvPr id="1" name=""/>
+        <p:cNvGrpSpPr/>
+        <p:nvPr/>
+      </p:nvGrpSpPr>
+      <p:grpSpPr>
+        <a:xfrm>
+          <a:off x="0" y="0"/>
+          <a:ext cx="0" cy="0"/>
+          <a:chOff x="0" y="0"/>
+          <a:chExt cx="0" cy="0"/>
+        </a:xfrm>
+      </p:grpSpPr>
+      <p:sp>
+        <p:nvSpPr>
+          <p:cNvPr id="2" name="Title 1">
+            <a:extLst>
+              <a:ext uri="{FF2B5EF4-FFF2-40B4-BE49-F238E27FC236}">
+                <a16:creationId xmlns:a16="http://schemas.microsoft.com/office/drawing/2014/main" id="{6CF024EB-74BA-D993-241D-36C444CA52D2}"/>
+              </a:ext>
+            </a:extLst>
+          </p:cNvPr>
+          <p:cNvSpPr>
+            <a:spLocks noGrp="1"/>
+          </p:cNvSpPr>
+          <p:nvPr>
+            <p:ph type="title"/>
+          </p:nvPr>
+        </p:nvSpPr>
+        <p:spPr/>
+        <p:txBody>
+          <a:bodyPr/>
+          <a:lstStyle/>
+          <a:p>
+            <a:r>
+              <a:rPr lang="en-GB" dirty="0"/>
+              <a:t>How to run on the actual CS-2 hardware</a:t>
+            </a:r>
+          </a:p>
+        </p:txBody>
+      </p:sp>
+      <p:sp>
+        <p:nvSpPr>
+          <p:cNvPr id="3" name="Content Placeholder 2">
+            <a:extLst>
+              <a:ext uri="{FF2B5EF4-FFF2-40B4-BE49-F238E27FC236}">
+                <a16:creationId xmlns:a16="http://schemas.microsoft.com/office/drawing/2014/main" id="{6AC7BEC0-5ED0-204A-F168-BFFB8D2BA1BA}"/>
+              </a:ext>
+            </a:extLst>
+          </p:cNvPr>
+          <p:cNvSpPr>
+            <a:spLocks noGrp="1"/>
+          </p:cNvSpPr>
+          <p:nvPr>
+            <p:ph idx="1"/>
+          </p:nvPr>
+        </p:nvSpPr>
+        <p:spPr/>
+        <p:txBody>
+          <a:bodyPr/>
+          <a:lstStyle/>
+          <a:p>
+            <a:r>
+              <a:rPr lang="en-GB" dirty="0"/>
+              <a:t>We have provided </a:t>
+            </a:r>
+            <a:r>
+              <a:rPr lang="en-GB" i="1" dirty="0">
+                <a:solidFill>
+                  <a:srgbClr val="0070C0"/>
+                </a:solidFill>
+              </a:rPr>
+              <a:t>wafer-version-wt3-memcpy </a:t>
+            </a:r>
+            <a:r>
+              <a:rPr lang="en-GB" dirty="0"/>
+              <a:t>in the repository</a:t>
+            </a:r>
+          </a:p>
+          <a:p>
+            <a:endParaRPr lang="en-GB" dirty="0"/>
+          </a:p>
+          <a:p>
+            <a:r>
+              <a:rPr lang="en-GB" dirty="0"/>
+              <a:t>This is a version of </a:t>
+            </a:r>
+            <a:r>
+              <a:rPr lang="en-GB" i="1" dirty="0"/>
+              <a:t>wt3-memcpy</a:t>
+            </a:r>
+            <a:r>
+              <a:rPr lang="en-GB" dirty="0"/>
+              <a:t>, but runs on the CS-2 instead of via the simulator</a:t>
+            </a:r>
+          </a:p>
+          <a:p>
+            <a:endParaRPr lang="en-GB" dirty="0"/>
+          </a:p>
+          <a:p>
+            <a:r>
+              <a:rPr lang="en-GB" dirty="0"/>
+              <a:t>We have included an example </a:t>
+            </a:r>
+            <a:r>
+              <a:rPr lang="en-GB" dirty="0" err="1"/>
+              <a:t>Slurm</a:t>
+            </a:r>
+            <a:r>
+              <a:rPr lang="en-GB" dirty="0"/>
+              <a:t> script, and the required modifications to the run.py file</a:t>
+            </a:r>
+          </a:p>
+          <a:p>
+            <a:pPr lvl="1"/>
+            <a:r>
+              <a:rPr lang="en-GB" dirty="0"/>
+              <a:t>Executed via </a:t>
+            </a:r>
+            <a:r>
+              <a:rPr lang="en-GB" i="1" dirty="0"/>
+              <a:t>submit sbatch.sh</a:t>
+            </a:r>
+          </a:p>
+          <a:p>
+            <a:pPr lvl="1"/>
+            <a:r>
+              <a:rPr lang="en-GB" dirty="0"/>
+              <a:t>This submission script will first compile, and then run on the CS-2</a:t>
+            </a:r>
+          </a:p>
+          <a:p>
+            <a:r>
+              <a:rPr lang="en-GB" dirty="0"/>
+              <a:t>Still need to set up your virtual environment as per </a:t>
+            </a:r>
+            <a:r>
+              <a:rPr lang="en-GB" dirty="0">
+                <a:hlinkClick r:id="rId2"/>
+              </a:rPr>
+              <a:t>https://epcced.github.io/eidf-docs/services/cs2/run/</a:t>
+            </a:r>
+            <a:r>
+              <a:rPr lang="en-GB" dirty="0"/>
+              <a:t> </a:t>
+            </a:r>
+          </a:p>
+        </p:txBody>
+      </p:sp>
+      <p:sp>
+        <p:nvSpPr>
+          <p:cNvPr id="4" name="TextBox 3">
+            <a:extLst>
+              <a:ext uri="{FF2B5EF4-FFF2-40B4-BE49-F238E27FC236}">
+                <a16:creationId xmlns:a16="http://schemas.microsoft.com/office/drawing/2014/main" id="{8437F67D-45C5-6868-7174-19E339CD3F4A}"/>
+              </a:ext>
+            </a:extLst>
+          </p:cNvPr>
+          <p:cNvSpPr txBox="1"/>
+          <p:nvPr/>
+        </p:nvSpPr>
+        <p:spPr>
+          <a:xfrm>
+            <a:off x="695400" y="6093296"/>
+            <a:ext cx="10657184" cy="400110"/>
+          </a:xfrm>
+          <a:prstGeom prst="rect">
+            <a:avLst/>
+          </a:prstGeom>
+          <a:noFill/>
+        </p:spPr>
+        <p:txBody>
+          <a:bodyPr wrap="square" rtlCol="0">
+            <a:spAutoFit/>
+          </a:bodyPr>
+          <a:lstStyle/>
+          <a:p>
+            <a:pPr algn="ctr"/>
+            <a:r>
+              <a:rPr lang="en-GB" sz="2000" dirty="0">
+                <a:solidFill>
+                  <a:srgbClr val="00B050"/>
+                </a:solidFill>
+              </a:rPr>
+              <a:t>Later on in the hands-on, if you want to run on the actual CS-2 you can use this</a:t>
+            </a:r>
+            <a:endParaRPr lang="en-GB" dirty="0">
+              <a:solidFill>
+                <a:srgbClr val="00B050"/>
+              </a:solidFill>
+            </a:endParaRPr>
+          </a:p>
+        </p:txBody>
+      </p:sp>
+    </p:spTree>
+    <p:extLst>
+      <p:ext uri="{BB962C8B-B14F-4D97-AF65-F5344CB8AC3E}">
+        <p14:creationId xmlns:p14="http://schemas.microsoft.com/office/powerpoint/2010/main" val="585363489"/>
+      </p:ext>
+    </p:extLst>
+  </p:cSld>
+  <p:clrMapOvr>
+    <a:masterClrMapping/>
+  </p:clrMapOvr>
+</p:sld>
+</file>
+
+<file path=ppt/slides/slide26.xml><?xml version="1.0" encoding="utf-8"?>
 <p:sld xmlns:a="http://schemas.openxmlformats.org/drawingml/2006/main" xmlns:r="http://schemas.openxmlformats.org/officeDocument/2006/relationships" xmlns:p="http://schemas.openxmlformats.org/presentationml/2006/main">
   <p:cSld>
     <p:spTree>
@@ -16837,7 +17792,7 @@
 </p:sld>
 </file>
 
-<file path=ppt/slides/slide25.xml><?xml version="1.0" encoding="utf-8"?>
+<file path=ppt/slides/slide27.xml><?xml version="1.0" encoding="utf-8"?>
 <p:sld xmlns:a="http://schemas.openxmlformats.org/drawingml/2006/main" xmlns:r="http://schemas.openxmlformats.org/officeDocument/2006/relationships" xmlns:p="http://schemas.openxmlformats.org/presentationml/2006/main">
   <p:cSld>
     <p:spTree>
@@ -16896,7 +17851,7 @@
         </p:nvSpPr>
         <p:spPr>
           <a:xfrm>
-            <a:off x="565786" y="2066215"/>
+            <a:off x="551384" y="1660636"/>
             <a:ext cx="7358608" cy="1107996"/>
           </a:xfrm>
           <a:prstGeom prst="rect">
@@ -17127,7 +18082,7 @@
         </p:nvSpPr>
         <p:spPr>
           <a:xfrm>
-            <a:off x="6672064" y="2789994"/>
+            <a:off x="6657662" y="2384415"/>
             <a:ext cx="288032" cy="349377"/>
           </a:xfrm>
           <a:prstGeom prst="rightBrace">
@@ -17176,8 +18131,8 @@
         </p:nvSpPr>
         <p:spPr>
           <a:xfrm>
-            <a:off x="9408368" y="2430193"/>
-            <a:ext cx="3528392" cy="307777"/>
+            <a:off x="9480376" y="1954978"/>
+            <a:ext cx="2664296" cy="307777"/>
           </a:xfrm>
           <a:prstGeom prst="rect">
             <a:avLst/>
@@ -17246,7 +18201,7 @@
         </p:nvCxnSpPr>
         <p:spPr>
           <a:xfrm flipH="1">
-            <a:off x="6969663" y="2708185"/>
+            <a:off x="6955261" y="2302606"/>
             <a:ext cx="2736304" cy="272287"/>
           </a:xfrm>
           <a:prstGeom prst="straightConnector1">
@@ -17292,7 +18247,7 @@
         </p:nvSpPr>
         <p:spPr>
           <a:xfrm>
-            <a:off x="479376" y="3429000"/>
+            <a:off x="479376" y="3140785"/>
             <a:ext cx="10972800" cy="2908921"/>
           </a:xfrm>
         </p:spPr>
@@ -17380,6 +18335,14 @@
           </a:p>
           <a:p>
             <a:pPr lvl="1"/>
+            <a:endParaRPr lang="es-ES" i="1" dirty="0"/>
+          </a:p>
+          <a:p>
+            <a:pPr lvl="1"/>
+            <a:endParaRPr lang="es-ES" i="1" dirty="0"/>
+          </a:p>
+          <a:p>
+            <a:pPr lvl="1"/>
             <a:r>
               <a:rPr lang="es-ES" dirty="0"/>
               <a:t>cd </a:t>
@@ -17425,8 +18388,12 @@
               <a:t> </a:t>
             </a:r>
             <a:r>
+              <a:rPr lang="es-ES" i="1" dirty="0" err="1"/>
+              <a:t>scaled_sum</a:t>
+            </a:r>
+            <a:r>
               <a:rPr lang="es-ES" i="1" dirty="0"/>
-              <a:t>sum </a:t>
+              <a:t> </a:t>
             </a:r>
             <a:r>
               <a:rPr lang="es-ES" dirty="0" err="1"/>
@@ -17533,6 +18500,49 @@
               <a:t>!</a:t>
             </a:r>
             <a:endParaRPr lang="en-GB" dirty="0"/>
+          </a:p>
+        </p:txBody>
+      </p:sp>
+      <p:sp>
+        <p:nvSpPr>
+          <p:cNvPr id="3" name="TextBox 2">
+            <a:extLst>
+              <a:ext uri="{FF2B5EF4-FFF2-40B4-BE49-F238E27FC236}">
+                <a16:creationId xmlns:a16="http://schemas.microsoft.com/office/drawing/2014/main" id="{3CFA7BEB-AFEC-9D31-4710-7C6B5101EAE5}"/>
+              </a:ext>
+            </a:extLst>
+          </p:cNvPr>
+          <p:cNvSpPr txBox="1"/>
+          <p:nvPr/>
+        </p:nvSpPr>
+        <p:spPr>
+          <a:xfrm>
+            <a:off x="620655" y="4149080"/>
+            <a:ext cx="10972800" cy="338554"/>
+          </a:xfrm>
+          <a:prstGeom prst="rect">
+            <a:avLst/>
+          </a:prstGeom>
+          <a:solidFill>
+            <a:schemeClr val="tx1"/>
+          </a:solidFill>
+        </p:spPr>
+        <p:txBody>
+          <a:bodyPr wrap="square" rtlCol="0">
+            <a:spAutoFit/>
+          </a:bodyPr>
+          <a:lstStyle/>
+          <a:p>
+            <a:r>
+              <a:rPr lang="en-GB" sz="1600" dirty="0">
+                <a:solidFill>
+                  <a:schemeClr val="bg1"/>
+                </a:solidFill>
+                <a:latin typeface="Courier New" panose="02070309020205020404" pitchFamily="49" charset="0"/>
+                <a:cs typeface="Courier New" panose="02070309020205020404" pitchFamily="49" charset="0"/>
+              </a:rPr>
+              <a:t>[vistor01@sdf-cs1 wt3-memcpy]$ cd ../wt4-memoryDSDs</a:t>
+            </a:r>
           </a:p>
         </p:txBody>
       </p:sp>
@@ -17549,7 +18559,7 @@
 </p:sld>
 </file>
 
-<file path=ppt/slides/slide26.xml><?xml version="1.0" encoding="utf-8"?>
+<file path=ppt/slides/slide28.xml><?xml version="1.0" encoding="utf-8"?>
 <p:sld xmlns:a="http://schemas.openxmlformats.org/drawingml/2006/main" xmlns:r="http://schemas.openxmlformats.org/officeDocument/2006/relationships" xmlns:p="http://schemas.openxmlformats.org/presentationml/2006/main">
   <p:cSld>
     <p:spTree>
@@ -17608,7 +18618,7 @@
         </p:nvSpPr>
         <p:spPr>
           <a:xfrm>
-            <a:off x="609600" y="2276872"/>
+            <a:off x="534529" y="1823515"/>
             <a:ext cx="7358608" cy="3139321"/>
           </a:xfrm>
           <a:prstGeom prst="rect">
@@ -18053,7 +19063,7 @@
         </p:nvSpPr>
         <p:spPr>
           <a:xfrm>
-            <a:off x="6089496" y="4014865"/>
+            <a:off x="6014425" y="3561508"/>
             <a:ext cx="288032" cy="349377"/>
           </a:xfrm>
           <a:prstGeom prst="rightBrace">
@@ -18102,8 +19112,8 @@
         </p:nvSpPr>
         <p:spPr>
           <a:xfrm>
-            <a:off x="9123399" y="3666333"/>
-            <a:ext cx="2949265" cy="523220"/>
+            <a:off x="9048328" y="3212976"/>
+            <a:ext cx="2949265" cy="954107"/>
           </a:xfrm>
           <a:prstGeom prst="rect">
             <a:avLst/>
@@ -18122,7 +19132,31 @@
                   <a:srgbClr val="0070C0"/>
                 </a:solidFill>
               </a:rPr>
-              <a:t>We have replaced the loop with the fused multiple add DSD intrinsic</a:t>
+              <a:t>We have replaced the loop (in fact, the whole </a:t>
+            </a:r>
+            <a:r>
+              <a:rPr lang="en-GB" sz="1400" dirty="0" err="1">
+                <a:solidFill>
+                  <a:srgbClr val="0070C0"/>
+                </a:solidFill>
+              </a:rPr>
+              <a:t>scaled_sum</a:t>
+            </a:r>
+            <a:r>
+              <a:rPr lang="en-GB" sz="1400">
+                <a:solidFill>
+                  <a:srgbClr val="0070C0"/>
+                </a:solidFill>
+              </a:rPr>
+              <a:t> function call) </a:t>
+            </a:r>
+            <a:r>
+              <a:rPr lang="en-GB" sz="1400" dirty="0">
+                <a:solidFill>
+                  <a:srgbClr val="0070C0"/>
+                </a:solidFill>
+              </a:rPr>
+              <a:t>with the fused multiple add DSD intrinsic</a:t>
             </a:r>
           </a:p>
         </p:txBody>
@@ -18143,7 +19177,7 @@
         </p:nvCxnSpPr>
         <p:spPr>
           <a:xfrm flipH="1">
-            <a:off x="6387095" y="3933056"/>
+            <a:off x="6312024" y="3479699"/>
             <a:ext cx="2736304" cy="272287"/>
           </a:xfrm>
           <a:prstGeom prst="straightConnector1">
@@ -18171,6 +19205,49 @@
           </a:fontRef>
         </p:style>
       </p:cxnSp>
+      <p:sp>
+        <p:nvSpPr>
+          <p:cNvPr id="7" name="TextBox 6">
+            <a:extLst>
+              <a:ext uri="{FF2B5EF4-FFF2-40B4-BE49-F238E27FC236}">
+                <a16:creationId xmlns:a16="http://schemas.microsoft.com/office/drawing/2014/main" id="{8E015B07-B17C-F041-1B5F-D881ED971E5A}"/>
+              </a:ext>
+            </a:extLst>
+          </p:cNvPr>
+          <p:cNvSpPr txBox="1"/>
+          <p:nvPr/>
+        </p:nvSpPr>
+        <p:spPr>
+          <a:xfrm>
+            <a:off x="407368" y="5728982"/>
+            <a:ext cx="10972800" cy="338554"/>
+          </a:xfrm>
+          <a:prstGeom prst="rect">
+            <a:avLst/>
+          </a:prstGeom>
+          <a:solidFill>
+            <a:schemeClr val="tx1"/>
+          </a:solidFill>
+        </p:spPr>
+        <p:txBody>
+          <a:bodyPr wrap="square" rtlCol="0">
+            <a:spAutoFit/>
+          </a:bodyPr>
+          <a:lstStyle/>
+          <a:p>
+            <a:r>
+              <a:rPr lang="en-GB" sz="1600" dirty="0">
+                <a:solidFill>
+                  <a:schemeClr val="bg1"/>
+                </a:solidFill>
+                <a:latin typeface="Courier New" panose="02070309020205020404" pitchFamily="49" charset="0"/>
+                <a:cs typeface="Courier New" panose="02070309020205020404" pitchFamily="49" charset="0"/>
+              </a:rPr>
+              <a:t>[vistor01@sdf-cs1 wt4-memoryDSDs]$ ./commands.sh</a:t>
+            </a:r>
+          </a:p>
+        </p:txBody>
+      </p:sp>
     </p:spTree>
     <p:extLst>
       <p:ext uri="{BB962C8B-B14F-4D97-AF65-F5344CB8AC3E}">
@@ -18184,7 +19261,7 @@
 </p:sld>
 </file>
 
-<file path=ppt/slides/slide27.xml><?xml version="1.0" encoding="utf-8"?>
+<file path=ppt/slides/slide29.xml><?xml version="1.0" encoding="utf-8"?>
 <p:sld xmlns:a="http://schemas.openxmlformats.org/drawingml/2006/main" xmlns:r="http://schemas.openxmlformats.org/officeDocument/2006/relationships" xmlns:p="http://schemas.openxmlformats.org/presentationml/2006/main">
   <p:cSld>
     <p:spTree>
@@ -19872,6 +20949,59 @@
           </a:p>
         </p:txBody>
       </p:sp>
+      <p:sp>
+        <p:nvSpPr>
+          <p:cNvPr id="7" name="TextBox 6">
+            <a:extLst>
+              <a:ext uri="{FF2B5EF4-FFF2-40B4-BE49-F238E27FC236}">
+                <a16:creationId xmlns:a16="http://schemas.microsoft.com/office/drawing/2014/main" id="{B329AF35-30CD-D803-5744-8186E6BF9BCF}"/>
+              </a:ext>
+            </a:extLst>
+          </p:cNvPr>
+          <p:cNvSpPr txBox="1"/>
+          <p:nvPr/>
+        </p:nvSpPr>
+        <p:spPr>
+          <a:xfrm>
+            <a:off x="263352" y="5373216"/>
+            <a:ext cx="6696744" cy="646331"/>
+          </a:xfrm>
+          <a:prstGeom prst="rect">
+            <a:avLst/>
+          </a:prstGeom>
+          <a:noFill/>
+        </p:spPr>
+        <p:txBody>
+          <a:bodyPr wrap="square" rtlCol="0">
+            <a:spAutoFit/>
+          </a:bodyPr>
+          <a:lstStyle/>
+          <a:p>
+            <a:r>
+              <a:rPr lang="en-GB" dirty="0"/>
+              <a:t>More details about these can be found in the </a:t>
+            </a:r>
+            <a:r>
+              <a:rPr lang="en-GB" dirty="0" err="1"/>
+              <a:t>Cerebras</a:t>
+            </a:r>
+            <a:r>
+              <a:rPr lang="en-GB" dirty="0"/>
+              <a:t> SDK documentation at </a:t>
+            </a:r>
+            <a:r>
+              <a:rPr lang="en-GB" dirty="0">
+                <a:hlinkClick r:id="rId5"/>
+              </a:rPr>
+              <a:t>https://sdk.cerebras.net/</a:t>
+            </a:r>
+            <a:r>
+              <a:rPr lang="en-GB" dirty="0"/>
+              <a:t> </a:t>
+            </a:r>
+          </a:p>
+        </p:txBody>
+      </p:sp>
     </p:spTree>
     <p:extLst>
       <p:ext uri="{BB962C8B-B14F-4D97-AF65-F5344CB8AC3E}">
@@ -20317,7 +21447,7 @@
           <a:p>
             <a:r>
               <a:rPr lang="en-GB" dirty="0"/>
-              <a:t>Let’s get to programming the machine….</a:t>
+              <a:t>Let’s get to accessing the machine</a:t>
             </a:r>
           </a:p>
         </p:txBody>
@@ -20340,7 +21470,7 @@
         </p:nvSpPr>
         <p:spPr>
           <a:xfrm>
-            <a:off x="609600" y="2185056"/>
+            <a:off x="609600" y="1600200"/>
             <a:ext cx="10972800" cy="846304"/>
           </a:xfrm>
         </p:spPr>
@@ -20369,7 +21499,7 @@
         </p:nvSpPr>
         <p:spPr>
           <a:xfrm>
-            <a:off x="609600" y="3149760"/>
+            <a:off x="609600" y="2564904"/>
             <a:ext cx="10972800" cy="338554"/>
           </a:xfrm>
           <a:prstGeom prst="rect">
@@ -20424,7 +21554,7 @@
         </p:nvSpPr>
         <p:spPr>
           <a:xfrm>
-            <a:off x="609600" y="3825725"/>
+            <a:off x="609600" y="3021858"/>
             <a:ext cx="10972800" cy="1302998"/>
           </a:xfrm>
           <a:prstGeom prst="rect">
@@ -20612,23 +21742,7 @@
           <a:p>
             <a:r>
               <a:rPr lang="en-GB" dirty="0"/>
-              <a:t>Step two – cd into the </a:t>
-            </a:r>
-            <a:r>
-              <a:rPr lang="en-GB" i="1" dirty="0"/>
-              <a:t>cs2-sdk-training/</a:t>
-            </a:r>
-            <a:r>
-              <a:rPr lang="en-GB" i="1" dirty="0" err="1"/>
-              <a:t>practicals</a:t>
-            </a:r>
-            <a:r>
-              <a:rPr lang="en-GB" i="1" dirty="0"/>
-              <a:t>/walk-through </a:t>
-            </a:r>
-            <a:r>
-              <a:rPr lang="en-GB" dirty="0"/>
-              <a:t>which we will be working in for this part of the tutorial</a:t>
+              <a:t>Step two – clone the tutorial repository</a:t>
             </a:r>
             <a:endParaRPr lang="en-GB" i="1" dirty="0"/>
           </a:p>
@@ -20648,7 +21762,7 @@
         </p:nvSpPr>
         <p:spPr>
           <a:xfrm>
-            <a:off x="609600" y="5247383"/>
+            <a:off x="609600" y="5313635"/>
             <a:ext cx="10972800" cy="1077218"/>
           </a:xfrm>
           <a:prstGeom prst="rect">
@@ -20728,7 +21842,7 @@
                 <a:latin typeface="Courier New" panose="02070309020205020404" pitchFamily="49" charset="0"/>
                 <a:cs typeface="Courier New" panose="02070309020205020404" pitchFamily="49" charset="0"/>
               </a:rPr>
-              <a:t>wt5-multiple-PEs  wt6-routes-fabricDSDs wt7-collective-communications</a:t>
+              <a:t>wt5-multiple-PEs  wt6-routes-fabricDSDs  wt7-collective-communications</a:t>
             </a:r>
           </a:p>
         </p:txBody>
@@ -20747,7 +21861,350 @@
         </p:nvSpPr>
         <p:spPr>
           <a:xfrm>
-            <a:off x="731404" y="1515076"/>
+            <a:off x="609600" y="6450047"/>
+            <a:ext cx="10225136" cy="369332"/>
+          </a:xfrm>
+          <a:prstGeom prst="rect">
+            <a:avLst/>
+          </a:prstGeom>
+          <a:noFill/>
+        </p:spPr>
+        <p:txBody>
+          <a:bodyPr wrap="square" rtlCol="0">
+            <a:spAutoFit/>
+          </a:bodyPr>
+          <a:lstStyle/>
+          <a:p>
+            <a:pPr algn="ctr"/>
+            <a:r>
+              <a:rPr lang="en-GB" i="1" dirty="0">
+                <a:solidFill>
+                  <a:srgbClr val="FF0000"/>
+                </a:solidFill>
+              </a:rPr>
+              <a:t>Let one of the tutors know if you are struggling with this</a:t>
+            </a:r>
+          </a:p>
+        </p:txBody>
+      </p:sp>
+      <p:sp>
+        <p:nvSpPr>
+          <p:cNvPr id="8" name="Content Placeholder 2">
+            <a:extLst>
+              <a:ext uri="{FF2B5EF4-FFF2-40B4-BE49-F238E27FC236}">
+                <a16:creationId xmlns:a16="http://schemas.microsoft.com/office/drawing/2014/main" id="{41E8AF73-0859-54D6-56CF-A04AB321E9B7}"/>
+              </a:ext>
+            </a:extLst>
+          </p:cNvPr>
+          <p:cNvSpPr txBox="1">
+            <a:spLocks/>
+          </p:cNvSpPr>
+          <p:nvPr/>
+        </p:nvSpPr>
+        <p:spPr>
+          <a:xfrm>
+            <a:off x="609600" y="4410836"/>
+            <a:ext cx="10972800" cy="1302998"/>
+          </a:xfrm>
+          <a:prstGeom prst="rect">
+            <a:avLst/>
+          </a:prstGeom>
+        </p:spPr>
+        <p:txBody>
+          <a:bodyPr vert="horz" lIns="91440" tIns="45720" rIns="91440" bIns="45720" rtlCol="0">
+            <a:normAutofit/>
+          </a:bodyPr>
+          <a:lstStyle>
+            <a:lvl1pPr marL="182880" indent="-182880" algn="l" defTabSz="914400" rtl="0" eaLnBrk="1" latinLnBrk="0" hangingPunct="1">
+              <a:spcBef>
+                <a:spcPct val="20000"/>
+              </a:spcBef>
+              <a:buClr>
+                <a:schemeClr val="accent1"/>
+              </a:buClr>
+              <a:buSzPct val="85000"/>
+              <a:buFont typeface="Arial" pitchFamily="34" charset="0"/>
+              <a:buChar char="•"/>
+              <a:defRPr sz="2400" kern="1200">
+                <a:solidFill>
+                  <a:schemeClr val="tx1"/>
+                </a:solidFill>
+                <a:latin typeface="+mn-lt"/>
+                <a:ea typeface="+mn-ea"/>
+                <a:cs typeface="+mn-cs"/>
+              </a:defRPr>
+            </a:lvl1pPr>
+            <a:lvl2pPr marL="457200" indent="-182880" algn="l" defTabSz="914400" rtl="0" eaLnBrk="1" latinLnBrk="0" hangingPunct="1">
+              <a:spcBef>
+                <a:spcPct val="20000"/>
+              </a:spcBef>
+              <a:buClr>
+                <a:schemeClr val="accent1"/>
+              </a:buClr>
+              <a:buSzPct val="85000"/>
+              <a:buFont typeface="Arial" pitchFamily="34" charset="0"/>
+              <a:buChar char="•"/>
+              <a:defRPr sz="2000" kern="1200">
+                <a:solidFill>
+                  <a:schemeClr val="tx1"/>
+                </a:solidFill>
+                <a:latin typeface="+mn-lt"/>
+                <a:ea typeface="+mn-ea"/>
+                <a:cs typeface="+mn-cs"/>
+              </a:defRPr>
+            </a:lvl2pPr>
+            <a:lvl3pPr marL="731520" indent="-182880" algn="l" defTabSz="914400" rtl="0" eaLnBrk="1" latinLnBrk="0" hangingPunct="1">
+              <a:spcBef>
+                <a:spcPct val="20000"/>
+              </a:spcBef>
+              <a:buClr>
+                <a:schemeClr val="accent1"/>
+              </a:buClr>
+              <a:buSzPct val="90000"/>
+              <a:buFont typeface="Arial" pitchFamily="34" charset="0"/>
+              <a:buChar char="•"/>
+              <a:defRPr sz="1800" kern="1200">
+                <a:solidFill>
+                  <a:schemeClr val="tx1"/>
+                </a:solidFill>
+                <a:latin typeface="+mn-lt"/>
+                <a:ea typeface="+mn-ea"/>
+                <a:cs typeface="+mn-cs"/>
+              </a:defRPr>
+            </a:lvl3pPr>
+            <a:lvl4pPr marL="1005840" indent="-182880" algn="l" defTabSz="914400" rtl="0" eaLnBrk="1" latinLnBrk="0" hangingPunct="1">
+              <a:spcBef>
+                <a:spcPct val="20000"/>
+              </a:spcBef>
+              <a:buClr>
+                <a:schemeClr val="accent1"/>
+              </a:buClr>
+              <a:buFont typeface="Arial" pitchFamily="34" charset="0"/>
+              <a:buChar char="•"/>
+              <a:defRPr sz="1600" kern="1200">
+                <a:solidFill>
+                  <a:schemeClr val="tx1"/>
+                </a:solidFill>
+                <a:latin typeface="+mn-lt"/>
+                <a:ea typeface="+mn-ea"/>
+                <a:cs typeface="+mn-cs"/>
+              </a:defRPr>
+            </a:lvl4pPr>
+            <a:lvl5pPr marL="1188720" indent="-137160" algn="l" defTabSz="914400" rtl="0" eaLnBrk="1" latinLnBrk="0" hangingPunct="1">
+              <a:spcBef>
+                <a:spcPct val="20000"/>
+              </a:spcBef>
+              <a:buClr>
+                <a:schemeClr val="accent1"/>
+              </a:buClr>
+              <a:buSzPct val="100000"/>
+              <a:buFont typeface="Arial" pitchFamily="34" charset="0"/>
+              <a:buChar char="•"/>
+              <a:defRPr sz="1400" kern="1200" baseline="0">
+                <a:solidFill>
+                  <a:schemeClr val="tx1"/>
+                </a:solidFill>
+                <a:latin typeface="+mn-lt"/>
+                <a:ea typeface="+mn-ea"/>
+                <a:cs typeface="+mn-cs"/>
+              </a:defRPr>
+            </a:lvl5pPr>
+            <a:lvl6pPr marL="1371600" indent="-182880" algn="l" defTabSz="914400" rtl="0" eaLnBrk="1" latinLnBrk="0" hangingPunct="1">
+              <a:spcBef>
+                <a:spcPct val="20000"/>
+              </a:spcBef>
+              <a:buClr>
+                <a:schemeClr val="accent1"/>
+              </a:buClr>
+              <a:buFont typeface="Arial" pitchFamily="34" charset="0"/>
+              <a:buChar char="•"/>
+              <a:defRPr sz="1300" kern="1200">
+                <a:solidFill>
+                  <a:schemeClr val="tx1"/>
+                </a:solidFill>
+                <a:latin typeface="+mn-lt"/>
+                <a:ea typeface="+mn-ea"/>
+                <a:cs typeface="+mn-cs"/>
+              </a:defRPr>
+            </a:lvl6pPr>
+            <a:lvl7pPr marL="1554480" indent="-182880" algn="l" defTabSz="914400" rtl="0" eaLnBrk="1" latinLnBrk="0" hangingPunct="1">
+              <a:spcBef>
+                <a:spcPct val="20000"/>
+              </a:spcBef>
+              <a:buClr>
+                <a:schemeClr val="accent1"/>
+              </a:buClr>
+              <a:buFont typeface="Arial" pitchFamily="34" charset="0"/>
+              <a:buChar char="•"/>
+              <a:defRPr sz="1300" kern="1200">
+                <a:solidFill>
+                  <a:schemeClr val="tx1"/>
+                </a:solidFill>
+                <a:latin typeface="+mn-lt"/>
+                <a:ea typeface="+mn-ea"/>
+                <a:cs typeface="+mn-cs"/>
+              </a:defRPr>
+            </a:lvl7pPr>
+            <a:lvl8pPr marL="1737360" indent="-182880" algn="l" defTabSz="914400" rtl="0" eaLnBrk="1" latinLnBrk="0" hangingPunct="1">
+              <a:spcBef>
+                <a:spcPct val="20000"/>
+              </a:spcBef>
+              <a:buClr>
+                <a:schemeClr val="accent1"/>
+              </a:buClr>
+              <a:buFont typeface="Arial" pitchFamily="34" charset="0"/>
+              <a:buChar char="•"/>
+              <a:defRPr sz="1300" kern="1200">
+                <a:solidFill>
+                  <a:schemeClr val="tx1"/>
+                </a:solidFill>
+                <a:latin typeface="+mn-lt"/>
+                <a:ea typeface="+mn-ea"/>
+                <a:cs typeface="+mn-cs"/>
+              </a:defRPr>
+            </a:lvl8pPr>
+            <a:lvl9pPr marL="1920240" indent="-182880" algn="l" defTabSz="914400" rtl="0" eaLnBrk="1" latinLnBrk="0" hangingPunct="1">
+              <a:spcBef>
+                <a:spcPct val="20000"/>
+              </a:spcBef>
+              <a:buClr>
+                <a:schemeClr val="accent1"/>
+              </a:buClr>
+              <a:buFont typeface="Arial" pitchFamily="34" charset="0"/>
+              <a:buChar char="•"/>
+              <a:defRPr sz="1300" kern="1200">
+                <a:solidFill>
+                  <a:schemeClr val="tx1"/>
+                </a:solidFill>
+                <a:latin typeface="+mn-lt"/>
+                <a:ea typeface="+mn-ea"/>
+                <a:cs typeface="+mn-cs"/>
+              </a:defRPr>
+            </a:lvl9pPr>
+          </a:lstStyle>
+          <a:p>
+            <a:r>
+              <a:rPr lang="en-GB" dirty="0"/>
+              <a:t>Step three – cd into the </a:t>
+            </a:r>
+            <a:r>
+              <a:rPr lang="en-GB" i="1" dirty="0"/>
+              <a:t>cs2-sdk-training/</a:t>
+            </a:r>
+            <a:r>
+              <a:rPr lang="en-GB" i="1" dirty="0" err="1"/>
+              <a:t>practicals</a:t>
+            </a:r>
+            <a:r>
+              <a:rPr lang="en-GB" i="1" dirty="0"/>
+              <a:t>/walk-through </a:t>
+            </a:r>
+            <a:r>
+              <a:rPr lang="en-GB" dirty="0"/>
+              <a:t>which we will be working in for the next part of the tutorial</a:t>
+            </a:r>
+            <a:endParaRPr lang="en-GB" i="1" dirty="0"/>
+          </a:p>
+        </p:txBody>
+      </p:sp>
+      <p:sp>
+        <p:nvSpPr>
+          <p:cNvPr id="9" name="TextBox 8">
+            <a:extLst>
+              <a:ext uri="{FF2B5EF4-FFF2-40B4-BE49-F238E27FC236}">
+                <a16:creationId xmlns:a16="http://schemas.microsoft.com/office/drawing/2014/main" id="{9622E17D-25B4-644B-85D8-2BFEE4B4BCD7}"/>
+              </a:ext>
+            </a:extLst>
+          </p:cNvPr>
+          <p:cNvSpPr txBox="1"/>
+          <p:nvPr/>
+        </p:nvSpPr>
+        <p:spPr>
+          <a:xfrm>
+            <a:off x="609600" y="4026550"/>
+            <a:ext cx="10972800" cy="338554"/>
+          </a:xfrm>
+          <a:prstGeom prst="rect">
+            <a:avLst/>
+          </a:prstGeom>
+          <a:solidFill>
+            <a:schemeClr val="tx1"/>
+          </a:solidFill>
+        </p:spPr>
+        <p:txBody>
+          <a:bodyPr wrap="square" rtlCol="0">
+            <a:spAutoFit/>
+          </a:bodyPr>
+          <a:lstStyle/>
+          <a:p>
+            <a:r>
+              <a:rPr lang="en-GB" sz="1600" dirty="0">
+                <a:solidFill>
+                  <a:schemeClr val="bg1"/>
+                </a:solidFill>
+                <a:latin typeface="Courier New" panose="02070309020205020404" pitchFamily="49" charset="0"/>
+                <a:cs typeface="Courier New" panose="02070309020205020404" pitchFamily="49" charset="0"/>
+              </a:rPr>
+              <a:t>git clone https://</a:t>
+            </a:r>
+            <a:r>
+              <a:rPr lang="en-GB" sz="1600" dirty="0" err="1">
+                <a:solidFill>
+                  <a:schemeClr val="bg1"/>
+                </a:solidFill>
+                <a:latin typeface="Courier New" panose="02070309020205020404" pitchFamily="49" charset="0"/>
+                <a:cs typeface="Courier New" panose="02070309020205020404" pitchFamily="49" charset="0"/>
+              </a:rPr>
+              <a:t>github.com</a:t>
+            </a:r>
+            <a:r>
+              <a:rPr lang="en-GB" sz="1600" dirty="0">
+                <a:solidFill>
+                  <a:schemeClr val="bg1"/>
+                </a:solidFill>
+                <a:latin typeface="Courier New" panose="02070309020205020404" pitchFamily="49" charset="0"/>
+                <a:cs typeface="Courier New" panose="02070309020205020404" pitchFamily="49" charset="0"/>
+              </a:rPr>
+              <a:t>/</a:t>
+            </a:r>
+            <a:r>
+              <a:rPr lang="en-GB" sz="1600" dirty="0" err="1">
+                <a:solidFill>
+                  <a:schemeClr val="bg1"/>
+                </a:solidFill>
+                <a:latin typeface="Courier New" panose="02070309020205020404" pitchFamily="49" charset="0"/>
+                <a:cs typeface="Courier New" panose="02070309020205020404" pitchFamily="49" charset="0"/>
+              </a:rPr>
+              <a:t>EPCCed</a:t>
+            </a:r>
+            <a:r>
+              <a:rPr lang="en-GB" sz="1600" dirty="0">
+                <a:solidFill>
+                  <a:schemeClr val="bg1"/>
+                </a:solidFill>
+                <a:latin typeface="Courier New" panose="02070309020205020404" pitchFamily="49" charset="0"/>
+                <a:cs typeface="Courier New" panose="02070309020205020404" pitchFamily="49" charset="0"/>
+              </a:rPr>
+              <a:t>/cs2-sdk-training.git</a:t>
+            </a:r>
+          </a:p>
+        </p:txBody>
+      </p:sp>
+      <p:sp>
+        <p:nvSpPr>
+          <p:cNvPr id="10" name="TextBox 9">
+            <a:extLst>
+              <a:ext uri="{FF2B5EF4-FFF2-40B4-BE49-F238E27FC236}">
+                <a16:creationId xmlns:a16="http://schemas.microsoft.com/office/drawing/2014/main" id="{423086A6-AB0B-5214-1776-5DBA68234E00}"/>
+              </a:ext>
+            </a:extLst>
+          </p:cNvPr>
+          <p:cNvSpPr txBox="1"/>
+          <p:nvPr/>
+        </p:nvSpPr>
+        <p:spPr>
+          <a:xfrm>
+            <a:off x="731404" y="1297134"/>
             <a:ext cx="10729192" cy="369332"/>
           </a:xfrm>
           <a:prstGeom prst="rect">
@@ -20776,7 +22233,7 @@
     </p:spTree>
     <p:extLst>
       <p:ext uri="{BB962C8B-B14F-4D97-AF65-F5344CB8AC3E}">
-        <p14:creationId xmlns:p14="http://schemas.microsoft.com/office/powerpoint/2010/main" val="965051851"/>
+        <p14:creationId xmlns:p14="http://schemas.microsoft.com/office/powerpoint/2010/main" val="3712923087"/>
       </p:ext>
     </p:extLst>
   </p:cSld>
@@ -20808,7 +22265,7 @@
           <p:cNvPr id="2" name="Title 1">
             <a:extLst>
               <a:ext uri="{FF2B5EF4-FFF2-40B4-BE49-F238E27FC236}">
-                <a16:creationId xmlns:a16="http://schemas.microsoft.com/office/drawing/2014/main" id="{D334002C-9726-255F-B908-BB704A79B83C}"/>
+                <a16:creationId xmlns:a16="http://schemas.microsoft.com/office/drawing/2014/main" id="{049770CC-295A-8645-5D1F-9DD564BF9CC7}"/>
               </a:ext>
             </a:extLst>
           </p:cNvPr>
@@ -20826,81 +22283,17 @@
           <a:p>
             <a:r>
               <a:rPr lang="en-GB" dirty="0"/>
-              <a:t>Running my first CSL program</a:t>
-            </a:r>
-          </a:p>
-        </p:txBody>
-      </p:sp>
-      <p:sp>
-        <p:nvSpPr>
-          <p:cNvPr id="3" name="Content Placeholder 2">
+              <a:t>High level view</a:t>
+            </a:r>
+          </a:p>
+        </p:txBody>
+      </p:sp>
+      <p:sp>
+        <p:nvSpPr>
+          <p:cNvPr id="4" name="TextBox 3">
             <a:extLst>
               <a:ext uri="{FF2B5EF4-FFF2-40B4-BE49-F238E27FC236}">
-                <a16:creationId xmlns:a16="http://schemas.microsoft.com/office/drawing/2014/main" id="{AA23FFD8-57EF-751D-3222-A3860630DD71}"/>
-              </a:ext>
-            </a:extLst>
-          </p:cNvPr>
-          <p:cNvSpPr>
-            <a:spLocks noGrp="1"/>
-          </p:cNvSpPr>
-          <p:nvPr>
-            <p:ph idx="1"/>
-          </p:nvPr>
-        </p:nvSpPr>
-        <p:spPr>
-          <a:xfrm>
-            <a:off x="609600" y="1481800"/>
-            <a:ext cx="10972800" cy="1227120"/>
-          </a:xfrm>
-        </p:spPr>
-        <p:txBody>
-          <a:bodyPr>
-            <a:normAutofit fontScale="92500" lnSpcReduction="10000"/>
-          </a:bodyPr>
-          <a:lstStyle/>
-          <a:p>
-            <a:r>
-              <a:rPr lang="en-GB" dirty="0"/>
-              <a:t>Change into the </a:t>
-            </a:r>
-            <a:r>
-              <a:rPr lang="en-GB" i="1" dirty="0"/>
-              <a:t>wt1-getting-started </a:t>
-            </a:r>
-            <a:r>
-              <a:rPr lang="en-GB" dirty="0"/>
-              <a:t>directory</a:t>
-            </a:r>
-          </a:p>
-          <a:p>
-            <a:endParaRPr lang="en-GB" dirty="0"/>
-          </a:p>
-          <a:p>
-            <a:r>
-              <a:rPr lang="en-GB" dirty="0"/>
-              <a:t>Compile the code using the </a:t>
-            </a:r>
-            <a:r>
-              <a:rPr lang="en-GB" i="1" dirty="0" err="1"/>
-              <a:t>cslc</a:t>
-            </a:r>
-            <a:r>
-              <a:rPr lang="en-GB" i="1" dirty="0"/>
-              <a:t> </a:t>
-            </a:r>
-            <a:r>
-              <a:rPr lang="en-GB" dirty="0"/>
-              <a:t>command </a:t>
-            </a:r>
-          </a:p>
-        </p:txBody>
-      </p:sp>
-      <p:sp>
-        <p:nvSpPr>
-          <p:cNvPr id="5" name="TextBox 4">
-            <a:extLst>
-              <a:ext uri="{FF2B5EF4-FFF2-40B4-BE49-F238E27FC236}">
-                <a16:creationId xmlns:a16="http://schemas.microsoft.com/office/drawing/2014/main" id="{52C65D66-B875-E723-BD5B-F05B9025BD72}"/>
+                <a16:creationId xmlns:a16="http://schemas.microsoft.com/office/drawing/2014/main" id="{72F8C03D-ED7A-5ACD-65A5-FABE3A3E9FEF}"/>
               </a:ext>
             </a:extLst>
           </p:cNvPr>
@@ -20909,8 +22302,8 @@
         </p:nvSpPr>
         <p:spPr>
           <a:xfrm>
-            <a:off x="609600" y="3047485"/>
-            <a:ext cx="10972800" cy="2308324"/>
+            <a:off x="695400" y="1844824"/>
+            <a:ext cx="10972800" cy="584775"/>
           </a:xfrm>
           <a:prstGeom prst="rect">
             <a:avLst/>
@@ -20933,10 +22326,20 @@
                 <a:latin typeface="Courier New" panose="02070309020205020404" pitchFamily="49" charset="0"/>
                 <a:cs typeface="Courier New" panose="02070309020205020404" pitchFamily="49" charset="0"/>
               </a:rPr>
-              <a:t>[vistor01@sdf-cs1 walk-through]$ cd wt1-getting-started</a:t>
-            </a:r>
-          </a:p>
-          <a:p>
+              <a:t>[vistor01@sdf-cs1 wt1-getting-started]$ ls</a:t>
+            </a:r>
+          </a:p>
+          <a:p>
+            <a:r>
+              <a:rPr lang="en-GB" sz="1600" dirty="0" err="1">
+                <a:solidFill>
+                  <a:schemeClr val="bg1"/>
+                </a:solidFill>
+                <a:latin typeface="Courier New" panose="02070309020205020404" pitchFamily="49" charset="0"/>
+                <a:cs typeface="Courier New" panose="02070309020205020404" pitchFamily="49" charset="0"/>
+              </a:rPr>
+              <a:t>run.py</a:t>
+            </a:r>
             <a:r>
               <a:rPr lang="en-GB" sz="1600" dirty="0">
                 <a:solidFill>
@@ -20945,7 +22348,7 @@
                 <a:latin typeface="Courier New" panose="02070309020205020404" pitchFamily="49" charset="0"/>
                 <a:cs typeface="Courier New" panose="02070309020205020404" pitchFamily="49" charset="0"/>
               </a:rPr>
-              <a:t>[vistor01@sdf-cs1 wt1-getting-started]$ </a:t>
+              <a:t> </a:t>
             </a:r>
             <a:r>
               <a:rPr lang="en-GB" sz="1600" dirty="0" err="1">
@@ -20955,7 +22358,7 @@
                 <a:latin typeface="Courier New" panose="02070309020205020404" pitchFamily="49" charset="0"/>
                 <a:cs typeface="Courier New" panose="02070309020205020404" pitchFamily="49" charset="0"/>
               </a:rPr>
-              <a:t>cslc</a:t>
+              <a:t>layout.csl</a:t>
             </a:r>
             <a:r>
               <a:rPr lang="en-GB" sz="1600" dirty="0">
@@ -20975,7 +22378,7 @@
                 <a:latin typeface="Courier New" panose="02070309020205020404" pitchFamily="49" charset="0"/>
                 <a:cs typeface="Courier New" panose="02070309020205020404" pitchFamily="49" charset="0"/>
               </a:rPr>
-              <a:t>layout.csl</a:t>
+              <a:t>pe_program.csl</a:t>
             </a:r>
             <a:r>
               <a:rPr lang="en-GB" sz="1600" dirty="0">
@@ -20985,7 +22388,7 @@
                 <a:latin typeface="Courier New" panose="02070309020205020404" pitchFamily="49" charset="0"/>
                 <a:cs typeface="Courier New" panose="02070309020205020404" pitchFamily="49" charset="0"/>
               </a:rPr>
-              <a:t> --fabric-dims=8,3 --fabric-offsets=4,1 --</a:t>
+              <a:t>   </a:t>
             </a:r>
             <a:r>
               <a:rPr lang="en-GB" sz="1600" dirty="0" err="1">
@@ -20995,7 +22398,7 @@
                 <a:latin typeface="Courier New" panose="02070309020205020404" pitchFamily="49" charset="0"/>
                 <a:cs typeface="Courier New" panose="02070309020205020404" pitchFamily="49" charset="0"/>
               </a:rPr>
-              <a:t>memcpy</a:t>
+              <a:t>commands.sh</a:t>
             </a:r>
             <a:r>
               <a:rPr lang="en-GB" sz="1600" dirty="0">
@@ -21005,10 +22408,18 @@
                 <a:latin typeface="Courier New" panose="02070309020205020404" pitchFamily="49" charset="0"/>
                 <a:cs typeface="Courier New" panose="02070309020205020404" pitchFamily="49" charset="0"/>
               </a:rPr>
-              <a:t> --channels=1 -o out</a:t>
-            </a:r>
-          </a:p>
-          <a:p>
+              <a:t> </a:t>
+            </a:r>
+            <a:r>
+              <a:rPr lang="en-GB" sz="1600" dirty="0" err="1">
+                <a:solidFill>
+                  <a:schemeClr val="bg1"/>
+                </a:solidFill>
+                <a:latin typeface="Courier New" panose="02070309020205020404" pitchFamily="49" charset="0"/>
+                <a:cs typeface="Courier New" panose="02070309020205020404" pitchFamily="49" charset="0"/>
+              </a:rPr>
+              <a:t>README.md</a:t>
+            </a:r>
             <a:r>
               <a:rPr lang="en-GB" sz="1600" dirty="0">
                 <a:solidFill>
@@ -21017,10 +22428,18 @@
                 <a:latin typeface="Courier New" panose="02070309020205020404" pitchFamily="49" charset="0"/>
                 <a:cs typeface="Courier New" panose="02070309020205020404" pitchFamily="49" charset="0"/>
               </a:rPr>
-              <a:t>INFO: Using SIF: /home/y26/shared/cs_sdk-1.0.0/cbcore_sdk-202311111408-10-4a54bce5.sif</a:t>
-            </a:r>
-          </a:p>
-          <a:p>
+              <a:t> </a:t>
+            </a:r>
+            <a:r>
+              <a:rPr lang="en-GB" sz="1600" dirty="0" err="1">
+                <a:solidFill>
+                  <a:schemeClr val="bg1"/>
+                </a:solidFill>
+                <a:latin typeface="Courier New" panose="02070309020205020404" pitchFamily="49" charset="0"/>
+                <a:cs typeface="Courier New" panose="02070309020205020404" pitchFamily="49" charset="0"/>
+              </a:rPr>
+              <a:t>Makefile</a:t>
+            </a:r>
             <a:r>
               <a:rPr lang="en-GB" sz="1600" dirty="0">
                 <a:solidFill>
@@ -21029,85 +22448,110 @@
                 <a:latin typeface="Courier New" panose="02070309020205020404" pitchFamily="49" charset="0"/>
                 <a:cs typeface="Courier New" panose="02070309020205020404" pitchFamily="49" charset="0"/>
               </a:rPr>
-              <a:t>compile successful</a:t>
-            </a:r>
-          </a:p>
-          <a:p>
-            <a:r>
-              <a:rPr lang="en-GB" sz="1600" dirty="0">
+              <a:t> </a:t>
+            </a:r>
+          </a:p>
+        </p:txBody>
+      </p:sp>
+      <p:pic>
+        <p:nvPicPr>
+          <p:cNvPr id="11" name="Picture 10">
+            <a:extLst>
+              <a:ext uri="{FF2B5EF4-FFF2-40B4-BE49-F238E27FC236}">
+                <a16:creationId xmlns:a16="http://schemas.microsoft.com/office/drawing/2014/main" id="{F8B1B429-B85B-35CE-06D3-AA1BF8DAA697}"/>
+              </a:ext>
+            </a:extLst>
+          </p:cNvPr>
+          <p:cNvPicPr>
+            <a:picLocks noChangeAspect="1"/>
+          </p:cNvPicPr>
+          <p:nvPr/>
+        </p:nvPicPr>
+        <p:blipFill>
+          <a:blip r:embed="rId3"/>
+          <a:stretch>
+            <a:fillRect/>
+          </a:stretch>
+        </p:blipFill>
+        <p:spPr>
+          <a:xfrm>
+            <a:off x="695400" y="2644052"/>
+            <a:ext cx="2273300" cy="3568700"/>
+          </a:xfrm>
+          <a:prstGeom prst="rect">
+            <a:avLst/>
+          </a:prstGeom>
+        </p:spPr>
+      </p:pic>
+      <p:pic>
+        <p:nvPicPr>
+          <p:cNvPr id="13" name="Picture 12">
+            <a:extLst>
+              <a:ext uri="{FF2B5EF4-FFF2-40B4-BE49-F238E27FC236}">
+                <a16:creationId xmlns:a16="http://schemas.microsoft.com/office/drawing/2014/main" id="{FDA3C372-C595-6610-3886-F7D7995F1B92}"/>
+              </a:ext>
+            </a:extLst>
+          </p:cNvPr>
+          <p:cNvPicPr>
+            <a:picLocks noChangeAspect="1"/>
+          </p:cNvPicPr>
+          <p:nvPr/>
+        </p:nvPicPr>
+        <p:blipFill>
+          <a:blip r:embed="rId4"/>
+          <a:stretch>
+            <a:fillRect/>
+          </a:stretch>
+        </p:blipFill>
+        <p:spPr>
+          <a:xfrm>
+            <a:off x="4079776" y="2906332"/>
+            <a:ext cx="7772400" cy="3418269"/>
+          </a:xfrm>
+          <a:prstGeom prst="rect">
+            <a:avLst/>
+          </a:prstGeom>
+        </p:spPr>
+      </p:pic>
+      <p:sp>
+        <p:nvSpPr>
+          <p:cNvPr id="14" name="TextBox 13">
+            <a:extLst>
+              <a:ext uri="{FF2B5EF4-FFF2-40B4-BE49-F238E27FC236}">
+                <a16:creationId xmlns:a16="http://schemas.microsoft.com/office/drawing/2014/main" id="{95A13AA9-6843-1B7A-CC14-0B72C39C74E9}"/>
+              </a:ext>
+            </a:extLst>
+          </p:cNvPr>
+          <p:cNvSpPr txBox="1"/>
+          <p:nvPr/>
+        </p:nvSpPr>
+        <p:spPr>
+          <a:xfrm>
+            <a:off x="1703512" y="3259723"/>
+            <a:ext cx="999951" cy="338554"/>
+          </a:xfrm>
+          <a:prstGeom prst="rect">
+            <a:avLst/>
+          </a:prstGeom>
+          <a:solidFill>
+            <a:schemeClr val="tx1"/>
+          </a:solidFill>
+        </p:spPr>
+        <p:txBody>
+          <a:bodyPr wrap="square" rtlCol="0">
+            <a:spAutoFit/>
+          </a:bodyPr>
+          <a:lstStyle/>
+          <a:p>
+            <a:r>
+              <a:rPr lang="en-GB" sz="1600" dirty="0" err="1">
                 <a:solidFill>
                   <a:schemeClr val="bg1"/>
                 </a:solidFill>
                 <a:latin typeface="Courier New" panose="02070309020205020404" pitchFamily="49" charset="0"/>
                 <a:cs typeface="Courier New" panose="02070309020205020404" pitchFamily="49" charset="0"/>
               </a:rPr>
-              <a:t>[nebcs1@sdf-cs1 wt1-getting-started]$ ls out/</a:t>
-            </a:r>
-          </a:p>
-          <a:p>
-            <a:r>
-              <a:rPr lang="en-GB" sz="1600" dirty="0">
-                <a:solidFill>
-                  <a:schemeClr val="bg1"/>
-                </a:solidFill>
-                <a:latin typeface="Courier New" panose="02070309020205020404" pitchFamily="49" charset="0"/>
-                <a:cs typeface="Courier New" panose="02070309020205020404" pitchFamily="49" charset="0"/>
-              </a:rPr>
-              <a:t>bin  east  </a:t>
-            </a:r>
-            <a:r>
-              <a:rPr lang="en-GB" sz="1600" dirty="0" err="1">
-                <a:solidFill>
-                  <a:schemeClr val="bg1"/>
-                </a:solidFill>
-                <a:latin typeface="Courier New" panose="02070309020205020404" pitchFamily="49" charset="0"/>
-                <a:cs typeface="Courier New" panose="02070309020205020404" pitchFamily="49" charset="0"/>
-              </a:rPr>
-              <a:t>out.json</a:t>
-            </a:r>
-            <a:r>
-              <a:rPr lang="en-GB" sz="1600" dirty="0">
-                <a:solidFill>
-                  <a:schemeClr val="bg1"/>
-                </a:solidFill>
-                <a:latin typeface="Courier New" panose="02070309020205020404" pitchFamily="49" charset="0"/>
-                <a:cs typeface="Courier New" panose="02070309020205020404" pitchFamily="49" charset="0"/>
-              </a:rPr>
-              <a:t>  west</a:t>
-            </a:r>
-          </a:p>
-          <a:p>
-            <a:r>
-              <a:rPr lang="en-GB" sz="1600" dirty="0">
-                <a:solidFill>
-                  <a:schemeClr val="bg1"/>
-                </a:solidFill>
-                <a:latin typeface="Courier New" panose="02070309020205020404" pitchFamily="49" charset="0"/>
-                <a:cs typeface="Courier New" panose="02070309020205020404" pitchFamily="49" charset="0"/>
-              </a:rPr>
-              <a:t>[nebcs1@sdf-cs1 wt1-getting-started]$ ls out/bin/</a:t>
-            </a:r>
-          </a:p>
-          <a:p>
-            <a:r>
-              <a:rPr lang="en-GB" sz="1600" dirty="0">
-                <a:solidFill>
-                  <a:schemeClr val="bg1"/>
-                </a:solidFill>
-                <a:latin typeface="Courier New" panose="02070309020205020404" pitchFamily="49" charset="0"/>
-                <a:cs typeface="Courier New" panose="02070309020205020404" pitchFamily="49" charset="0"/>
-              </a:rPr>
-              <a:t>out_0_0.elf  </a:t>
-            </a:r>
-            <a:r>
-              <a:rPr lang="en-GB" sz="1600" dirty="0" err="1">
-                <a:solidFill>
-                  <a:schemeClr val="bg1"/>
-                </a:solidFill>
-                <a:latin typeface="Courier New" panose="02070309020205020404" pitchFamily="49" charset="0"/>
-                <a:cs typeface="Courier New" panose="02070309020205020404" pitchFamily="49" charset="0"/>
-              </a:rPr>
-              <a:t>out_rpc.json</a:t>
+              <a:t>run.py</a:t>
             </a:r>
             <a:endParaRPr lang="en-GB" sz="1600" dirty="0">
               <a:solidFill>
@@ -21119,10 +22563,298 @@
           </a:p>
         </p:txBody>
       </p:sp>
+      <p:sp>
+        <p:nvSpPr>
+          <p:cNvPr id="15" name="Rectangle 14">
+            <a:extLst>
+              <a:ext uri="{FF2B5EF4-FFF2-40B4-BE49-F238E27FC236}">
+                <a16:creationId xmlns:a16="http://schemas.microsoft.com/office/drawing/2014/main" id="{2C5F4CB6-B264-AE5C-DAB2-6589D3F74145}"/>
+              </a:ext>
+            </a:extLst>
+          </p:cNvPr>
+          <p:cNvSpPr/>
+          <p:nvPr/>
+        </p:nvSpPr>
+        <p:spPr>
+          <a:xfrm>
+            <a:off x="7320136" y="3259722"/>
+            <a:ext cx="3456384" cy="2953029"/>
+          </a:xfrm>
+          <a:prstGeom prst="rect">
+            <a:avLst/>
+          </a:prstGeom>
+          <a:solidFill>
+            <a:srgbClr val="D9D9D9">
+              <a:alpha val="25098"/>
+            </a:srgbClr>
+          </a:solidFill>
+          <a:ln>
+            <a:solidFill>
+              <a:schemeClr val="accent1"/>
+            </a:solidFill>
+          </a:ln>
+        </p:spPr>
+        <p:style>
+          <a:lnRef idx="2">
+            <a:schemeClr val="accent1">
+              <a:shade val="15000"/>
+            </a:schemeClr>
+          </a:lnRef>
+          <a:fillRef idx="1">
+            <a:schemeClr val="accent1"/>
+          </a:fillRef>
+          <a:effectRef idx="0">
+            <a:schemeClr val="accent1"/>
+          </a:effectRef>
+          <a:fontRef idx="minor">
+            <a:schemeClr val="lt1"/>
+          </a:fontRef>
+        </p:style>
+        <p:txBody>
+          <a:bodyPr rtlCol="0" anchor="ctr"/>
+          <a:lstStyle/>
+          <a:p>
+            <a:pPr algn="ctr"/>
+            <a:endParaRPr lang="en-US"/>
+          </a:p>
+        </p:txBody>
+      </p:sp>
+      <p:sp>
+        <p:nvSpPr>
+          <p:cNvPr id="16" name="TextBox 15">
+            <a:extLst>
+              <a:ext uri="{FF2B5EF4-FFF2-40B4-BE49-F238E27FC236}">
+                <a16:creationId xmlns:a16="http://schemas.microsoft.com/office/drawing/2014/main" id="{5C42C352-B0E8-DC99-3141-4BCCBCFBB8CA}"/>
+              </a:ext>
+            </a:extLst>
+          </p:cNvPr>
+          <p:cNvSpPr txBox="1"/>
+          <p:nvPr/>
+        </p:nvSpPr>
+        <p:spPr>
+          <a:xfrm>
+            <a:off x="8472264" y="2872622"/>
+            <a:ext cx="1440160" cy="338554"/>
+          </a:xfrm>
+          <a:prstGeom prst="rect">
+            <a:avLst/>
+          </a:prstGeom>
+          <a:solidFill>
+            <a:schemeClr val="tx1"/>
+          </a:solidFill>
+        </p:spPr>
+        <p:txBody>
+          <a:bodyPr wrap="square" rtlCol="0">
+            <a:spAutoFit/>
+          </a:bodyPr>
+          <a:lstStyle/>
+          <a:p>
+            <a:r>
+              <a:rPr lang="en-GB" sz="1600" dirty="0" err="1">
+                <a:solidFill>
+                  <a:schemeClr val="bg1"/>
+                </a:solidFill>
+                <a:latin typeface="Courier New" panose="02070309020205020404" pitchFamily="49" charset="0"/>
+                <a:cs typeface="Courier New" panose="02070309020205020404" pitchFamily="49" charset="0"/>
+              </a:rPr>
+              <a:t>layout.csl</a:t>
+            </a:r>
+            <a:endParaRPr lang="en-GB" sz="1600" dirty="0">
+              <a:solidFill>
+                <a:schemeClr val="bg1"/>
+              </a:solidFill>
+              <a:latin typeface="Courier New" panose="02070309020205020404" pitchFamily="49" charset="0"/>
+              <a:cs typeface="Courier New" panose="02070309020205020404" pitchFamily="49" charset="0"/>
+            </a:endParaRPr>
+          </a:p>
+        </p:txBody>
+      </p:sp>
+      <p:sp>
+        <p:nvSpPr>
+          <p:cNvPr id="17" name="TextBox 16">
+            <a:extLst>
+              <a:ext uri="{FF2B5EF4-FFF2-40B4-BE49-F238E27FC236}">
+                <a16:creationId xmlns:a16="http://schemas.microsoft.com/office/drawing/2014/main" id="{75F92DE8-1FE8-8BC9-CEA5-FFBE016ED9A2}"/>
+              </a:ext>
+            </a:extLst>
+          </p:cNvPr>
+          <p:cNvSpPr txBox="1"/>
+          <p:nvPr/>
+        </p:nvSpPr>
+        <p:spPr>
+          <a:xfrm>
+            <a:off x="7440215" y="3652306"/>
+            <a:ext cx="864096" cy="461665"/>
+          </a:xfrm>
+          <a:prstGeom prst="rect">
+            <a:avLst/>
+          </a:prstGeom>
+          <a:solidFill>
+            <a:schemeClr val="tx1"/>
+          </a:solidFill>
+        </p:spPr>
+        <p:txBody>
+          <a:bodyPr wrap="square" rtlCol="0">
+            <a:spAutoFit/>
+          </a:bodyPr>
+          <a:lstStyle/>
+          <a:p>
+            <a:r>
+              <a:rPr lang="en-GB" sz="1200" dirty="0">
+                <a:solidFill>
+                  <a:schemeClr val="bg1"/>
+                </a:solidFill>
+                <a:latin typeface="Courier New" panose="02070309020205020404" pitchFamily="49" charset="0"/>
+                <a:cs typeface="Courier New" panose="02070309020205020404" pitchFamily="49" charset="0"/>
+              </a:rPr>
+              <a:t>pe_prog1.csl</a:t>
+            </a:r>
+          </a:p>
+        </p:txBody>
+      </p:sp>
+      <p:sp>
+        <p:nvSpPr>
+          <p:cNvPr id="18" name="TextBox 17">
+            <a:extLst>
+              <a:ext uri="{FF2B5EF4-FFF2-40B4-BE49-F238E27FC236}">
+                <a16:creationId xmlns:a16="http://schemas.microsoft.com/office/drawing/2014/main" id="{4997F72A-7688-C1B6-FED2-1EE5FE6719CF}"/>
+              </a:ext>
+            </a:extLst>
+          </p:cNvPr>
+          <p:cNvSpPr txBox="1"/>
+          <p:nvPr/>
+        </p:nvSpPr>
+        <p:spPr>
+          <a:xfrm>
+            <a:off x="9167837" y="5555351"/>
+            <a:ext cx="864096" cy="461665"/>
+          </a:xfrm>
+          <a:prstGeom prst="rect">
+            <a:avLst/>
+          </a:prstGeom>
+          <a:solidFill>
+            <a:schemeClr val="tx1"/>
+          </a:solidFill>
+        </p:spPr>
+        <p:txBody>
+          <a:bodyPr wrap="square" rtlCol="0">
+            <a:spAutoFit/>
+          </a:bodyPr>
+          <a:lstStyle/>
+          <a:p>
+            <a:r>
+              <a:rPr lang="en-GB" sz="1200" dirty="0">
+                <a:solidFill>
+                  <a:schemeClr val="bg1"/>
+                </a:solidFill>
+                <a:latin typeface="Courier New" panose="02070309020205020404" pitchFamily="49" charset="0"/>
+                <a:cs typeface="Courier New" panose="02070309020205020404" pitchFamily="49" charset="0"/>
+              </a:rPr>
+              <a:t>pe_prog2.csl</a:t>
+            </a:r>
+          </a:p>
+        </p:txBody>
+      </p:sp>
+      <p:sp>
+        <p:nvSpPr>
+          <p:cNvPr id="19" name="TextBox 18">
+            <a:extLst>
+              <a:ext uri="{FF2B5EF4-FFF2-40B4-BE49-F238E27FC236}">
+                <a16:creationId xmlns:a16="http://schemas.microsoft.com/office/drawing/2014/main" id="{C229A932-97C4-7BE4-7F8F-93CC7D52934A}"/>
+              </a:ext>
+            </a:extLst>
+          </p:cNvPr>
+          <p:cNvSpPr txBox="1"/>
+          <p:nvPr/>
+        </p:nvSpPr>
+        <p:spPr>
+          <a:xfrm>
+            <a:off x="7440215" y="4625467"/>
+            <a:ext cx="864096" cy="461665"/>
+          </a:xfrm>
+          <a:prstGeom prst="rect">
+            <a:avLst/>
+          </a:prstGeom>
+          <a:solidFill>
+            <a:schemeClr val="tx1"/>
+          </a:solidFill>
+        </p:spPr>
+        <p:txBody>
+          <a:bodyPr wrap="square" rtlCol="0">
+            <a:spAutoFit/>
+          </a:bodyPr>
+          <a:lstStyle/>
+          <a:p>
+            <a:r>
+              <a:rPr lang="en-GB" sz="1200" dirty="0">
+                <a:solidFill>
+                  <a:schemeClr val="bg1"/>
+                </a:solidFill>
+                <a:latin typeface="Courier New" panose="02070309020205020404" pitchFamily="49" charset="0"/>
+                <a:cs typeface="Courier New" panose="02070309020205020404" pitchFamily="49" charset="0"/>
+              </a:rPr>
+              <a:t>pe_prog1.csl</a:t>
+            </a:r>
+          </a:p>
+        </p:txBody>
+      </p:sp>
+      <p:sp>
+        <p:nvSpPr>
+          <p:cNvPr id="20" name="TextBox 19">
+            <a:extLst>
+              <a:ext uri="{FF2B5EF4-FFF2-40B4-BE49-F238E27FC236}">
+                <a16:creationId xmlns:a16="http://schemas.microsoft.com/office/drawing/2014/main" id="{B9CF4FED-B6E5-3F76-6967-CB8D4976F824}"/>
+              </a:ext>
+            </a:extLst>
+          </p:cNvPr>
+          <p:cNvSpPr txBox="1"/>
+          <p:nvPr/>
+        </p:nvSpPr>
+        <p:spPr>
+          <a:xfrm>
+            <a:off x="7440215" y="5563865"/>
+            <a:ext cx="864096" cy="461665"/>
+          </a:xfrm>
+          <a:prstGeom prst="rect">
+            <a:avLst/>
+          </a:prstGeom>
+          <a:solidFill>
+            <a:schemeClr val="tx1"/>
+          </a:solidFill>
+        </p:spPr>
+        <p:txBody>
+          <a:bodyPr wrap="square" rtlCol="0">
+            <a:spAutoFit/>
+          </a:bodyPr>
+          <a:lstStyle/>
+          <a:p>
+            <a:r>
+              <a:rPr lang="en-GB" sz="1200" dirty="0" err="1">
+                <a:solidFill>
+                  <a:schemeClr val="bg1"/>
+                </a:solidFill>
+                <a:latin typeface="Courier New" panose="02070309020205020404" pitchFamily="49" charset="0"/>
+                <a:cs typeface="Courier New" panose="02070309020205020404" pitchFamily="49" charset="0"/>
+              </a:rPr>
+              <a:t>pe_prog</a:t>
+            </a:r>
+            <a:r>
+              <a:rPr lang="en-GB" sz="1200" dirty="0">
+                <a:solidFill>
+                  <a:schemeClr val="bg1"/>
+                </a:solidFill>
+                <a:latin typeface="Courier New" panose="02070309020205020404" pitchFamily="49" charset="0"/>
+                <a:cs typeface="Courier New" panose="02070309020205020404" pitchFamily="49" charset="0"/>
+              </a:rPr>
+              <a:t>...csl</a:t>
+            </a:r>
+          </a:p>
+        </p:txBody>
+      </p:sp>
     </p:spTree>
     <p:extLst>
       <p:ext uri="{BB962C8B-B14F-4D97-AF65-F5344CB8AC3E}">
-        <p14:creationId xmlns:p14="http://schemas.microsoft.com/office/powerpoint/2010/main" val="2877601643"/>
+        <p14:creationId xmlns:p14="http://schemas.microsoft.com/office/powerpoint/2010/main" val="511662070"/>
       </p:ext>
     </p:extLst>
   </p:cSld>
@@ -21179,6 +22911,70 @@
       </p:sp>
       <p:sp>
         <p:nvSpPr>
+          <p:cNvPr id="3" name="Content Placeholder 2">
+            <a:extLst>
+              <a:ext uri="{FF2B5EF4-FFF2-40B4-BE49-F238E27FC236}">
+                <a16:creationId xmlns:a16="http://schemas.microsoft.com/office/drawing/2014/main" id="{AA23FFD8-57EF-751D-3222-A3860630DD71}"/>
+              </a:ext>
+            </a:extLst>
+          </p:cNvPr>
+          <p:cNvSpPr>
+            <a:spLocks noGrp="1"/>
+          </p:cNvSpPr>
+          <p:nvPr>
+            <p:ph idx="1"/>
+          </p:nvPr>
+        </p:nvSpPr>
+        <p:spPr>
+          <a:xfrm>
+            <a:off x="609600" y="1481800"/>
+            <a:ext cx="10972800" cy="1227120"/>
+          </a:xfrm>
+        </p:spPr>
+        <p:txBody>
+          <a:bodyPr>
+            <a:normAutofit fontScale="92500" lnSpcReduction="10000"/>
+          </a:bodyPr>
+          <a:lstStyle/>
+          <a:p>
+            <a:r>
+              <a:rPr lang="en-GB" dirty="0"/>
+              <a:t>Change into the </a:t>
+            </a:r>
+            <a:r>
+              <a:rPr lang="en-GB" i="1" dirty="0"/>
+              <a:t>wt1-getting-started </a:t>
+            </a:r>
+            <a:r>
+              <a:rPr lang="en-GB" dirty="0"/>
+              <a:t>directory</a:t>
+            </a:r>
+          </a:p>
+          <a:p>
+            <a:endParaRPr lang="en-GB" dirty="0"/>
+          </a:p>
+          <a:p>
+            <a:r>
+              <a:rPr lang="en-GB" dirty="0"/>
+              <a:t>Compile the code using the </a:t>
+            </a:r>
+            <a:r>
+              <a:rPr lang="en-GB" i="1" dirty="0" err="1"/>
+              <a:t>cslc</a:t>
+            </a:r>
+            <a:r>
+              <a:rPr lang="en-GB" i="1" dirty="0"/>
+              <a:t> </a:t>
+            </a:r>
+            <a:r>
+              <a:rPr lang="en-GB" dirty="0"/>
+              <a:t>command </a:t>
+            </a:r>
+          </a:p>
+        </p:txBody>
+      </p:sp>
+      <p:sp>
+        <p:nvSpPr>
           <p:cNvPr id="5" name="TextBox 4">
             <a:extLst>
               <a:ext uri="{FF2B5EF4-FFF2-40B4-BE49-F238E27FC236}">
@@ -21191,8 +22987,8 @@
         </p:nvSpPr>
         <p:spPr>
           <a:xfrm>
-            <a:off x="609600" y="2430201"/>
-            <a:ext cx="10972800" cy="2800767"/>
+            <a:off x="609600" y="3047485"/>
+            <a:ext cx="10972800" cy="2308324"/>
           </a:xfrm>
           <a:prstGeom prst="rect">
             <a:avLst/>
@@ -21230,6 +23026,114 @@
               <a:t>[vistor01@sdf-cs1 wt1-getting-started]$ </a:t>
             </a:r>
             <a:r>
+              <a:rPr lang="en-GB" sz="1600" b="1" dirty="0" err="1">
+                <a:solidFill>
+                  <a:schemeClr val="bg1"/>
+                </a:solidFill>
+                <a:latin typeface="Courier New" panose="02070309020205020404" pitchFamily="49" charset="0"/>
+                <a:cs typeface="Courier New" panose="02070309020205020404" pitchFamily="49" charset="0"/>
+              </a:rPr>
+              <a:t>cslc</a:t>
+            </a:r>
+            <a:r>
+              <a:rPr lang="en-GB" sz="1600" b="1" dirty="0">
+                <a:solidFill>
+                  <a:schemeClr val="bg1"/>
+                </a:solidFill>
+                <a:latin typeface="Courier New" panose="02070309020205020404" pitchFamily="49" charset="0"/>
+                <a:cs typeface="Courier New" panose="02070309020205020404" pitchFamily="49" charset="0"/>
+              </a:rPr>
+              <a:t> </a:t>
+            </a:r>
+            <a:r>
+              <a:rPr lang="en-GB" sz="1600" b="1" dirty="0" err="1">
+                <a:solidFill>
+                  <a:schemeClr val="bg1"/>
+                </a:solidFill>
+                <a:latin typeface="Courier New" panose="02070309020205020404" pitchFamily="49" charset="0"/>
+                <a:cs typeface="Courier New" panose="02070309020205020404" pitchFamily="49" charset="0"/>
+              </a:rPr>
+              <a:t>layout.csl</a:t>
+            </a:r>
+            <a:r>
+              <a:rPr lang="en-GB" sz="1600" b="1" dirty="0">
+                <a:solidFill>
+                  <a:schemeClr val="bg1"/>
+                </a:solidFill>
+                <a:latin typeface="Courier New" panose="02070309020205020404" pitchFamily="49" charset="0"/>
+                <a:cs typeface="Courier New" panose="02070309020205020404" pitchFamily="49" charset="0"/>
+              </a:rPr>
+              <a:t> --fabric-dims=8,3 --fabric-offsets=4,1 --</a:t>
+            </a:r>
+            <a:r>
+              <a:rPr lang="en-GB" sz="1600" b="1" dirty="0" err="1">
+                <a:solidFill>
+                  <a:schemeClr val="bg1"/>
+                </a:solidFill>
+                <a:latin typeface="Courier New" panose="02070309020205020404" pitchFamily="49" charset="0"/>
+                <a:cs typeface="Courier New" panose="02070309020205020404" pitchFamily="49" charset="0"/>
+              </a:rPr>
+              <a:t>memcpy</a:t>
+            </a:r>
+            <a:r>
+              <a:rPr lang="en-GB" sz="1600" b="1" dirty="0">
+                <a:solidFill>
+                  <a:schemeClr val="bg1"/>
+                </a:solidFill>
+                <a:latin typeface="Courier New" panose="02070309020205020404" pitchFamily="49" charset="0"/>
+                <a:cs typeface="Courier New" panose="02070309020205020404" pitchFamily="49" charset="0"/>
+              </a:rPr>
+              <a:t> --channels=1 -o out</a:t>
+            </a:r>
+          </a:p>
+          <a:p>
+            <a:r>
+              <a:rPr lang="en-GB" sz="1600" dirty="0">
+                <a:solidFill>
+                  <a:schemeClr val="bg1"/>
+                </a:solidFill>
+                <a:latin typeface="Courier New" panose="02070309020205020404" pitchFamily="49" charset="0"/>
+                <a:cs typeface="Courier New" panose="02070309020205020404" pitchFamily="49" charset="0"/>
+              </a:rPr>
+              <a:t>INFO: Using SIF: /home/y26/shared/cs_sdk-1.0.0/cbcore_sdk-202311111408-10-4a54bce5.sif</a:t>
+            </a:r>
+          </a:p>
+          <a:p>
+            <a:r>
+              <a:rPr lang="en-GB" sz="1600" dirty="0">
+                <a:solidFill>
+                  <a:schemeClr val="bg1"/>
+                </a:solidFill>
+                <a:latin typeface="Courier New" panose="02070309020205020404" pitchFamily="49" charset="0"/>
+                <a:cs typeface="Courier New" panose="02070309020205020404" pitchFamily="49" charset="0"/>
+              </a:rPr>
+              <a:t>compile successful</a:t>
+            </a:r>
+          </a:p>
+          <a:p>
+            <a:r>
+              <a:rPr lang="en-GB" sz="1600" dirty="0">
+                <a:solidFill>
+                  <a:schemeClr val="bg1"/>
+                </a:solidFill>
+                <a:latin typeface="Courier New" panose="02070309020205020404" pitchFamily="49" charset="0"/>
+                <a:cs typeface="Courier New" panose="02070309020205020404" pitchFamily="49" charset="0"/>
+              </a:rPr>
+              <a:t>[nebcs1@sdf-cs1 wt1-getting-started]$ ls out/</a:t>
+            </a:r>
+          </a:p>
+          <a:p>
+            <a:r>
+              <a:rPr lang="en-GB" sz="1600" dirty="0">
+                <a:solidFill>
+                  <a:schemeClr val="bg1"/>
+                </a:solidFill>
+                <a:latin typeface="Courier New" panose="02070309020205020404" pitchFamily="49" charset="0"/>
+                <a:cs typeface="Courier New" panose="02070309020205020404" pitchFamily="49" charset="0"/>
+              </a:rPr>
+              <a:t>bin  east  </a:t>
+            </a:r>
+            <a:r>
               <a:rPr lang="en-GB" sz="1600" dirty="0" err="1">
                 <a:solidFill>
                   <a:schemeClr val="bg1"/>
@@ -21237,7 +23141,7 @@
                 <a:latin typeface="Courier New" panose="02070309020205020404" pitchFamily="49" charset="0"/>
                 <a:cs typeface="Courier New" panose="02070309020205020404" pitchFamily="49" charset="0"/>
               </a:rPr>
-              <a:t>cs_python</a:t>
+              <a:t>out.json</a:t>
             </a:r>
             <a:r>
               <a:rPr lang="en-GB" sz="1600" dirty="0">
@@ -21247,7 +23151,7 @@
                 <a:latin typeface="Courier New" panose="02070309020205020404" pitchFamily="49" charset="0"/>
                 <a:cs typeface="Courier New" panose="02070309020205020404" pitchFamily="49" charset="0"/>
               </a:rPr>
-              <a:t> run.py --name out</a:t>
+              <a:t>  west</a:t>
             </a:r>
           </a:p>
           <a:p>
@@ -21259,7 +23163,7 @@
                 <a:latin typeface="Courier New" panose="02070309020205020404" pitchFamily="49" charset="0"/>
                 <a:cs typeface="Courier New" panose="02070309020205020404" pitchFamily="49" charset="0"/>
               </a:rPr>
-              <a:t>INFO: Using SIF: /home/y26/shared/cs_sdk-1.0.0/cbcore_sdk-202311111408-10-4a54bce5.sif</a:t>
+              <a:t>[nebcs1@sdf-cs1 wt1-getting-started]$ ls out/bin/</a:t>
             </a:r>
           </a:p>
           <a:p>
@@ -21271,7 +23175,7 @@
                 <a:latin typeface="Courier New" panose="02070309020205020404" pitchFamily="49" charset="0"/>
                 <a:cs typeface="Courier New" panose="02070309020205020404" pitchFamily="49" charset="0"/>
               </a:rPr>
-              <a:t>Reading file out/</a:t>
+              <a:t>out_0_0.elf  </a:t>
             </a:r>
             <a:r>
               <a:rPr lang="en-GB" sz="1600" dirty="0" err="1">
@@ -21281,7 +23185,7 @@
                 <a:latin typeface="Courier New" panose="02070309020205020404" pitchFamily="49" charset="0"/>
                 <a:cs typeface="Courier New" panose="02070309020205020404" pitchFamily="49" charset="0"/>
               </a:rPr>
-              <a:t>out.json</a:t>
+              <a:t>out_rpc.json</a:t>
             </a:r>
             <a:endParaRPr lang="en-GB" sz="1600" dirty="0">
               <a:solidFill>
@@ -21291,462 +23195,14 @@
               <a:cs typeface="Courier New" panose="02070309020205020404" pitchFamily="49" charset="0"/>
             </a:endParaRPr>
           </a:p>
-          <a:p>
-            <a:r>
-              <a:rPr lang="en-GB" sz="1600" dirty="0">
-                <a:solidFill>
-                  <a:schemeClr val="bg1"/>
-                </a:solidFill>
-                <a:latin typeface="Courier New" panose="02070309020205020404" pitchFamily="49" charset="0"/>
-                <a:cs typeface="Courier New" panose="02070309020205020404" pitchFamily="49" charset="0"/>
-              </a:rPr>
-              <a:t>Reading file out/bin/</a:t>
-            </a:r>
-            <a:r>
-              <a:rPr lang="en-GB" sz="1600" dirty="0" err="1">
-                <a:solidFill>
-                  <a:schemeClr val="bg1"/>
-                </a:solidFill>
-                <a:latin typeface="Courier New" panose="02070309020205020404" pitchFamily="49" charset="0"/>
-                <a:cs typeface="Courier New" panose="02070309020205020404" pitchFamily="49" charset="0"/>
-              </a:rPr>
-              <a:t>out_rpc.json</a:t>
-            </a:r>
-            <a:endParaRPr lang="en-GB" sz="1600" dirty="0">
-              <a:solidFill>
-                <a:schemeClr val="bg1"/>
-              </a:solidFill>
-              <a:latin typeface="Courier New" panose="02070309020205020404" pitchFamily="49" charset="0"/>
-              <a:cs typeface="Courier New" panose="02070309020205020404" pitchFamily="49" charset="0"/>
-            </a:endParaRPr>
-          </a:p>
-          <a:p>
-            <a:r>
-              <a:rPr lang="en-GB" sz="1600" dirty="0">
-                <a:solidFill>
-                  <a:schemeClr val="bg1"/>
-                </a:solidFill>
-                <a:latin typeface="Courier New" panose="02070309020205020404" pitchFamily="49" charset="0"/>
-                <a:cs typeface="Courier New" panose="02070309020205020404" pitchFamily="49" charset="0"/>
-              </a:rPr>
-              <a:t>Reading file out/west/</a:t>
-            </a:r>
-            <a:r>
-              <a:rPr lang="en-GB" sz="1600" dirty="0" err="1">
-                <a:solidFill>
-                  <a:schemeClr val="bg1"/>
-                </a:solidFill>
-                <a:latin typeface="Courier New" panose="02070309020205020404" pitchFamily="49" charset="0"/>
-                <a:cs typeface="Courier New" panose="02070309020205020404" pitchFamily="49" charset="0"/>
-              </a:rPr>
-              <a:t>out.json</a:t>
-            </a:r>
-            <a:endParaRPr lang="en-GB" sz="1600" dirty="0">
-              <a:solidFill>
-                <a:schemeClr val="bg1"/>
-              </a:solidFill>
-              <a:latin typeface="Courier New" panose="02070309020205020404" pitchFamily="49" charset="0"/>
-              <a:cs typeface="Courier New" panose="02070309020205020404" pitchFamily="49" charset="0"/>
-            </a:endParaRPr>
-          </a:p>
-          <a:p>
-            <a:r>
-              <a:rPr lang="en-GB" sz="1600" dirty="0">
-                <a:solidFill>
-                  <a:schemeClr val="bg1"/>
-                </a:solidFill>
-                <a:latin typeface="Courier New" panose="02070309020205020404" pitchFamily="49" charset="0"/>
-                <a:cs typeface="Courier New" panose="02070309020205020404" pitchFamily="49" charset="0"/>
-              </a:rPr>
-              <a:t>Reading file out/east/</a:t>
-            </a:r>
-            <a:r>
-              <a:rPr lang="en-GB" sz="1600" dirty="0" err="1">
-                <a:solidFill>
-                  <a:schemeClr val="bg1"/>
-                </a:solidFill>
-                <a:latin typeface="Courier New" panose="02070309020205020404" pitchFamily="49" charset="0"/>
-                <a:cs typeface="Courier New" panose="02070309020205020404" pitchFamily="49" charset="0"/>
-              </a:rPr>
-              <a:t>out.json</a:t>
-            </a:r>
-            <a:endParaRPr lang="en-GB" sz="1600" dirty="0">
-              <a:solidFill>
-                <a:schemeClr val="bg1"/>
-              </a:solidFill>
-              <a:latin typeface="Courier New" panose="02070309020205020404" pitchFamily="49" charset="0"/>
-              <a:cs typeface="Courier New" panose="02070309020205020404" pitchFamily="49" charset="0"/>
-            </a:endParaRPr>
-          </a:p>
-          <a:p>
-            <a:r>
-              <a:rPr lang="en-GB" sz="1600" dirty="0">
-                <a:solidFill>
-                  <a:schemeClr val="bg1"/>
-                </a:solidFill>
-                <a:latin typeface="Courier New" panose="02070309020205020404" pitchFamily="49" charset="0"/>
-                <a:cs typeface="Courier New" panose="02070309020205020404" pitchFamily="49" charset="0"/>
-              </a:rPr>
-              <a:t>fab </a:t>
-            </a:r>
-            <a:r>
-              <a:rPr lang="en-GB" sz="1600" dirty="0" err="1">
-                <a:solidFill>
-                  <a:schemeClr val="bg1"/>
-                </a:solidFill>
-                <a:latin typeface="Courier New" panose="02070309020205020404" pitchFamily="49" charset="0"/>
-                <a:cs typeface="Courier New" panose="02070309020205020404" pitchFamily="49" charset="0"/>
-              </a:rPr>
-              <a:t>w,h</a:t>
-            </a:r>
-            <a:r>
-              <a:rPr lang="en-GB" sz="1600" dirty="0">
-                <a:solidFill>
-                  <a:schemeClr val="bg1"/>
-                </a:solidFill>
-                <a:latin typeface="Courier New" panose="02070309020205020404" pitchFamily="49" charset="0"/>
-                <a:cs typeface="Courier New" panose="02070309020205020404" pitchFamily="49" charset="0"/>
-              </a:rPr>
-              <a:t> = 8,3</a:t>
-            </a:r>
-          </a:p>
-          <a:p>
-            <a:r>
-              <a:rPr lang="en-GB" sz="1600" dirty="0">
-                <a:solidFill>
-                  <a:schemeClr val="bg1"/>
-                </a:solidFill>
-                <a:latin typeface="Courier New" panose="02070309020205020404" pitchFamily="49" charset="0"/>
-                <a:cs typeface="Courier New" panose="02070309020205020404" pitchFamily="49" charset="0"/>
-              </a:rPr>
-              <a:t>Kernel </a:t>
-            </a:r>
-            <a:r>
-              <a:rPr lang="en-GB" sz="1600" dirty="0" err="1">
-                <a:solidFill>
-                  <a:schemeClr val="bg1"/>
-                </a:solidFill>
-                <a:latin typeface="Courier New" panose="02070309020205020404" pitchFamily="49" charset="0"/>
-                <a:cs typeface="Courier New" panose="02070309020205020404" pitchFamily="49" charset="0"/>
-              </a:rPr>
-              <a:t>x,y</a:t>
-            </a:r>
-            <a:r>
-              <a:rPr lang="en-GB" sz="1600" dirty="0">
-                <a:solidFill>
-                  <a:schemeClr val="bg1"/>
-                </a:solidFill>
-                <a:latin typeface="Courier New" panose="02070309020205020404" pitchFamily="49" charset="0"/>
-                <a:cs typeface="Courier New" panose="02070309020205020404" pitchFamily="49" charset="0"/>
-              </a:rPr>
-              <a:t> </a:t>
-            </a:r>
-            <a:r>
-              <a:rPr lang="en-GB" sz="1600" dirty="0" err="1">
-                <a:solidFill>
-                  <a:schemeClr val="bg1"/>
-                </a:solidFill>
-                <a:latin typeface="Courier New" panose="02070309020205020404" pitchFamily="49" charset="0"/>
-                <a:cs typeface="Courier New" panose="02070309020205020404" pitchFamily="49" charset="0"/>
-              </a:rPr>
-              <a:t>w,h</a:t>
-            </a:r>
-            <a:r>
-              <a:rPr lang="en-GB" sz="1600" dirty="0">
-                <a:solidFill>
-                  <a:schemeClr val="bg1"/>
-                </a:solidFill>
-                <a:latin typeface="Courier New" panose="02070309020205020404" pitchFamily="49" charset="0"/>
-                <a:cs typeface="Courier New" panose="02070309020205020404" pitchFamily="49" charset="0"/>
-              </a:rPr>
-              <a:t> = 4,1 1,1</a:t>
-            </a:r>
-          </a:p>
-          <a:p>
-            <a:r>
-              <a:rPr lang="en-GB" sz="1600" dirty="0" err="1">
-                <a:solidFill>
-                  <a:schemeClr val="bg1"/>
-                </a:solidFill>
-                <a:latin typeface="Courier New" panose="02070309020205020404" pitchFamily="49" charset="0"/>
-                <a:cs typeface="Courier New" panose="02070309020205020404" pitchFamily="49" charset="0"/>
-              </a:rPr>
-              <a:t>memcpy</a:t>
-            </a:r>
-            <a:r>
-              <a:rPr lang="en-GB" sz="1600" dirty="0">
-                <a:solidFill>
-                  <a:schemeClr val="bg1"/>
-                </a:solidFill>
-                <a:latin typeface="Courier New" panose="02070309020205020404" pitchFamily="49" charset="0"/>
-                <a:cs typeface="Courier New" panose="02070309020205020404" pitchFamily="49" charset="0"/>
-              </a:rPr>
-              <a:t> </a:t>
-            </a:r>
-            <a:r>
-              <a:rPr lang="en-GB" sz="1600" dirty="0" err="1">
-                <a:solidFill>
-                  <a:schemeClr val="bg1"/>
-                </a:solidFill>
-                <a:latin typeface="Courier New" panose="02070309020205020404" pitchFamily="49" charset="0"/>
-                <a:cs typeface="Courier New" panose="02070309020205020404" pitchFamily="49" charset="0"/>
-              </a:rPr>
-              <a:t>x,y</a:t>
-            </a:r>
-            <a:r>
-              <a:rPr lang="en-GB" sz="1600" dirty="0">
-                <a:solidFill>
-                  <a:schemeClr val="bg1"/>
-                </a:solidFill>
-                <a:latin typeface="Courier New" panose="02070309020205020404" pitchFamily="49" charset="0"/>
-                <a:cs typeface="Courier New" panose="02070309020205020404" pitchFamily="49" charset="0"/>
-              </a:rPr>
-              <a:t> </a:t>
-            </a:r>
-            <a:r>
-              <a:rPr lang="en-GB" sz="1600" dirty="0" err="1">
-                <a:solidFill>
-                  <a:schemeClr val="bg1"/>
-                </a:solidFill>
-                <a:latin typeface="Courier New" panose="02070309020205020404" pitchFamily="49" charset="0"/>
-                <a:cs typeface="Courier New" panose="02070309020205020404" pitchFamily="49" charset="0"/>
-              </a:rPr>
-              <a:t>w,h</a:t>
-            </a:r>
-            <a:r>
-              <a:rPr lang="en-GB" sz="1600" dirty="0">
-                <a:solidFill>
-                  <a:schemeClr val="bg1"/>
-                </a:solidFill>
-                <a:latin typeface="Courier New" panose="02070309020205020404" pitchFamily="49" charset="0"/>
-                <a:cs typeface="Courier New" panose="02070309020205020404" pitchFamily="49" charset="0"/>
-              </a:rPr>
-              <a:t> = 1,1 6,1</a:t>
-            </a:r>
-          </a:p>
-          <a:p>
-            <a:r>
-              <a:rPr lang="en-GB" sz="1600" dirty="0">
-                <a:solidFill>
-                  <a:schemeClr val="bg1"/>
-                </a:solidFill>
-                <a:latin typeface="Courier New" panose="02070309020205020404" pitchFamily="49" charset="0"/>
-                <a:cs typeface="Courier New" panose="02070309020205020404" pitchFamily="49" charset="0"/>
-              </a:rPr>
-              <a:t>SUCCESS!</a:t>
-            </a:r>
-          </a:p>
-        </p:txBody>
-      </p:sp>
-      <p:sp>
-        <p:nvSpPr>
-          <p:cNvPr id="6" name="Content Placeholder 2">
+        </p:txBody>
+      </p:sp>
+      <p:sp>
+        <p:nvSpPr>
+          <p:cNvPr id="4" name="TextBox 3">
             <a:extLst>
               <a:ext uri="{FF2B5EF4-FFF2-40B4-BE49-F238E27FC236}">
-                <a16:creationId xmlns:a16="http://schemas.microsoft.com/office/drawing/2014/main" id="{F93E213F-EA3A-0917-DC67-2FB7376D71EE}"/>
-              </a:ext>
-            </a:extLst>
-          </p:cNvPr>
-          <p:cNvSpPr txBox="1">
-            <a:spLocks/>
-          </p:cNvSpPr>
-          <p:nvPr/>
-        </p:nvSpPr>
-        <p:spPr>
-          <a:xfrm>
-            <a:off x="600896" y="1837169"/>
-            <a:ext cx="10972800" cy="948401"/>
-          </a:xfrm>
-          <a:prstGeom prst="rect">
-            <a:avLst/>
-          </a:prstGeom>
-        </p:spPr>
-        <p:txBody>
-          <a:bodyPr vert="horz" lIns="91440" tIns="45720" rIns="91440" bIns="45720" rtlCol="0">
-            <a:normAutofit/>
-          </a:bodyPr>
-          <a:lstStyle>
-            <a:lvl1pPr marL="182880" indent="-182880" algn="l" defTabSz="914400" rtl="0" eaLnBrk="1" latinLnBrk="0" hangingPunct="1">
-              <a:spcBef>
-                <a:spcPct val="20000"/>
-              </a:spcBef>
-              <a:buClr>
-                <a:schemeClr val="accent1"/>
-              </a:buClr>
-              <a:buSzPct val="85000"/>
-              <a:buFont typeface="Arial" pitchFamily="34" charset="0"/>
-              <a:buChar char="•"/>
-              <a:defRPr sz="2400" kern="1200">
-                <a:solidFill>
-                  <a:schemeClr val="tx1"/>
-                </a:solidFill>
-                <a:latin typeface="+mn-lt"/>
-                <a:ea typeface="+mn-ea"/>
-                <a:cs typeface="+mn-cs"/>
-              </a:defRPr>
-            </a:lvl1pPr>
-            <a:lvl2pPr marL="457200" indent="-182880" algn="l" defTabSz="914400" rtl="0" eaLnBrk="1" latinLnBrk="0" hangingPunct="1">
-              <a:spcBef>
-                <a:spcPct val="20000"/>
-              </a:spcBef>
-              <a:buClr>
-                <a:schemeClr val="accent1"/>
-              </a:buClr>
-              <a:buSzPct val="85000"/>
-              <a:buFont typeface="Arial" pitchFamily="34" charset="0"/>
-              <a:buChar char="•"/>
-              <a:defRPr sz="2000" kern="1200">
-                <a:solidFill>
-                  <a:schemeClr val="tx1"/>
-                </a:solidFill>
-                <a:latin typeface="+mn-lt"/>
-                <a:ea typeface="+mn-ea"/>
-                <a:cs typeface="+mn-cs"/>
-              </a:defRPr>
-            </a:lvl2pPr>
-            <a:lvl3pPr marL="731520" indent="-182880" algn="l" defTabSz="914400" rtl="0" eaLnBrk="1" latinLnBrk="0" hangingPunct="1">
-              <a:spcBef>
-                <a:spcPct val="20000"/>
-              </a:spcBef>
-              <a:buClr>
-                <a:schemeClr val="accent1"/>
-              </a:buClr>
-              <a:buSzPct val="90000"/>
-              <a:buFont typeface="Arial" pitchFamily="34" charset="0"/>
-              <a:buChar char="•"/>
-              <a:defRPr sz="1800" kern="1200">
-                <a:solidFill>
-                  <a:schemeClr val="tx1"/>
-                </a:solidFill>
-                <a:latin typeface="+mn-lt"/>
-                <a:ea typeface="+mn-ea"/>
-                <a:cs typeface="+mn-cs"/>
-              </a:defRPr>
-            </a:lvl3pPr>
-            <a:lvl4pPr marL="1005840" indent="-182880" algn="l" defTabSz="914400" rtl="0" eaLnBrk="1" latinLnBrk="0" hangingPunct="1">
-              <a:spcBef>
-                <a:spcPct val="20000"/>
-              </a:spcBef>
-              <a:buClr>
-                <a:schemeClr val="accent1"/>
-              </a:buClr>
-              <a:buFont typeface="Arial" pitchFamily="34" charset="0"/>
-              <a:buChar char="•"/>
-              <a:defRPr sz="1600" kern="1200">
-                <a:solidFill>
-                  <a:schemeClr val="tx1"/>
-                </a:solidFill>
-                <a:latin typeface="+mn-lt"/>
-                <a:ea typeface="+mn-ea"/>
-                <a:cs typeface="+mn-cs"/>
-              </a:defRPr>
-            </a:lvl4pPr>
-            <a:lvl5pPr marL="1188720" indent="-137160" algn="l" defTabSz="914400" rtl="0" eaLnBrk="1" latinLnBrk="0" hangingPunct="1">
-              <a:spcBef>
-                <a:spcPct val="20000"/>
-              </a:spcBef>
-              <a:buClr>
-                <a:schemeClr val="accent1"/>
-              </a:buClr>
-              <a:buSzPct val="100000"/>
-              <a:buFont typeface="Arial" pitchFamily="34" charset="0"/>
-              <a:buChar char="•"/>
-              <a:defRPr sz="1400" kern="1200" baseline="0">
-                <a:solidFill>
-                  <a:schemeClr val="tx1"/>
-                </a:solidFill>
-                <a:latin typeface="+mn-lt"/>
-                <a:ea typeface="+mn-ea"/>
-                <a:cs typeface="+mn-cs"/>
-              </a:defRPr>
-            </a:lvl5pPr>
-            <a:lvl6pPr marL="1371600" indent="-182880" algn="l" defTabSz="914400" rtl="0" eaLnBrk="1" latinLnBrk="0" hangingPunct="1">
-              <a:spcBef>
-                <a:spcPct val="20000"/>
-              </a:spcBef>
-              <a:buClr>
-                <a:schemeClr val="accent1"/>
-              </a:buClr>
-              <a:buFont typeface="Arial" pitchFamily="34" charset="0"/>
-              <a:buChar char="•"/>
-              <a:defRPr sz="1300" kern="1200">
-                <a:solidFill>
-                  <a:schemeClr val="tx1"/>
-                </a:solidFill>
-                <a:latin typeface="+mn-lt"/>
-                <a:ea typeface="+mn-ea"/>
-                <a:cs typeface="+mn-cs"/>
-              </a:defRPr>
-            </a:lvl6pPr>
-            <a:lvl7pPr marL="1554480" indent="-182880" algn="l" defTabSz="914400" rtl="0" eaLnBrk="1" latinLnBrk="0" hangingPunct="1">
-              <a:spcBef>
-                <a:spcPct val="20000"/>
-              </a:spcBef>
-              <a:buClr>
-                <a:schemeClr val="accent1"/>
-              </a:buClr>
-              <a:buFont typeface="Arial" pitchFamily="34" charset="0"/>
-              <a:buChar char="•"/>
-              <a:defRPr sz="1300" kern="1200">
-                <a:solidFill>
-                  <a:schemeClr val="tx1"/>
-                </a:solidFill>
-                <a:latin typeface="+mn-lt"/>
-                <a:ea typeface="+mn-ea"/>
-                <a:cs typeface="+mn-cs"/>
-              </a:defRPr>
-            </a:lvl7pPr>
-            <a:lvl8pPr marL="1737360" indent="-182880" algn="l" defTabSz="914400" rtl="0" eaLnBrk="1" latinLnBrk="0" hangingPunct="1">
-              <a:spcBef>
-                <a:spcPct val="20000"/>
-              </a:spcBef>
-              <a:buClr>
-                <a:schemeClr val="accent1"/>
-              </a:buClr>
-              <a:buFont typeface="Arial" pitchFamily="34" charset="0"/>
-              <a:buChar char="•"/>
-              <a:defRPr sz="1300" kern="1200">
-                <a:solidFill>
-                  <a:schemeClr val="tx1"/>
-                </a:solidFill>
-                <a:latin typeface="+mn-lt"/>
-                <a:ea typeface="+mn-ea"/>
-                <a:cs typeface="+mn-cs"/>
-              </a:defRPr>
-            </a:lvl8pPr>
-            <a:lvl9pPr marL="1920240" indent="-182880" algn="l" defTabSz="914400" rtl="0" eaLnBrk="1" latinLnBrk="0" hangingPunct="1">
-              <a:spcBef>
-                <a:spcPct val="20000"/>
-              </a:spcBef>
-              <a:buClr>
-                <a:schemeClr val="accent1"/>
-              </a:buClr>
-              <a:buFont typeface="Arial" pitchFamily="34" charset="0"/>
-              <a:buChar char="•"/>
-              <a:defRPr sz="1300" kern="1200">
-                <a:solidFill>
-                  <a:schemeClr val="tx1"/>
-                </a:solidFill>
-                <a:latin typeface="+mn-lt"/>
-                <a:ea typeface="+mn-ea"/>
-                <a:cs typeface="+mn-cs"/>
-              </a:defRPr>
-            </a:lvl9pPr>
-          </a:lstStyle>
-          <a:p>
-            <a:r>
-              <a:rPr lang="en-GB" dirty="0"/>
-              <a:t>Run (via the simulator)</a:t>
-            </a:r>
-          </a:p>
-        </p:txBody>
-      </p:sp>
-      <p:sp>
-        <p:nvSpPr>
-          <p:cNvPr id="10" name="TextBox 9">
-            <a:extLst>
-              <a:ext uri="{FF2B5EF4-FFF2-40B4-BE49-F238E27FC236}">
-                <a16:creationId xmlns:a16="http://schemas.microsoft.com/office/drawing/2014/main" id="{BC92662D-5730-DF8B-DEE2-BB2BB9866BA4}"/>
+                <a16:creationId xmlns:a16="http://schemas.microsoft.com/office/drawing/2014/main" id="{88CFD2D6-3242-28B5-597C-00D6861E34C1}"/>
               </a:ext>
             </a:extLst>
           </p:cNvPr>
@@ -21755,8 +23211,8 @@
         </p:nvSpPr>
         <p:spPr>
           <a:xfrm>
-            <a:off x="600896" y="5794593"/>
-            <a:ext cx="10972800" cy="369332"/>
+            <a:off x="695400" y="5949280"/>
+            <a:ext cx="10887000" cy="646331"/>
           </a:xfrm>
           <a:prstGeom prst="rect">
             <a:avLst/>
@@ -21773,10 +23229,10 @@
             <a:r>
               <a:rPr lang="en-GB" i="1" dirty="0">
                 <a:solidFill>
-                  <a:srgbClr val="0070C0"/>
-                </a:solidFill>
-              </a:rPr>
-              <a:t>Congratulations! You have run your first CSL program (although it doesn’t do very much yet!)</a:t>
+                  <a:srgbClr val="FF0000"/>
+                </a:solidFill>
+              </a:rPr>
+              <a:t>You don’t need to type in or remember the compile and run commands, as we have a helper script that will compile and simulate the code (more on that in a moment)</a:t>
             </a:r>
           </a:p>
         </p:txBody>
@@ -21784,7 +23240,7 @@
     </p:spTree>
     <p:extLst>
       <p:ext uri="{BB962C8B-B14F-4D97-AF65-F5344CB8AC3E}">
-        <p14:creationId xmlns:p14="http://schemas.microsoft.com/office/powerpoint/2010/main" val="635791193"/>
+        <p14:creationId xmlns:p14="http://schemas.microsoft.com/office/powerpoint/2010/main" val="2877601643"/>
       </p:ext>
     </p:extLst>
   </p:cSld>
